--- a/Docs/Presentation/SeniorDesignPresentation.pptx
+++ b/Docs/Presentation/SeniorDesignPresentation.pptx
@@ -5,31 +5,47 @@
     <p:sldMasterId id="2147483660" r:id="rId1"/>
   </p:sldMasterIdLst>
   <p:notesMasterIdLst>
-    <p:notesMasterId r:id="rId24"/>
+    <p:notesMasterId r:id="rId40"/>
   </p:notesMasterIdLst>
   <p:sldIdLst>
     <p:sldId id="256" r:id="rId2"/>
     <p:sldId id="257" r:id="rId3"/>
-    <p:sldId id="260" r:id="rId4"/>
-    <p:sldId id="305" r:id="rId5"/>
-    <p:sldId id="301" r:id="rId6"/>
-    <p:sldId id="302" r:id="rId7"/>
-    <p:sldId id="300" r:id="rId8"/>
-    <p:sldId id="263" r:id="rId9"/>
-    <p:sldId id="304" r:id="rId10"/>
-    <p:sldId id="279" r:id="rId11"/>
-    <p:sldId id="288" r:id="rId12"/>
-    <p:sldId id="261" r:id="rId13"/>
-    <p:sldId id="262" r:id="rId14"/>
-    <p:sldId id="303" r:id="rId15"/>
-    <p:sldId id="281" r:id="rId16"/>
-    <p:sldId id="266" r:id="rId17"/>
-    <p:sldId id="284" r:id="rId18"/>
-    <p:sldId id="298" r:id="rId19"/>
-    <p:sldId id="307" r:id="rId20"/>
-    <p:sldId id="306" r:id="rId21"/>
-    <p:sldId id="277" r:id="rId22"/>
-    <p:sldId id="278" r:id="rId23"/>
+    <p:sldId id="310" r:id="rId4"/>
+    <p:sldId id="300" r:id="rId5"/>
+    <p:sldId id="260" r:id="rId6"/>
+    <p:sldId id="305" r:id="rId7"/>
+    <p:sldId id="301" r:id="rId8"/>
+    <p:sldId id="302" r:id="rId9"/>
+    <p:sldId id="312" r:id="rId10"/>
+    <p:sldId id="263" r:id="rId11"/>
+    <p:sldId id="304" r:id="rId12"/>
+    <p:sldId id="279" r:id="rId13"/>
+    <p:sldId id="288" r:id="rId14"/>
+    <p:sldId id="311" r:id="rId15"/>
+    <p:sldId id="261" r:id="rId16"/>
+    <p:sldId id="262" r:id="rId17"/>
+    <p:sldId id="303" r:id="rId18"/>
+    <p:sldId id="313" r:id="rId19"/>
+    <p:sldId id="281" r:id="rId20"/>
+    <p:sldId id="321" r:id="rId21"/>
+    <p:sldId id="322" r:id="rId22"/>
+    <p:sldId id="323" r:id="rId23"/>
+    <p:sldId id="327" r:id="rId24"/>
+    <p:sldId id="325" r:id="rId25"/>
+    <p:sldId id="328" r:id="rId26"/>
+    <p:sldId id="324" r:id="rId27"/>
+    <p:sldId id="329" r:id="rId28"/>
+    <p:sldId id="314" r:id="rId29"/>
+    <p:sldId id="284" r:id="rId30"/>
+    <p:sldId id="315" r:id="rId31"/>
+    <p:sldId id="298" r:id="rId32"/>
+    <p:sldId id="316" r:id="rId33"/>
+    <p:sldId id="307" r:id="rId34"/>
+    <p:sldId id="319" r:id="rId35"/>
+    <p:sldId id="320" r:id="rId36"/>
+    <p:sldId id="318" r:id="rId37"/>
+    <p:sldId id="277" r:id="rId38"/>
+    <p:sldId id="278" r:id="rId39"/>
   </p:sldIdLst>
   <p:sldSz cx="9144000" cy="6858000" type="screen4x3"/>
   <p:notesSz cx="6858000" cy="9144000"/>
@@ -1064,20 +1080,6 @@
           </a:bodyPr>
           <a:lstStyle/>
           <a:p>
-            <a:r>
-              <a:rPr lang="en-US" dirty="0" smtClean="0"/>
-              <a:t>Don’t forget to doctor this picture</a:t>
-            </a:r>
-          </a:p>
-          <a:p>
-            <a:r>
-              <a:rPr lang="en-US" dirty="0" smtClean="0"/>
-              <a:t>Animate dead</a:t>
-            </a:r>
-            <a:r>
-              <a:rPr lang="en-US" baseline="0" dirty="0" smtClean="0"/>
-              <a:t> zones</a:t>
-            </a:r>
             <a:endParaRPr lang="en-US" dirty="0"/>
           </a:p>
         </p:txBody>
@@ -1162,15 +1164,11 @@
           <a:p>
             <a:r>
               <a:rPr lang="en-US" dirty="0" smtClean="0"/>
-              <a:t>(for earthquake prone states…</a:t>
+              <a:t>Get a new picture, </a:t>
             </a:r>
             <a:r>
               <a:rPr lang="en-US" dirty="0" err="1" smtClean="0"/>
-              <a:t>california</a:t>
-            </a:r>
-            <a:r>
-              <a:rPr lang="en-US" dirty="0" smtClean="0"/>
-              <a:t>…)</a:t>
+              <a:t>sucka</a:t>
             </a:r>
             <a:endParaRPr lang="en-US" dirty="0"/>
           </a:p>
@@ -1194,7 +1192,843 @@
             <a:fld id="{F9BFE133-0051-BA46-A0EE-5423E20583A4}" type="slidenum">
               <a:rPr lang="en-US" smtClean="0"/>
               <a:pPr/>
-              <a:t>19</a:t>
+              <a:t>20</a:t>
+            </a:fld>
+            <a:endParaRPr lang="en-US"/>
+          </a:p>
+        </p:txBody>
+      </p:sp>
+    </p:spTree>
+  </p:cSld>
+  <p:clrMapOvr>
+    <a:masterClrMapping/>
+  </p:clrMapOvr>
+</p:notes>
+</file>
+
+<file path=ppt/notesSlides/notesSlide11.xml><?xml version="1.0" encoding="utf-8"?>
+<p:notes xmlns:a="http://schemas.openxmlformats.org/drawingml/2006/main" xmlns:r="http://schemas.openxmlformats.org/officeDocument/2006/relationships" xmlns:p="http://schemas.openxmlformats.org/presentationml/2006/main">
+  <p:cSld>
+    <p:spTree>
+      <p:nvGrpSpPr>
+        <p:cNvPr id="1" name=""/>
+        <p:cNvGrpSpPr/>
+        <p:nvPr/>
+      </p:nvGrpSpPr>
+      <p:grpSpPr>
+        <a:xfrm>
+          <a:off x="0" y="0"/>
+          <a:ext cx="0" cy="0"/>
+          <a:chOff x="0" y="0"/>
+          <a:chExt cx="0" cy="0"/>
+        </a:xfrm>
+      </p:grpSpPr>
+      <p:sp>
+        <p:nvSpPr>
+          <p:cNvPr id="2" name="Slide Image Placeholder 1"/>
+          <p:cNvSpPr>
+            <a:spLocks noGrp="1" noRot="1" noChangeAspect="1"/>
+          </p:cNvSpPr>
+          <p:nvPr>
+            <p:ph type="sldImg"/>
+          </p:nvPr>
+        </p:nvSpPr>
+        <p:spPr/>
+      </p:sp>
+      <p:sp>
+        <p:nvSpPr>
+          <p:cNvPr id="3" name="Notes Placeholder 2"/>
+          <p:cNvSpPr>
+            <a:spLocks noGrp="1"/>
+          </p:cNvSpPr>
+          <p:nvPr>
+            <p:ph type="body" idx="1"/>
+          </p:nvPr>
+        </p:nvSpPr>
+        <p:spPr/>
+        <p:txBody>
+          <a:bodyPr>
+            <a:normAutofit/>
+          </a:bodyPr>
+          <a:lstStyle/>
+          <a:p>
+            <a:r>
+              <a:rPr lang="en-US" dirty="0" smtClean="0"/>
+              <a:t>Get a new picture, </a:t>
+            </a:r>
+            <a:r>
+              <a:rPr lang="en-US" dirty="0" err="1" smtClean="0"/>
+              <a:t>sucka</a:t>
+            </a:r>
+            <a:endParaRPr lang="en-US" dirty="0"/>
+          </a:p>
+        </p:txBody>
+      </p:sp>
+      <p:sp>
+        <p:nvSpPr>
+          <p:cNvPr id="4" name="Slide Number Placeholder 3"/>
+          <p:cNvSpPr>
+            <a:spLocks noGrp="1"/>
+          </p:cNvSpPr>
+          <p:nvPr>
+            <p:ph type="sldNum" sz="quarter" idx="10"/>
+          </p:nvPr>
+        </p:nvSpPr>
+        <p:spPr/>
+        <p:txBody>
+          <a:bodyPr/>
+          <a:lstStyle/>
+          <a:p>
+            <a:fld id="{F9BFE133-0051-BA46-A0EE-5423E20583A4}" type="slidenum">
+              <a:rPr lang="en-US" smtClean="0"/>
+              <a:pPr/>
+              <a:t>21</a:t>
+            </a:fld>
+            <a:endParaRPr lang="en-US"/>
+          </a:p>
+        </p:txBody>
+      </p:sp>
+    </p:spTree>
+  </p:cSld>
+  <p:clrMapOvr>
+    <a:masterClrMapping/>
+  </p:clrMapOvr>
+</p:notes>
+</file>
+
+<file path=ppt/notesSlides/notesSlide12.xml><?xml version="1.0" encoding="utf-8"?>
+<p:notes xmlns:a="http://schemas.openxmlformats.org/drawingml/2006/main" xmlns:r="http://schemas.openxmlformats.org/officeDocument/2006/relationships" xmlns:p="http://schemas.openxmlformats.org/presentationml/2006/main">
+  <p:cSld>
+    <p:spTree>
+      <p:nvGrpSpPr>
+        <p:cNvPr id="1" name=""/>
+        <p:cNvGrpSpPr/>
+        <p:nvPr/>
+      </p:nvGrpSpPr>
+      <p:grpSpPr>
+        <a:xfrm>
+          <a:off x="0" y="0"/>
+          <a:ext cx="0" cy="0"/>
+          <a:chOff x="0" y="0"/>
+          <a:chExt cx="0" cy="0"/>
+        </a:xfrm>
+      </p:grpSpPr>
+      <p:sp>
+        <p:nvSpPr>
+          <p:cNvPr id="2" name="Slide Image Placeholder 1"/>
+          <p:cNvSpPr>
+            <a:spLocks noGrp="1" noRot="1" noChangeAspect="1"/>
+          </p:cNvSpPr>
+          <p:nvPr>
+            <p:ph type="sldImg"/>
+          </p:nvPr>
+        </p:nvSpPr>
+        <p:spPr/>
+      </p:sp>
+      <p:sp>
+        <p:nvSpPr>
+          <p:cNvPr id="3" name="Notes Placeholder 2"/>
+          <p:cNvSpPr>
+            <a:spLocks noGrp="1"/>
+          </p:cNvSpPr>
+          <p:nvPr>
+            <p:ph type="body" idx="1"/>
+          </p:nvPr>
+        </p:nvSpPr>
+        <p:spPr/>
+        <p:txBody>
+          <a:bodyPr>
+            <a:normAutofit/>
+          </a:bodyPr>
+          <a:lstStyle/>
+          <a:p>
+            <a:r>
+              <a:rPr lang="en-US" dirty="0" smtClean="0"/>
+              <a:t>Get a new picture, </a:t>
+            </a:r>
+            <a:r>
+              <a:rPr lang="en-US" dirty="0" err="1" smtClean="0"/>
+              <a:t>sucka</a:t>
+            </a:r>
+            <a:endParaRPr lang="en-US" dirty="0"/>
+          </a:p>
+        </p:txBody>
+      </p:sp>
+      <p:sp>
+        <p:nvSpPr>
+          <p:cNvPr id="4" name="Slide Number Placeholder 3"/>
+          <p:cNvSpPr>
+            <a:spLocks noGrp="1"/>
+          </p:cNvSpPr>
+          <p:nvPr>
+            <p:ph type="sldNum" sz="quarter" idx="10"/>
+          </p:nvPr>
+        </p:nvSpPr>
+        <p:spPr/>
+        <p:txBody>
+          <a:bodyPr/>
+          <a:lstStyle/>
+          <a:p>
+            <a:fld id="{F9BFE133-0051-BA46-A0EE-5423E20583A4}" type="slidenum">
+              <a:rPr lang="en-US" smtClean="0"/>
+              <a:pPr/>
+              <a:t>22</a:t>
+            </a:fld>
+            <a:endParaRPr lang="en-US"/>
+          </a:p>
+        </p:txBody>
+      </p:sp>
+    </p:spTree>
+  </p:cSld>
+  <p:clrMapOvr>
+    <a:masterClrMapping/>
+  </p:clrMapOvr>
+</p:notes>
+</file>
+
+<file path=ppt/notesSlides/notesSlide13.xml><?xml version="1.0" encoding="utf-8"?>
+<p:notes xmlns:a="http://schemas.openxmlformats.org/drawingml/2006/main" xmlns:r="http://schemas.openxmlformats.org/officeDocument/2006/relationships" xmlns:p="http://schemas.openxmlformats.org/presentationml/2006/main">
+  <p:cSld>
+    <p:spTree>
+      <p:nvGrpSpPr>
+        <p:cNvPr id="1" name=""/>
+        <p:cNvGrpSpPr/>
+        <p:nvPr/>
+      </p:nvGrpSpPr>
+      <p:grpSpPr>
+        <a:xfrm>
+          <a:off x="0" y="0"/>
+          <a:ext cx="0" cy="0"/>
+          <a:chOff x="0" y="0"/>
+          <a:chExt cx="0" cy="0"/>
+        </a:xfrm>
+      </p:grpSpPr>
+      <p:sp>
+        <p:nvSpPr>
+          <p:cNvPr id="2" name="Slide Image Placeholder 1"/>
+          <p:cNvSpPr>
+            <a:spLocks noGrp="1" noRot="1" noChangeAspect="1"/>
+          </p:cNvSpPr>
+          <p:nvPr>
+            <p:ph type="sldImg"/>
+          </p:nvPr>
+        </p:nvSpPr>
+        <p:spPr/>
+      </p:sp>
+      <p:sp>
+        <p:nvSpPr>
+          <p:cNvPr id="3" name="Notes Placeholder 2"/>
+          <p:cNvSpPr>
+            <a:spLocks noGrp="1"/>
+          </p:cNvSpPr>
+          <p:nvPr>
+            <p:ph type="body" idx="1"/>
+          </p:nvPr>
+        </p:nvSpPr>
+        <p:spPr/>
+        <p:txBody>
+          <a:bodyPr>
+            <a:normAutofit/>
+          </a:bodyPr>
+          <a:lstStyle/>
+          <a:p>
+            <a:r>
+              <a:rPr lang="en-US" dirty="0" smtClean="0"/>
+              <a:t>Get a new picture, </a:t>
+            </a:r>
+            <a:r>
+              <a:rPr lang="en-US" dirty="0" err="1" smtClean="0"/>
+              <a:t>sucka</a:t>
+            </a:r>
+            <a:endParaRPr lang="en-US" dirty="0"/>
+          </a:p>
+        </p:txBody>
+      </p:sp>
+      <p:sp>
+        <p:nvSpPr>
+          <p:cNvPr id="4" name="Slide Number Placeholder 3"/>
+          <p:cNvSpPr>
+            <a:spLocks noGrp="1"/>
+          </p:cNvSpPr>
+          <p:nvPr>
+            <p:ph type="sldNum" sz="quarter" idx="10"/>
+          </p:nvPr>
+        </p:nvSpPr>
+        <p:spPr/>
+        <p:txBody>
+          <a:bodyPr/>
+          <a:lstStyle/>
+          <a:p>
+            <a:fld id="{F9BFE133-0051-BA46-A0EE-5423E20583A4}" type="slidenum">
+              <a:rPr lang="en-US" smtClean="0"/>
+              <a:pPr/>
+              <a:t>23</a:t>
+            </a:fld>
+            <a:endParaRPr lang="en-US"/>
+          </a:p>
+        </p:txBody>
+      </p:sp>
+    </p:spTree>
+  </p:cSld>
+  <p:clrMapOvr>
+    <a:masterClrMapping/>
+  </p:clrMapOvr>
+</p:notes>
+</file>
+
+<file path=ppt/notesSlides/notesSlide14.xml><?xml version="1.0" encoding="utf-8"?>
+<p:notes xmlns:a="http://schemas.openxmlformats.org/drawingml/2006/main" xmlns:r="http://schemas.openxmlformats.org/officeDocument/2006/relationships" xmlns:p="http://schemas.openxmlformats.org/presentationml/2006/main">
+  <p:cSld>
+    <p:spTree>
+      <p:nvGrpSpPr>
+        <p:cNvPr id="1" name=""/>
+        <p:cNvGrpSpPr/>
+        <p:nvPr/>
+      </p:nvGrpSpPr>
+      <p:grpSpPr>
+        <a:xfrm>
+          <a:off x="0" y="0"/>
+          <a:ext cx="0" cy="0"/>
+          <a:chOff x="0" y="0"/>
+          <a:chExt cx="0" cy="0"/>
+        </a:xfrm>
+      </p:grpSpPr>
+      <p:sp>
+        <p:nvSpPr>
+          <p:cNvPr id="2" name="Slide Image Placeholder 1"/>
+          <p:cNvSpPr>
+            <a:spLocks noGrp="1" noRot="1" noChangeAspect="1"/>
+          </p:cNvSpPr>
+          <p:nvPr>
+            <p:ph type="sldImg"/>
+          </p:nvPr>
+        </p:nvSpPr>
+        <p:spPr/>
+      </p:sp>
+      <p:sp>
+        <p:nvSpPr>
+          <p:cNvPr id="3" name="Notes Placeholder 2"/>
+          <p:cNvSpPr>
+            <a:spLocks noGrp="1"/>
+          </p:cNvSpPr>
+          <p:nvPr>
+            <p:ph type="body" idx="1"/>
+          </p:nvPr>
+        </p:nvSpPr>
+        <p:spPr/>
+        <p:txBody>
+          <a:bodyPr>
+            <a:normAutofit/>
+          </a:bodyPr>
+          <a:lstStyle/>
+          <a:p>
+            <a:r>
+              <a:rPr lang="en-US" dirty="0" smtClean="0"/>
+              <a:t>Get a new picture, </a:t>
+            </a:r>
+            <a:r>
+              <a:rPr lang="en-US" dirty="0" err="1" smtClean="0"/>
+              <a:t>sucka</a:t>
+            </a:r>
+            <a:endParaRPr lang="en-US" dirty="0"/>
+          </a:p>
+        </p:txBody>
+      </p:sp>
+      <p:sp>
+        <p:nvSpPr>
+          <p:cNvPr id="4" name="Slide Number Placeholder 3"/>
+          <p:cNvSpPr>
+            <a:spLocks noGrp="1"/>
+          </p:cNvSpPr>
+          <p:nvPr>
+            <p:ph type="sldNum" sz="quarter" idx="10"/>
+          </p:nvPr>
+        </p:nvSpPr>
+        <p:spPr/>
+        <p:txBody>
+          <a:bodyPr/>
+          <a:lstStyle/>
+          <a:p>
+            <a:fld id="{F9BFE133-0051-BA46-A0EE-5423E20583A4}" type="slidenum">
+              <a:rPr lang="en-US" smtClean="0"/>
+              <a:pPr/>
+              <a:t>24</a:t>
+            </a:fld>
+            <a:endParaRPr lang="en-US"/>
+          </a:p>
+        </p:txBody>
+      </p:sp>
+    </p:spTree>
+  </p:cSld>
+  <p:clrMapOvr>
+    <a:masterClrMapping/>
+  </p:clrMapOvr>
+</p:notes>
+</file>
+
+<file path=ppt/notesSlides/notesSlide15.xml><?xml version="1.0" encoding="utf-8"?>
+<p:notes xmlns:a="http://schemas.openxmlformats.org/drawingml/2006/main" xmlns:r="http://schemas.openxmlformats.org/officeDocument/2006/relationships" xmlns:p="http://schemas.openxmlformats.org/presentationml/2006/main">
+  <p:cSld>
+    <p:spTree>
+      <p:nvGrpSpPr>
+        <p:cNvPr id="1" name=""/>
+        <p:cNvGrpSpPr/>
+        <p:nvPr/>
+      </p:nvGrpSpPr>
+      <p:grpSpPr>
+        <a:xfrm>
+          <a:off x="0" y="0"/>
+          <a:ext cx="0" cy="0"/>
+          <a:chOff x="0" y="0"/>
+          <a:chExt cx="0" cy="0"/>
+        </a:xfrm>
+      </p:grpSpPr>
+      <p:sp>
+        <p:nvSpPr>
+          <p:cNvPr id="2" name="Slide Image Placeholder 1"/>
+          <p:cNvSpPr>
+            <a:spLocks noGrp="1" noRot="1" noChangeAspect="1"/>
+          </p:cNvSpPr>
+          <p:nvPr>
+            <p:ph type="sldImg"/>
+          </p:nvPr>
+        </p:nvSpPr>
+        <p:spPr/>
+      </p:sp>
+      <p:sp>
+        <p:nvSpPr>
+          <p:cNvPr id="3" name="Notes Placeholder 2"/>
+          <p:cNvSpPr>
+            <a:spLocks noGrp="1"/>
+          </p:cNvSpPr>
+          <p:nvPr>
+            <p:ph type="body" idx="1"/>
+          </p:nvPr>
+        </p:nvSpPr>
+        <p:spPr/>
+        <p:txBody>
+          <a:bodyPr>
+            <a:normAutofit/>
+          </a:bodyPr>
+          <a:lstStyle/>
+          <a:p>
+            <a:r>
+              <a:rPr lang="en-US" dirty="0" smtClean="0"/>
+              <a:t>Get a new picture, </a:t>
+            </a:r>
+            <a:r>
+              <a:rPr lang="en-US" dirty="0" err="1" smtClean="0"/>
+              <a:t>sucka</a:t>
+            </a:r>
+            <a:endParaRPr lang="en-US" dirty="0"/>
+          </a:p>
+        </p:txBody>
+      </p:sp>
+      <p:sp>
+        <p:nvSpPr>
+          <p:cNvPr id="4" name="Slide Number Placeholder 3"/>
+          <p:cNvSpPr>
+            <a:spLocks noGrp="1"/>
+          </p:cNvSpPr>
+          <p:nvPr>
+            <p:ph type="sldNum" sz="quarter" idx="10"/>
+          </p:nvPr>
+        </p:nvSpPr>
+        <p:spPr/>
+        <p:txBody>
+          <a:bodyPr/>
+          <a:lstStyle/>
+          <a:p>
+            <a:fld id="{F9BFE133-0051-BA46-A0EE-5423E20583A4}" type="slidenum">
+              <a:rPr lang="en-US" smtClean="0"/>
+              <a:pPr/>
+              <a:t>25</a:t>
+            </a:fld>
+            <a:endParaRPr lang="en-US"/>
+          </a:p>
+        </p:txBody>
+      </p:sp>
+    </p:spTree>
+  </p:cSld>
+  <p:clrMapOvr>
+    <a:masterClrMapping/>
+  </p:clrMapOvr>
+</p:notes>
+</file>
+
+<file path=ppt/notesSlides/notesSlide16.xml><?xml version="1.0" encoding="utf-8"?>
+<p:notes xmlns:a="http://schemas.openxmlformats.org/drawingml/2006/main" xmlns:r="http://schemas.openxmlformats.org/officeDocument/2006/relationships" xmlns:p="http://schemas.openxmlformats.org/presentationml/2006/main">
+  <p:cSld>
+    <p:spTree>
+      <p:nvGrpSpPr>
+        <p:cNvPr id="1" name=""/>
+        <p:cNvGrpSpPr/>
+        <p:nvPr/>
+      </p:nvGrpSpPr>
+      <p:grpSpPr>
+        <a:xfrm>
+          <a:off x="0" y="0"/>
+          <a:ext cx="0" cy="0"/>
+          <a:chOff x="0" y="0"/>
+          <a:chExt cx="0" cy="0"/>
+        </a:xfrm>
+      </p:grpSpPr>
+      <p:sp>
+        <p:nvSpPr>
+          <p:cNvPr id="2" name="Slide Image Placeholder 1"/>
+          <p:cNvSpPr>
+            <a:spLocks noGrp="1" noRot="1" noChangeAspect="1"/>
+          </p:cNvSpPr>
+          <p:nvPr>
+            <p:ph type="sldImg"/>
+          </p:nvPr>
+        </p:nvSpPr>
+        <p:spPr/>
+      </p:sp>
+      <p:sp>
+        <p:nvSpPr>
+          <p:cNvPr id="3" name="Notes Placeholder 2"/>
+          <p:cNvSpPr>
+            <a:spLocks noGrp="1"/>
+          </p:cNvSpPr>
+          <p:nvPr>
+            <p:ph type="body" idx="1"/>
+          </p:nvPr>
+        </p:nvSpPr>
+        <p:spPr/>
+        <p:txBody>
+          <a:bodyPr>
+            <a:normAutofit/>
+          </a:bodyPr>
+          <a:lstStyle/>
+          <a:p>
+            <a:r>
+              <a:rPr lang="en-US" dirty="0" smtClean="0"/>
+              <a:t>Get a new picture, </a:t>
+            </a:r>
+            <a:r>
+              <a:rPr lang="en-US" dirty="0" err="1" smtClean="0"/>
+              <a:t>sucka</a:t>
+            </a:r>
+            <a:endParaRPr lang="en-US" dirty="0"/>
+          </a:p>
+        </p:txBody>
+      </p:sp>
+      <p:sp>
+        <p:nvSpPr>
+          <p:cNvPr id="4" name="Slide Number Placeholder 3"/>
+          <p:cNvSpPr>
+            <a:spLocks noGrp="1"/>
+          </p:cNvSpPr>
+          <p:nvPr>
+            <p:ph type="sldNum" sz="quarter" idx="10"/>
+          </p:nvPr>
+        </p:nvSpPr>
+        <p:spPr/>
+        <p:txBody>
+          <a:bodyPr/>
+          <a:lstStyle/>
+          <a:p>
+            <a:fld id="{F9BFE133-0051-BA46-A0EE-5423E20583A4}" type="slidenum">
+              <a:rPr lang="en-US" smtClean="0"/>
+              <a:pPr/>
+              <a:t>26</a:t>
+            </a:fld>
+            <a:endParaRPr lang="en-US"/>
+          </a:p>
+        </p:txBody>
+      </p:sp>
+    </p:spTree>
+  </p:cSld>
+  <p:clrMapOvr>
+    <a:masterClrMapping/>
+  </p:clrMapOvr>
+</p:notes>
+</file>
+
+<file path=ppt/notesSlides/notesSlide17.xml><?xml version="1.0" encoding="utf-8"?>
+<p:notes xmlns:a="http://schemas.openxmlformats.org/drawingml/2006/main" xmlns:r="http://schemas.openxmlformats.org/officeDocument/2006/relationships" xmlns:p="http://schemas.openxmlformats.org/presentationml/2006/main">
+  <p:cSld>
+    <p:spTree>
+      <p:nvGrpSpPr>
+        <p:cNvPr id="1" name=""/>
+        <p:cNvGrpSpPr/>
+        <p:nvPr/>
+      </p:nvGrpSpPr>
+      <p:grpSpPr>
+        <a:xfrm>
+          <a:off x="0" y="0"/>
+          <a:ext cx="0" cy="0"/>
+          <a:chOff x="0" y="0"/>
+          <a:chExt cx="0" cy="0"/>
+        </a:xfrm>
+      </p:grpSpPr>
+      <p:sp>
+        <p:nvSpPr>
+          <p:cNvPr id="2" name="Slide Image Placeholder 1"/>
+          <p:cNvSpPr>
+            <a:spLocks noGrp="1" noRot="1" noChangeAspect="1"/>
+          </p:cNvSpPr>
+          <p:nvPr>
+            <p:ph type="sldImg"/>
+          </p:nvPr>
+        </p:nvSpPr>
+        <p:spPr/>
+      </p:sp>
+      <p:sp>
+        <p:nvSpPr>
+          <p:cNvPr id="3" name="Notes Placeholder 2"/>
+          <p:cNvSpPr>
+            <a:spLocks noGrp="1"/>
+          </p:cNvSpPr>
+          <p:nvPr>
+            <p:ph type="body" idx="1"/>
+          </p:nvPr>
+        </p:nvSpPr>
+        <p:spPr/>
+        <p:txBody>
+          <a:bodyPr>
+            <a:normAutofit/>
+          </a:bodyPr>
+          <a:lstStyle/>
+          <a:p>
+            <a:r>
+              <a:rPr lang="en-US" dirty="0" smtClean="0"/>
+              <a:t>Get a new picture, </a:t>
+            </a:r>
+            <a:r>
+              <a:rPr lang="en-US" dirty="0" err="1" smtClean="0"/>
+              <a:t>sucka</a:t>
+            </a:r>
+            <a:endParaRPr lang="en-US" dirty="0"/>
+          </a:p>
+        </p:txBody>
+      </p:sp>
+      <p:sp>
+        <p:nvSpPr>
+          <p:cNvPr id="4" name="Slide Number Placeholder 3"/>
+          <p:cNvSpPr>
+            <a:spLocks noGrp="1"/>
+          </p:cNvSpPr>
+          <p:nvPr>
+            <p:ph type="sldNum" sz="quarter" idx="10"/>
+          </p:nvPr>
+        </p:nvSpPr>
+        <p:spPr/>
+        <p:txBody>
+          <a:bodyPr/>
+          <a:lstStyle/>
+          <a:p>
+            <a:fld id="{F9BFE133-0051-BA46-A0EE-5423E20583A4}" type="slidenum">
+              <a:rPr lang="en-US" smtClean="0"/>
+              <a:pPr/>
+              <a:t>27</a:t>
+            </a:fld>
+            <a:endParaRPr lang="en-US"/>
+          </a:p>
+        </p:txBody>
+      </p:sp>
+    </p:spTree>
+  </p:cSld>
+  <p:clrMapOvr>
+    <a:masterClrMapping/>
+  </p:clrMapOvr>
+</p:notes>
+</file>
+
+<file path=ppt/notesSlides/notesSlide18.xml><?xml version="1.0" encoding="utf-8"?>
+<p:notes xmlns:a="http://schemas.openxmlformats.org/drawingml/2006/main" xmlns:r="http://schemas.openxmlformats.org/officeDocument/2006/relationships" xmlns:p="http://schemas.openxmlformats.org/presentationml/2006/main">
+  <p:cSld>
+    <p:spTree>
+      <p:nvGrpSpPr>
+        <p:cNvPr id="1" name=""/>
+        <p:cNvGrpSpPr/>
+        <p:nvPr/>
+      </p:nvGrpSpPr>
+      <p:grpSpPr>
+        <a:xfrm>
+          <a:off x="0" y="0"/>
+          <a:ext cx="0" cy="0"/>
+          <a:chOff x="0" y="0"/>
+          <a:chExt cx="0" cy="0"/>
+        </a:xfrm>
+      </p:grpSpPr>
+      <p:sp>
+        <p:nvSpPr>
+          <p:cNvPr id="2" name="Slide Image Placeholder 1"/>
+          <p:cNvSpPr>
+            <a:spLocks noGrp="1" noRot="1" noChangeAspect="1"/>
+          </p:cNvSpPr>
+          <p:nvPr>
+            <p:ph type="sldImg"/>
+          </p:nvPr>
+        </p:nvSpPr>
+        <p:spPr/>
+      </p:sp>
+      <p:sp>
+        <p:nvSpPr>
+          <p:cNvPr id="3" name="Notes Placeholder 2"/>
+          <p:cNvSpPr>
+            <a:spLocks noGrp="1"/>
+          </p:cNvSpPr>
+          <p:nvPr>
+            <p:ph type="body" idx="1"/>
+          </p:nvPr>
+        </p:nvSpPr>
+        <p:spPr/>
+        <p:txBody>
+          <a:bodyPr>
+            <a:normAutofit/>
+          </a:bodyPr>
+          <a:lstStyle/>
+          <a:p>
+            <a:r>
+              <a:rPr lang="en-US" dirty="0" smtClean="0"/>
+              <a:t>P-unit logo</a:t>
+            </a:r>
+          </a:p>
+          <a:p>
+            <a:r>
+              <a:rPr lang="en-US" dirty="0" smtClean="0"/>
+              <a:t>Add testing room, add testing devices, write testing</a:t>
+            </a:r>
+            <a:r>
+              <a:rPr lang="en-US" baseline="0" dirty="0" smtClean="0"/>
+              <a:t> code</a:t>
+            </a:r>
+            <a:endParaRPr lang="en-US" dirty="0" smtClean="0"/>
+          </a:p>
+          <a:p>
+            <a:endParaRPr lang="en-US" dirty="0"/>
+          </a:p>
+        </p:txBody>
+      </p:sp>
+      <p:sp>
+        <p:nvSpPr>
+          <p:cNvPr id="4" name="Slide Number Placeholder 3"/>
+          <p:cNvSpPr>
+            <a:spLocks noGrp="1"/>
+          </p:cNvSpPr>
+          <p:nvPr>
+            <p:ph type="sldNum" sz="quarter" idx="10"/>
+          </p:nvPr>
+        </p:nvSpPr>
+        <p:spPr/>
+        <p:txBody>
+          <a:bodyPr/>
+          <a:lstStyle/>
+          <a:p>
+            <a:fld id="{F9BFE133-0051-BA46-A0EE-5423E20583A4}" type="slidenum">
+              <a:rPr lang="en-US" smtClean="0"/>
+              <a:pPr/>
+              <a:t>29</a:t>
+            </a:fld>
+            <a:endParaRPr lang="en-US"/>
+          </a:p>
+        </p:txBody>
+      </p:sp>
+    </p:spTree>
+  </p:cSld>
+  <p:clrMapOvr>
+    <a:masterClrMapping/>
+  </p:clrMapOvr>
+</p:notes>
+</file>
+
+<file path=ppt/notesSlides/notesSlide19.xml><?xml version="1.0" encoding="utf-8"?>
+<p:notes xmlns:a="http://schemas.openxmlformats.org/drawingml/2006/main" xmlns:r="http://schemas.openxmlformats.org/officeDocument/2006/relationships" xmlns:p="http://schemas.openxmlformats.org/presentationml/2006/main">
+  <p:cSld>
+    <p:spTree>
+      <p:nvGrpSpPr>
+        <p:cNvPr id="1" name=""/>
+        <p:cNvGrpSpPr/>
+        <p:nvPr/>
+      </p:nvGrpSpPr>
+      <p:grpSpPr>
+        <a:xfrm>
+          <a:off x="0" y="0"/>
+          <a:ext cx="0" cy="0"/>
+          <a:chOff x="0" y="0"/>
+          <a:chExt cx="0" cy="0"/>
+        </a:xfrm>
+      </p:grpSpPr>
+      <p:sp>
+        <p:nvSpPr>
+          <p:cNvPr id="2" name="Slide Image Placeholder 1"/>
+          <p:cNvSpPr>
+            <a:spLocks noGrp="1" noRot="1" noChangeAspect="1"/>
+          </p:cNvSpPr>
+          <p:nvPr>
+            <p:ph type="sldImg"/>
+          </p:nvPr>
+        </p:nvSpPr>
+        <p:spPr/>
+      </p:sp>
+      <p:sp>
+        <p:nvSpPr>
+          <p:cNvPr id="3" name="Notes Placeholder 2"/>
+          <p:cNvSpPr>
+            <a:spLocks noGrp="1"/>
+          </p:cNvSpPr>
+          <p:nvPr>
+            <p:ph type="body" idx="1"/>
+          </p:nvPr>
+        </p:nvSpPr>
+        <p:spPr/>
+        <p:txBody>
+          <a:bodyPr>
+            <a:normAutofit/>
+          </a:bodyPr>
+          <a:lstStyle/>
+          <a:p>
+            <a:r>
+              <a:rPr lang="en-US" dirty="0" smtClean="0"/>
+              <a:t>(for earthquake prone states…</a:t>
+            </a:r>
+            <a:r>
+              <a:rPr lang="en-US" dirty="0" err="1" smtClean="0"/>
+              <a:t>california</a:t>
+            </a:r>
+            <a:r>
+              <a:rPr lang="en-US" dirty="0" smtClean="0"/>
+              <a:t>…)</a:t>
+            </a:r>
+          </a:p>
+          <a:p>
+            <a:r>
+              <a:rPr lang="en-US" sz="1200" b="0" i="0" kern="1200" dirty="0" smtClean="0">
+                <a:solidFill>
+                  <a:schemeClr val="tx1"/>
+                </a:solidFill>
+                <a:latin typeface="+mn-lt"/>
+                <a:ea typeface="+mn-ea"/>
+                <a:cs typeface="+mn-cs"/>
+              </a:rPr>
+              <a:t>14 July 2014 B+ release date</a:t>
+            </a:r>
+            <a:endParaRPr lang="en-US" dirty="0"/>
+          </a:p>
+        </p:txBody>
+      </p:sp>
+      <p:sp>
+        <p:nvSpPr>
+          <p:cNvPr id="4" name="Slide Number Placeholder 3"/>
+          <p:cNvSpPr>
+            <a:spLocks noGrp="1"/>
+          </p:cNvSpPr>
+          <p:nvPr>
+            <p:ph type="sldNum" sz="quarter" idx="10"/>
+          </p:nvPr>
+        </p:nvSpPr>
+        <p:spPr/>
+        <p:txBody>
+          <a:bodyPr/>
+          <a:lstStyle/>
+          <a:p>
+            <a:fld id="{F9BFE133-0051-BA46-A0EE-5423E20583A4}" type="slidenum">
+              <a:rPr lang="en-US" smtClean="0"/>
+              <a:pPr/>
+              <a:t>33</a:t>
             </a:fld>
             <a:endParaRPr lang="en-US"/>
           </a:p>
@@ -1256,19 +2090,23 @@
           <a:p>
             <a:r>
               <a:rPr lang="en-US" dirty="0" smtClean="0"/>
-              <a:t>Pi –</a:t>
+              <a:t>Don’t forget to doctor this picture</a:t>
+            </a:r>
+          </a:p>
+          <a:p>
+            <a:r>
+              <a:rPr lang="en-US" dirty="0" smtClean="0"/>
+              <a:t>Animate dead</a:t>
             </a:r>
             <a:r>
               <a:rPr lang="en-US" baseline="0" dirty="0" smtClean="0"/>
-              <a:t> cheap, </a:t>
-            </a:r>
-            <a:r>
-              <a:rPr lang="en-US" baseline="0" dirty="0" err="1" smtClean="0"/>
-              <a:t>overnightable</a:t>
-            </a:r>
+              <a:t> zones</a:t>
+            </a:r>
+          </a:p>
+          <a:p>
             <a:r>
               <a:rPr lang="en-US" baseline="0" dirty="0" smtClean="0"/>
-              <a:t> from </a:t>
+              <a:t>Talk about if HVAC dies</a:t>
             </a:r>
             <a:endParaRPr lang="en-US" dirty="0"/>
           </a:p>
@@ -1292,7 +2130,187 @@
             <a:fld id="{F9BFE133-0051-BA46-A0EE-5423E20583A4}" type="slidenum">
               <a:rPr lang="en-US" smtClean="0"/>
               <a:pPr/>
-              <a:t>8</a:t>
+              <a:t>6</a:t>
+            </a:fld>
+            <a:endParaRPr lang="en-US"/>
+          </a:p>
+        </p:txBody>
+      </p:sp>
+    </p:spTree>
+  </p:cSld>
+  <p:clrMapOvr>
+    <a:masterClrMapping/>
+  </p:clrMapOvr>
+</p:notes>
+</file>
+
+<file path=ppt/notesSlides/notesSlide20.xml><?xml version="1.0" encoding="utf-8"?>
+<p:notes xmlns:a="http://schemas.openxmlformats.org/drawingml/2006/main" xmlns:r="http://schemas.openxmlformats.org/officeDocument/2006/relationships" xmlns:p="http://schemas.openxmlformats.org/presentationml/2006/main">
+  <p:cSld>
+    <p:spTree>
+      <p:nvGrpSpPr>
+        <p:cNvPr id="1" name=""/>
+        <p:cNvGrpSpPr/>
+        <p:nvPr/>
+      </p:nvGrpSpPr>
+      <p:grpSpPr>
+        <a:xfrm>
+          <a:off x="0" y="0"/>
+          <a:ext cx="0" cy="0"/>
+          <a:chOff x="0" y="0"/>
+          <a:chExt cx="0" cy="0"/>
+        </a:xfrm>
+      </p:grpSpPr>
+      <p:sp>
+        <p:nvSpPr>
+          <p:cNvPr id="2" name="Slide Image Placeholder 1"/>
+          <p:cNvSpPr>
+            <a:spLocks noGrp="1" noRot="1" noChangeAspect="1"/>
+          </p:cNvSpPr>
+          <p:nvPr>
+            <p:ph type="sldImg"/>
+          </p:nvPr>
+        </p:nvSpPr>
+        <p:spPr/>
+      </p:sp>
+      <p:sp>
+        <p:nvSpPr>
+          <p:cNvPr id="3" name="Notes Placeholder 2"/>
+          <p:cNvSpPr>
+            <a:spLocks noGrp="1"/>
+          </p:cNvSpPr>
+          <p:nvPr>
+            <p:ph type="body" idx="1"/>
+          </p:nvPr>
+        </p:nvSpPr>
+        <p:spPr/>
+        <p:txBody>
+          <a:bodyPr>
+            <a:normAutofit/>
+          </a:bodyPr>
+          <a:lstStyle/>
+          <a:p>
+            <a:r>
+              <a:rPr lang="en-US" dirty="0" smtClean="0"/>
+              <a:t>Our</a:t>
+            </a:r>
+            <a:r>
+              <a:rPr lang="en-US" baseline="0" dirty="0" smtClean="0"/>
+              <a:t> client is an open source advocate, prefers to have code available on an open source repository</a:t>
+            </a:r>
+            <a:endParaRPr lang="en-US" dirty="0"/>
+          </a:p>
+        </p:txBody>
+      </p:sp>
+      <p:sp>
+        <p:nvSpPr>
+          <p:cNvPr id="4" name="Slide Number Placeholder 3"/>
+          <p:cNvSpPr>
+            <a:spLocks noGrp="1"/>
+          </p:cNvSpPr>
+          <p:nvPr>
+            <p:ph type="sldNum" sz="quarter" idx="10"/>
+          </p:nvPr>
+        </p:nvSpPr>
+        <p:spPr/>
+        <p:txBody>
+          <a:bodyPr/>
+          <a:lstStyle/>
+          <a:p>
+            <a:fld id="{F9BFE133-0051-BA46-A0EE-5423E20583A4}" type="slidenum">
+              <a:rPr lang="en-US" smtClean="0"/>
+              <a:pPr/>
+              <a:t>35</a:t>
+            </a:fld>
+            <a:endParaRPr lang="en-US"/>
+          </a:p>
+        </p:txBody>
+      </p:sp>
+    </p:spTree>
+  </p:cSld>
+  <p:clrMapOvr>
+    <a:masterClrMapping/>
+  </p:clrMapOvr>
+</p:notes>
+</file>
+
+<file path=ppt/notesSlides/notesSlide21.xml><?xml version="1.0" encoding="utf-8"?>
+<p:notes xmlns:a="http://schemas.openxmlformats.org/drawingml/2006/main" xmlns:r="http://schemas.openxmlformats.org/officeDocument/2006/relationships" xmlns:p="http://schemas.openxmlformats.org/presentationml/2006/main">
+  <p:cSld>
+    <p:spTree>
+      <p:nvGrpSpPr>
+        <p:cNvPr id="1" name=""/>
+        <p:cNvGrpSpPr/>
+        <p:nvPr/>
+      </p:nvGrpSpPr>
+      <p:grpSpPr>
+        <a:xfrm>
+          <a:off x="0" y="0"/>
+          <a:ext cx="0" cy="0"/>
+          <a:chOff x="0" y="0"/>
+          <a:chExt cx="0" cy="0"/>
+        </a:xfrm>
+      </p:grpSpPr>
+      <p:sp>
+        <p:nvSpPr>
+          <p:cNvPr id="2" name="Slide Image Placeholder 1"/>
+          <p:cNvSpPr>
+            <a:spLocks noGrp="1" noRot="1" noChangeAspect="1"/>
+          </p:cNvSpPr>
+          <p:nvPr>
+            <p:ph type="sldImg"/>
+          </p:nvPr>
+        </p:nvSpPr>
+        <p:spPr/>
+      </p:sp>
+      <p:sp>
+        <p:nvSpPr>
+          <p:cNvPr id="3" name="Notes Placeholder 2"/>
+          <p:cNvSpPr>
+            <a:spLocks noGrp="1"/>
+          </p:cNvSpPr>
+          <p:nvPr>
+            <p:ph type="body" idx="1"/>
+          </p:nvPr>
+        </p:nvSpPr>
+        <p:spPr/>
+        <p:txBody>
+          <a:bodyPr>
+            <a:normAutofit/>
+          </a:bodyPr>
+          <a:lstStyle/>
+          <a:p>
+            <a:r>
+              <a:rPr lang="en-US" dirty="0" smtClean="0"/>
+              <a:t>Cheaper</a:t>
+            </a:r>
+            <a:r>
+              <a:rPr lang="en-US" baseline="0" dirty="0" smtClean="0"/>
+              <a:t> in bulk misc parts being cables and resistor power cable </a:t>
+            </a:r>
+            <a:endParaRPr lang="en-US" dirty="0"/>
+          </a:p>
+        </p:txBody>
+      </p:sp>
+      <p:sp>
+        <p:nvSpPr>
+          <p:cNvPr id="4" name="Slide Number Placeholder 3"/>
+          <p:cNvSpPr>
+            <a:spLocks noGrp="1"/>
+          </p:cNvSpPr>
+          <p:nvPr>
+            <p:ph type="sldNum" sz="quarter" idx="10"/>
+          </p:nvPr>
+        </p:nvSpPr>
+        <p:spPr/>
+        <p:txBody>
+          <a:bodyPr/>
+          <a:lstStyle/>
+          <a:p>
+            <a:fld id="{F9BFE133-0051-BA46-A0EE-5423E20583A4}" type="slidenum">
+              <a:rPr lang="en-US" smtClean="0"/>
+              <a:pPr/>
+              <a:t>37</a:t>
             </a:fld>
             <a:endParaRPr lang="en-US"/>
           </a:p>
@@ -1354,19 +2372,11 @@
           <a:p>
             <a:r>
               <a:rPr lang="en-US" dirty="0" smtClean="0"/>
-              <a:t>Pi –</a:t>
+              <a:t>Stress</a:t>
             </a:r>
             <a:r>
               <a:rPr lang="en-US" baseline="0" dirty="0" smtClean="0"/>
-              <a:t> cheap, </a:t>
-            </a:r>
-            <a:r>
-              <a:rPr lang="en-US" baseline="0" dirty="0" err="1" smtClean="0"/>
-              <a:t>overnightable</a:t>
-            </a:r>
-            <a:r>
-              <a:rPr lang="en-US" baseline="0" dirty="0" smtClean="0"/>
-              <a:t> from </a:t>
+              <a:t> project goals </a:t>
             </a:r>
             <a:endParaRPr lang="en-US" dirty="0"/>
           </a:p>
@@ -1390,7 +2400,7 @@
             <a:fld id="{F9BFE133-0051-BA46-A0EE-5423E20583A4}" type="slidenum">
               <a:rPr lang="en-US" smtClean="0"/>
               <a:pPr/>
-              <a:t>9</a:t>
+              <a:t>8</a:t>
             </a:fld>
             <a:endParaRPr lang="en-US"/>
           </a:p>
@@ -1452,53 +2462,20 @@
           <a:p>
             <a:r>
               <a:rPr lang="en-US" dirty="0" smtClean="0"/>
-              <a:t>LAMP – elaborate to it standing</a:t>
+              <a:t>Pi –</a:t>
             </a:r>
             <a:r>
               <a:rPr lang="en-US" baseline="0" dirty="0" smtClean="0"/>
-              <a:t> for</a:t>
-            </a:r>
-            <a:r>
-              <a:rPr lang="en-US" dirty="0" smtClean="0"/>
-              <a:t> </a:t>
-            </a:r>
-            <a:r>
-              <a:rPr lang="en-US" dirty="0" err="1" smtClean="0"/>
-              <a:t>linux</a:t>
-            </a:r>
-            <a:r>
-              <a:rPr lang="en-US" dirty="0" smtClean="0"/>
-              <a:t>, apache2, </a:t>
-            </a:r>
-            <a:r>
-              <a:rPr lang="en-US" dirty="0" err="1" smtClean="0"/>
-              <a:t>mysql</a:t>
-            </a:r>
-            <a:r>
-              <a:rPr lang="en-US" dirty="0" smtClean="0"/>
-              <a:t>, </a:t>
-            </a:r>
-            <a:r>
-              <a:rPr lang="en-US" dirty="0" err="1" smtClean="0"/>
-              <a:t>php</a:t>
+              <a:t> cheap, </a:t>
+            </a:r>
+            <a:r>
+              <a:rPr lang="en-US" baseline="0" dirty="0" err="1" smtClean="0"/>
+              <a:t>overnightable</a:t>
             </a:r>
             <a:r>
               <a:rPr lang="en-US" baseline="0" dirty="0" smtClean="0"/>
-              <a:t> – all open source, free, secure, fast, reliable</a:t>
-            </a:r>
-          </a:p>
-          <a:p>
-            <a:r>
-              <a:rPr lang="en-US" dirty="0" err="1" smtClean="0"/>
-              <a:t>Laravel</a:t>
-            </a:r>
-            <a:r>
-              <a:rPr lang="en-US" smtClean="0"/>
-              <a:t> – secure, </a:t>
-            </a:r>
-            <a:endParaRPr lang="en-US" dirty="0" smtClean="0"/>
-          </a:p>
-          <a:p>
+              <a:t> from </a:t>
+            </a:r>
             <a:endParaRPr lang="en-US" dirty="0"/>
           </a:p>
         </p:txBody>
@@ -1582,18 +2559,20 @@
           <a:lstStyle/>
           <a:p>
             <a:r>
-              <a:rPr lang="el-GR" dirty="0" smtClean="0"/>
-              <a:t>Φ</a:t>
-            </a:r>
-            <a:r>
-              <a:rPr lang="en-US" dirty="0" smtClean="0"/>
-              <a:t> is relative humidity</a:t>
-            </a:r>
-          </a:p>
-          <a:p>
-            <a:r>
-              <a:rPr lang="en-US" dirty="0" smtClean="0"/>
-              <a:t>Web server - debugging</a:t>
+              <a:rPr lang="en-US" dirty="0" smtClean="0"/>
+              <a:t>Pi –</a:t>
+            </a:r>
+            <a:r>
+              <a:rPr lang="en-US" baseline="0" dirty="0" smtClean="0"/>
+              <a:t> cheap, </a:t>
+            </a:r>
+            <a:r>
+              <a:rPr lang="en-US" baseline="0" dirty="0" err="1" smtClean="0"/>
+              <a:t>overnightable</a:t>
+            </a:r>
+            <a:r>
+              <a:rPr lang="en-US" baseline="0" dirty="0" smtClean="0"/>
+              <a:t> from </a:t>
             </a:r>
             <a:endParaRPr lang="en-US" dirty="0"/>
           </a:p>
@@ -1679,13 +2658,23 @@
           <a:p>
             <a:r>
               <a:rPr lang="en-US" dirty="0" smtClean="0"/>
-              <a:t>Admin choose refresh interval – 1 minute, 2 minute, 5, 10 etc</a:t>
-            </a:r>
-          </a:p>
-          <a:p>
-            <a:r>
-              <a:rPr lang="en-US" dirty="0" smtClean="0"/>
-              <a:t>Apache hosts, server fetches, server stores in </a:t>
+              <a:t>LAMP – elaborate to it standing</a:t>
+            </a:r>
+            <a:r>
+              <a:rPr lang="en-US" baseline="0" dirty="0" smtClean="0"/>
+              <a:t> for</a:t>
+            </a:r>
+            <a:r>
+              <a:rPr lang="en-US" dirty="0" smtClean="0"/>
+              <a:t> </a:t>
+            </a:r>
+            <a:r>
+              <a:rPr lang="en-US" dirty="0" err="1" smtClean="0"/>
+              <a:t>linux</a:t>
+            </a:r>
+            <a:r>
+              <a:rPr lang="en-US" dirty="0" smtClean="0"/>
+              <a:t>, apache2, </a:t>
             </a:r>
             <a:r>
               <a:rPr lang="en-US" dirty="0" err="1" smtClean="0"/>
@@ -1693,27 +2682,25 @@
             </a:r>
             <a:r>
               <a:rPr lang="en-US" dirty="0" smtClean="0"/>
-              <a:t>, server queries database for specified drivers with time</a:t>
+              <a:t>, </a:t>
+            </a:r>
+            <a:r>
+              <a:rPr lang="en-US" dirty="0" err="1" smtClean="0"/>
+              <a:t>php</a:t>
             </a:r>
             <a:r>
               <a:rPr lang="en-US" baseline="0" dirty="0" smtClean="0"/>
-              <a:t> range, </a:t>
-            </a:r>
-            <a:r>
-              <a:rPr lang="en-US" baseline="0" dirty="0" err="1" smtClean="0"/>
-              <a:t>laravel</a:t>
-            </a:r>
-            <a:r>
-              <a:rPr lang="en-US" baseline="0" dirty="0" smtClean="0"/>
-              <a:t> preprocesses </a:t>
-            </a:r>
-            <a:r>
-              <a:rPr lang="en-US" baseline="0" dirty="0" err="1" smtClean="0"/>
-              <a:t>php</a:t>
-            </a:r>
-            <a:r>
-              <a:rPr lang="en-US" baseline="0" dirty="0" smtClean="0"/>
-              <a:t>, bootstrap renders based on device</a:t>
+              <a:t> – all open source, free, secure, fast, reliable</a:t>
+            </a:r>
+          </a:p>
+          <a:p>
+            <a:r>
+              <a:rPr lang="en-US" dirty="0" err="1" smtClean="0"/>
+              <a:t>Laravel</a:t>
+            </a:r>
+            <a:r>
+              <a:rPr lang="en-US" smtClean="0"/>
+              <a:t> – secure, </a:t>
             </a:r>
             <a:endParaRPr lang="en-US" dirty="0" smtClean="0"/>
           </a:p>
@@ -1740,7 +2727,7 @@
             <a:fld id="{F9BFE133-0051-BA46-A0EE-5423E20583A4}" type="slidenum">
               <a:rPr lang="en-US" smtClean="0"/>
               <a:pPr/>
-              <a:t>14</a:t>
+              <a:t>12</a:t>
             </a:fld>
             <a:endParaRPr lang="en-US"/>
           </a:p>
@@ -1801,12 +2788,18 @@
           <a:lstStyle/>
           <a:p>
             <a:r>
-              <a:rPr lang="en-US" dirty="0" smtClean="0"/>
-              <a:t>Get a new picture, </a:t>
-            </a:r>
-            <a:r>
-              <a:rPr lang="en-US" dirty="0" err="1" smtClean="0"/>
-              <a:t>sucka</a:t>
+              <a:rPr lang="el-GR" dirty="0" smtClean="0"/>
+              <a:t>Φ</a:t>
+            </a:r>
+            <a:r>
+              <a:rPr lang="en-US" dirty="0" smtClean="0"/>
+              <a:t> is relative humidity</a:t>
+            </a:r>
+          </a:p>
+          <a:p>
+            <a:r>
+              <a:rPr lang="en-US" dirty="0" smtClean="0"/>
+              <a:t>Web server - debugging</a:t>
             </a:r>
             <a:endParaRPr lang="en-US" dirty="0"/>
           </a:p>
@@ -1830,7 +2823,7 @@
             <a:fld id="{F9BFE133-0051-BA46-A0EE-5423E20583A4}" type="slidenum">
               <a:rPr lang="en-US" smtClean="0"/>
               <a:pPr/>
-              <a:t>15</a:t>
+              <a:t>13</a:t>
             </a:fld>
             <a:endParaRPr lang="en-US"/>
           </a:p>
@@ -1892,30 +2885,46 @@
           <a:p>
             <a:r>
               <a:rPr lang="en-US" dirty="0" smtClean="0"/>
-              <a:t>Pictures of site mockups</a:t>
-            </a:r>
-          </a:p>
-          <a:p>
-            <a:r>
-              <a:rPr lang="en-US" dirty="0" smtClean="0"/>
-              <a:t>Google</a:t>
+              <a:t>Admin choose refresh interval – 1 minute, 2 minute, 5, 10 etc</a:t>
+            </a:r>
+          </a:p>
+          <a:p>
+            <a:r>
+              <a:rPr lang="en-US" dirty="0" smtClean="0"/>
+              <a:t>Apache hosts, server fetches, server stores in </a:t>
+            </a:r>
+            <a:r>
+              <a:rPr lang="en-US" dirty="0" err="1" smtClean="0"/>
+              <a:t>mysql</a:t>
+            </a:r>
+            <a:r>
+              <a:rPr lang="en-US" dirty="0" smtClean="0"/>
+              <a:t>, server queries database for specified drivers with time</a:t>
             </a:r>
             <a:r>
               <a:rPr lang="en-US" baseline="0" dirty="0" smtClean="0"/>
-              <a:t> charts displaying the data</a:t>
-            </a:r>
-          </a:p>
-          <a:p>
+              <a:t> range, </a:t>
+            </a:r>
+            <a:r>
+              <a:rPr lang="en-US" baseline="0" dirty="0" err="1" smtClean="0"/>
+              <a:t>laravel</a:t>
+            </a:r>
             <a:r>
               <a:rPr lang="en-US" baseline="0" dirty="0" smtClean="0"/>
-              <a:t>Pictures of sensor, pi, both connected (and separate)</a:t>
-            </a:r>
-          </a:p>
-          <a:p>
+              <a:t> preprocesses </a:t>
+            </a:r>
+            <a:r>
+              <a:rPr lang="en-US" baseline="0" dirty="0" err="1" smtClean="0"/>
+              <a:t>php</a:t>
+            </a:r>
             <a:r>
               <a:rPr lang="en-US" baseline="0" dirty="0" smtClean="0"/>
-              <a:t>Colorful picture of a brief section of code – code that talks to sensor (python snippet where it calls the library)</a:t>
-            </a:r>
+              <a:t>, bootstrap renders based on device</a:t>
+            </a:r>
+            <a:endParaRPr lang="en-US" dirty="0" smtClean="0"/>
+          </a:p>
+          <a:p>
+            <a:endParaRPr lang="en-US" dirty="0"/>
           </a:p>
         </p:txBody>
       </p:sp>
@@ -1937,7 +2946,7 @@
             <a:fld id="{F9BFE133-0051-BA46-A0EE-5423E20583A4}" type="slidenum">
               <a:rPr lang="en-US" smtClean="0"/>
               <a:pPr/>
-              <a:t>16</a:t>
+              <a:t>17</a:t>
             </a:fld>
             <a:endParaRPr lang="en-US"/>
           </a:p>
@@ -1999,21 +3008,12 @@
           <a:p>
             <a:r>
               <a:rPr lang="en-US" dirty="0" smtClean="0"/>
-              <a:t>P-unit logo</a:t>
-            </a:r>
-          </a:p>
-          <a:p>
-            <a:r>
-              <a:rPr lang="en-US" dirty="0" smtClean="0"/>
-              <a:t>Add testing room, add testing devices, write testing</a:t>
-            </a:r>
-            <a:r>
-              <a:rPr lang="en-US" baseline="0" dirty="0" smtClean="0"/>
-              <a:t> code</a:t>
-            </a:r>
-            <a:endParaRPr lang="en-US" dirty="0" smtClean="0"/>
-          </a:p>
-          <a:p>
+              <a:t>Get a new picture, </a:t>
+            </a:r>
+            <a:r>
+              <a:rPr lang="en-US" dirty="0" err="1" smtClean="0"/>
+              <a:t>sucka</a:t>
+            </a:r>
             <a:endParaRPr lang="en-US" dirty="0"/>
           </a:p>
         </p:txBody>
@@ -2036,7 +3036,7 @@
             <a:fld id="{F9BFE133-0051-BA46-A0EE-5423E20583A4}" type="slidenum">
               <a:rPr lang="en-US" smtClean="0"/>
               <a:pPr/>
-              <a:t>17</a:t>
+              <a:t>19</a:t>
             </a:fld>
             <a:endParaRPr lang="en-US"/>
           </a:p>
@@ -5243,6 +6243,476 @@
         </p:spPr>
         <p:txBody>
           <a:bodyPr>
+            <a:normAutofit fontScale="90000"/>
+          </a:bodyPr>
+          <a:lstStyle/>
+          <a:p>
+            <a:r>
+              <a:rPr lang="en-US" dirty="0" smtClean="0"/>
+              <a:t>Design Decisions - Environment</a:t>
+            </a:r>
+            <a:endParaRPr lang="en-US" dirty="0"/>
+          </a:p>
+        </p:txBody>
+      </p:sp>
+      <p:sp>
+        <p:nvSpPr>
+          <p:cNvPr id="3" name="Content Placeholder 2"/>
+          <p:cNvSpPr>
+            <a:spLocks noGrp="1"/>
+          </p:cNvSpPr>
+          <p:nvPr>
+            <p:ph idx="1"/>
+          </p:nvPr>
+        </p:nvSpPr>
+        <p:spPr>
+          <a:xfrm>
+            <a:off x="914400" y="1544715"/>
+            <a:ext cx="7315200" cy="4981114"/>
+          </a:xfrm>
+        </p:spPr>
+        <p:txBody>
+          <a:bodyPr>
+            <a:normAutofit lnSpcReduction="10000"/>
+          </a:bodyPr>
+          <a:lstStyle/>
+          <a:p>
+            <a:r>
+              <a:rPr lang="en-US" dirty="0" smtClean="0"/>
+              <a:t>Raspberry Pi</a:t>
+            </a:r>
+          </a:p>
+          <a:p>
+            <a:pPr lvl="1"/>
+            <a:r>
+              <a:rPr lang="en-US" dirty="0" smtClean="0"/>
+              <a:t>Low-cost</a:t>
+            </a:r>
+          </a:p>
+          <a:p>
+            <a:pPr lvl="1"/>
+            <a:r>
+              <a:rPr lang="en-US" dirty="0" smtClean="0"/>
+              <a:t>Readily available</a:t>
+            </a:r>
+          </a:p>
+          <a:p>
+            <a:pPr lvl="1"/>
+            <a:r>
+              <a:rPr lang="en-US" dirty="0" smtClean="0"/>
+              <a:t>Widely documented</a:t>
+            </a:r>
+          </a:p>
+          <a:p>
+            <a:pPr lvl="1"/>
+            <a:r>
+              <a:rPr lang="en-US" dirty="0" smtClean="0"/>
+              <a:t>Extensible</a:t>
+            </a:r>
+          </a:p>
+          <a:p>
+            <a:pPr marL="320040" lvl="1" indent="0">
+              <a:buNone/>
+            </a:pPr>
+            <a:endParaRPr lang="en-US" dirty="0" smtClean="0"/>
+          </a:p>
+          <a:p>
+            <a:r>
+              <a:rPr lang="en-US" dirty="0" err="1" smtClean="0"/>
+              <a:t>Laravel</a:t>
+            </a:r>
+            <a:endParaRPr lang="en-US" dirty="0" smtClean="0"/>
+          </a:p>
+          <a:p>
+            <a:pPr lvl="1"/>
+            <a:r>
+              <a:rPr lang="en-US" dirty="0" smtClean="0"/>
+              <a:t>Open source</a:t>
+            </a:r>
+          </a:p>
+          <a:p>
+            <a:pPr lvl="1"/>
+            <a:r>
+              <a:rPr lang="en-US" dirty="0" smtClean="0"/>
+              <a:t>Most popular PHP framework</a:t>
+            </a:r>
+          </a:p>
+          <a:p>
+            <a:pPr lvl="1"/>
+            <a:r>
+              <a:rPr lang="en-US" dirty="0" smtClean="0"/>
+              <a:t>Secure</a:t>
+            </a:r>
+          </a:p>
+          <a:p>
+            <a:pPr lvl="1"/>
+            <a:r>
+              <a:rPr lang="en-US" dirty="0" smtClean="0"/>
+              <a:t>Reliable MVC</a:t>
+            </a:r>
+          </a:p>
+          <a:p>
+            <a:pPr marL="320040" lvl="1" indent="0">
+              <a:buNone/>
+            </a:pPr>
+            <a:endParaRPr lang="en-US" dirty="0" smtClean="0"/>
+          </a:p>
+          <a:p>
+            <a:r>
+              <a:rPr lang="en-US" dirty="0" smtClean="0"/>
+              <a:t>Externally Hosted</a:t>
+            </a:r>
+          </a:p>
+          <a:p>
+            <a:pPr lvl="1"/>
+            <a:r>
+              <a:rPr lang="en-US" dirty="0" smtClean="0"/>
+              <a:t>Safe off-site location</a:t>
+            </a:r>
+          </a:p>
+          <a:p>
+            <a:pPr lvl="1"/>
+            <a:r>
+              <a:rPr lang="en-US" dirty="0" smtClean="0"/>
+              <a:t>Easy maintenance</a:t>
+            </a:r>
+          </a:p>
+        </p:txBody>
+      </p:sp>
+      <p:pic>
+        <p:nvPicPr>
+          <p:cNvPr id="3077" name="Picture 5" descr="C:\Users\Lappi5\Desktop\logo.png"/>
+          <p:cNvPicPr>
+            <a:picLocks noChangeAspect="1" noChangeArrowheads="1"/>
+          </p:cNvPicPr>
+          <p:nvPr/>
+        </p:nvPicPr>
+        <p:blipFill>
+          <a:blip r:embed="rId3" cstate="print"/>
+          <a:srcRect/>
+          <a:stretch>
+            <a:fillRect/>
+          </a:stretch>
+        </p:blipFill>
+        <p:spPr bwMode="auto">
+          <a:xfrm>
+            <a:off x="5508625" y="3117215"/>
+            <a:ext cx="1905000" cy="1905000"/>
+          </a:xfrm>
+          <a:prstGeom prst="rect">
+            <a:avLst/>
+          </a:prstGeom>
+          <a:noFill/>
+        </p:spPr>
+      </p:pic>
+      <p:pic>
+        <p:nvPicPr>
+          <p:cNvPr id="3078" name="Picture 6" descr="C:\Users\Lappi5\Desktop\Raspberry_Pi_Logo.png"/>
+          <p:cNvPicPr>
+            <a:picLocks noChangeAspect="1" noChangeArrowheads="1"/>
+          </p:cNvPicPr>
+          <p:nvPr/>
+        </p:nvPicPr>
+        <p:blipFill>
+          <a:blip r:embed="rId4" cstate="print"/>
+          <a:srcRect/>
+          <a:stretch>
+            <a:fillRect/>
+          </a:stretch>
+        </p:blipFill>
+        <p:spPr bwMode="auto">
+          <a:xfrm>
+            <a:off x="5906066" y="1651395"/>
+            <a:ext cx="1110119" cy="1402080"/>
+          </a:xfrm>
+          <a:prstGeom prst="rect">
+            <a:avLst/>
+          </a:prstGeom>
+          <a:noFill/>
+        </p:spPr>
+      </p:pic>
+      <p:pic>
+        <p:nvPicPr>
+          <p:cNvPr id="3079" name="Picture 7" descr="C:\Users\Lappi5\Desktop\cloud.png"/>
+          <p:cNvPicPr>
+            <a:picLocks noChangeAspect="1" noChangeArrowheads="1"/>
+          </p:cNvPicPr>
+          <p:nvPr/>
+        </p:nvPicPr>
+        <p:blipFill>
+          <a:blip r:embed="rId5" cstate="print"/>
+          <a:srcRect/>
+          <a:stretch>
+            <a:fillRect/>
+          </a:stretch>
+        </p:blipFill>
+        <p:spPr bwMode="auto">
+          <a:xfrm>
+            <a:off x="5701983" y="5007544"/>
+            <a:ext cx="1518285" cy="1518285"/>
+          </a:xfrm>
+          <a:prstGeom prst="rect">
+            <a:avLst/>
+          </a:prstGeom>
+          <a:noFill/>
+        </p:spPr>
+      </p:pic>
+    </p:spTree>
+    <p:extLst>
+      <p:ext uri="{BB962C8B-B14F-4D97-AF65-F5344CB8AC3E}">
+        <p14:creationId xmlns="" xmlns:p14="http://schemas.microsoft.com/office/powerpoint/2010/main" val="2691086284"/>
+      </p:ext>
+    </p:extLst>
+  </p:cSld>
+  <p:clrMapOvr>
+    <a:masterClrMapping/>
+  </p:clrMapOvr>
+  <p:timing>
+    <p:tnLst>
+      <p:par>
+        <p:cTn id="1" dur="indefinite" restart="never" nodeType="tmRoot"/>
+      </p:par>
+    </p:tnLst>
+  </p:timing>
+</p:sld>
+</file>
+
+<file path=ppt/slides/slide11.xml><?xml version="1.0" encoding="utf-8"?>
+<p:sld xmlns:a="http://schemas.openxmlformats.org/drawingml/2006/main" xmlns:r="http://schemas.openxmlformats.org/officeDocument/2006/relationships" xmlns:p="http://schemas.openxmlformats.org/presentationml/2006/main">
+  <p:cSld>
+    <p:spTree>
+      <p:nvGrpSpPr>
+        <p:cNvPr id="1" name=""/>
+        <p:cNvGrpSpPr/>
+        <p:nvPr/>
+      </p:nvGrpSpPr>
+      <p:grpSpPr>
+        <a:xfrm>
+          <a:off x="0" y="0"/>
+          <a:ext cx="0" cy="0"/>
+          <a:chOff x="0" y="0"/>
+          <a:chExt cx="0" cy="0"/>
+        </a:xfrm>
+      </p:grpSpPr>
+      <p:sp>
+        <p:nvSpPr>
+          <p:cNvPr id="2" name="Title 1"/>
+          <p:cNvSpPr>
+            <a:spLocks noGrp="1"/>
+          </p:cNvSpPr>
+          <p:nvPr>
+            <p:ph type="title"/>
+          </p:nvPr>
+        </p:nvSpPr>
+        <p:spPr>
+          <a:xfrm>
+            <a:off x="914400" y="390618"/>
+            <a:ext cx="7315200" cy="1154097"/>
+          </a:xfrm>
+        </p:spPr>
+        <p:txBody>
+          <a:bodyPr>
+            <a:normAutofit fontScale="90000"/>
+          </a:bodyPr>
+          <a:lstStyle/>
+          <a:p>
+            <a:r>
+              <a:rPr lang="en-US" dirty="0" smtClean="0"/>
+              <a:t>Design Decisions - </a:t>
+            </a:r>
+            <a:r>
+              <a:rPr lang="en-US" dirty="0" smtClean="0"/>
+              <a:t>Improvement</a:t>
+            </a:r>
+            <a:endParaRPr lang="en-US" dirty="0"/>
+          </a:p>
+        </p:txBody>
+      </p:sp>
+      <p:sp>
+        <p:nvSpPr>
+          <p:cNvPr id="3" name="Content Placeholder 2"/>
+          <p:cNvSpPr>
+            <a:spLocks noGrp="1"/>
+          </p:cNvSpPr>
+          <p:nvPr>
+            <p:ph idx="1"/>
+          </p:nvPr>
+        </p:nvSpPr>
+        <p:spPr>
+          <a:xfrm>
+            <a:off x="914400" y="1544715"/>
+            <a:ext cx="7315200" cy="4981114"/>
+          </a:xfrm>
+        </p:spPr>
+        <p:txBody>
+          <a:bodyPr>
+            <a:normAutofit/>
+          </a:bodyPr>
+          <a:lstStyle/>
+          <a:p>
+            <a:r>
+              <a:rPr lang="en-US" dirty="0" smtClean="0"/>
+              <a:t>Boot Strap</a:t>
+            </a:r>
+          </a:p>
+          <a:p>
+            <a:pPr lvl="1"/>
+            <a:r>
+              <a:rPr lang="en-US" dirty="0" smtClean="0"/>
+              <a:t>Open source</a:t>
+            </a:r>
+          </a:p>
+          <a:p>
+            <a:pPr lvl="1"/>
+            <a:r>
+              <a:rPr lang="en-US" dirty="0" smtClean="0"/>
+              <a:t>Well Documented</a:t>
+            </a:r>
+          </a:p>
+          <a:p>
+            <a:pPr lvl="1"/>
+            <a:r>
+              <a:rPr lang="en-US" dirty="0" smtClean="0"/>
+              <a:t>Tablet and Phone Support</a:t>
+            </a:r>
+          </a:p>
+          <a:p>
+            <a:pPr lvl="1">
+              <a:buNone/>
+            </a:pPr>
+            <a:endParaRPr lang="en-US" dirty="0" smtClean="0"/>
+          </a:p>
+          <a:p>
+            <a:r>
+              <a:rPr lang="en-US" dirty="0" smtClean="0"/>
+              <a:t>Google Charts</a:t>
+            </a:r>
+            <a:endParaRPr lang="en-US" dirty="0" smtClean="0"/>
+          </a:p>
+          <a:p>
+            <a:pPr lvl="1"/>
+            <a:r>
+              <a:rPr lang="en-US" dirty="0" smtClean="0"/>
+              <a:t>Open source</a:t>
+            </a:r>
+          </a:p>
+          <a:p>
+            <a:pPr lvl="1"/>
+            <a:r>
+              <a:rPr lang="en-US" dirty="0" smtClean="0"/>
+              <a:t>Mobile support</a:t>
+            </a:r>
+            <a:endParaRPr lang="en-US" dirty="0" smtClean="0"/>
+          </a:p>
+        </p:txBody>
+      </p:sp>
+      <p:pic>
+        <p:nvPicPr>
+          <p:cNvPr id="1027" name="Picture 3" descr="C:\Users\BuckDich\Desktop\GOOGLE-DEVELOPER-VECTORLOGO-DOT-BIZ.png"/>
+          <p:cNvPicPr>
+            <a:picLocks noChangeAspect="1" noChangeArrowheads="1"/>
+          </p:cNvPicPr>
+          <p:nvPr/>
+        </p:nvPicPr>
+        <p:blipFill>
+          <a:blip r:embed="rId3"/>
+          <a:srcRect/>
+          <a:stretch>
+            <a:fillRect/>
+          </a:stretch>
+        </p:blipFill>
+        <p:spPr bwMode="auto">
+          <a:xfrm>
+            <a:off x="6066407" y="3044469"/>
+            <a:ext cx="1714620" cy="1714620"/>
+          </a:xfrm>
+          <a:prstGeom prst="rect">
+            <a:avLst/>
+          </a:prstGeom>
+          <a:noFill/>
+        </p:spPr>
+      </p:pic>
+      <p:pic>
+        <p:nvPicPr>
+          <p:cNvPr id="1029" name="Picture 5" descr="C:\Users\BuckDich\Desktop\bootstrap-logo.png"/>
+          <p:cNvPicPr>
+            <a:picLocks noChangeAspect="1" noChangeArrowheads="1"/>
+          </p:cNvPicPr>
+          <p:nvPr/>
+        </p:nvPicPr>
+        <p:blipFill>
+          <a:blip r:embed="rId4"/>
+          <a:srcRect/>
+          <a:stretch>
+            <a:fillRect/>
+          </a:stretch>
+        </p:blipFill>
+        <p:spPr bwMode="auto">
+          <a:xfrm>
+            <a:off x="5721350" y="1009627"/>
+            <a:ext cx="2381250" cy="2381250"/>
+          </a:xfrm>
+          <a:prstGeom prst="rect">
+            <a:avLst/>
+          </a:prstGeom>
+          <a:noFill/>
+        </p:spPr>
+      </p:pic>
+    </p:spTree>
+    <p:extLst>
+      <p:ext uri="{BB962C8B-B14F-4D97-AF65-F5344CB8AC3E}">
+        <p14:creationId xmlns="" xmlns:p14="http://schemas.microsoft.com/office/powerpoint/2010/main" val="2691086284"/>
+      </p:ext>
+    </p:extLst>
+  </p:cSld>
+  <p:clrMapOvr>
+    <a:masterClrMapping/>
+  </p:clrMapOvr>
+  <p:timing>
+    <p:tnLst>
+      <p:par>
+        <p:cTn id="1" dur="indefinite" restart="never" nodeType="tmRoot"/>
+      </p:par>
+    </p:tnLst>
+  </p:timing>
+</p:sld>
+</file>
+
+<file path=ppt/slides/slide12.xml><?xml version="1.0" encoding="utf-8"?>
+<p:sld xmlns:a="http://schemas.openxmlformats.org/drawingml/2006/main" xmlns:r="http://schemas.openxmlformats.org/officeDocument/2006/relationships" xmlns:p="http://schemas.openxmlformats.org/presentationml/2006/main">
+  <p:cSld>
+    <p:spTree>
+      <p:nvGrpSpPr>
+        <p:cNvPr id="1" name=""/>
+        <p:cNvGrpSpPr/>
+        <p:nvPr/>
+      </p:nvGrpSpPr>
+      <p:grpSpPr>
+        <a:xfrm>
+          <a:off x="0" y="0"/>
+          <a:ext cx="0" cy="0"/>
+          <a:chOff x="0" y="0"/>
+          <a:chExt cx="0" cy="0"/>
+        </a:xfrm>
+      </p:grpSpPr>
+      <p:sp>
+        <p:nvSpPr>
+          <p:cNvPr id="2" name="Title 1"/>
+          <p:cNvSpPr>
+            <a:spLocks noGrp="1"/>
+          </p:cNvSpPr>
+          <p:nvPr>
+            <p:ph type="title"/>
+          </p:nvPr>
+        </p:nvSpPr>
+        <p:spPr>
+          <a:xfrm>
+            <a:off x="914400" y="390618"/>
+            <a:ext cx="7315200" cy="1154097"/>
+          </a:xfrm>
+        </p:spPr>
+        <p:txBody>
+          <a:bodyPr>
             <a:normAutofit/>
           </a:bodyPr>
           <a:lstStyle/>
@@ -5447,7 +6917,7 @@
 </p:sld>
 </file>
 
-<file path=ppt/slides/slide11.xml><?xml version="1.0" encoding="utf-8"?>
+<file path=ppt/slides/slide13.xml><?xml version="1.0" encoding="utf-8"?>
 <p:sld xmlns:a="http://schemas.openxmlformats.org/drawingml/2006/main" xmlns:r="http://schemas.openxmlformats.org/officeDocument/2006/relationships" xmlns:p="http://schemas.openxmlformats.org/presentationml/2006/main">
   <p:cSld>
     <p:spTree>
@@ -5721,7 +7191,84 @@
 </p:sld>
 </file>
 
-<file path=ppt/slides/slide12.xml><?xml version="1.0" encoding="utf-8"?>
+<file path=ppt/slides/slide14.xml><?xml version="1.0" encoding="utf-8"?>
+<p:sld xmlns:a="http://schemas.openxmlformats.org/drawingml/2006/main" xmlns:r="http://schemas.openxmlformats.org/officeDocument/2006/relationships" xmlns:p="http://schemas.openxmlformats.org/presentationml/2006/main">
+  <p:cSld>
+    <p:spTree>
+      <p:nvGrpSpPr>
+        <p:cNvPr id="1" name=""/>
+        <p:cNvGrpSpPr/>
+        <p:nvPr/>
+      </p:nvGrpSpPr>
+      <p:grpSpPr>
+        <a:xfrm>
+          <a:off x="0" y="0"/>
+          <a:ext cx="0" cy="0"/>
+          <a:chOff x="0" y="0"/>
+          <a:chExt cx="0" cy="0"/>
+        </a:xfrm>
+      </p:grpSpPr>
+      <p:sp>
+        <p:nvSpPr>
+          <p:cNvPr id="2" name="Title 1"/>
+          <p:cNvSpPr>
+            <a:spLocks noGrp="1"/>
+          </p:cNvSpPr>
+          <p:nvPr>
+            <p:ph type="ctrTitle"/>
+          </p:nvPr>
+        </p:nvSpPr>
+        <p:spPr/>
+        <p:txBody>
+          <a:bodyPr>
+            <a:normAutofit/>
+          </a:bodyPr>
+          <a:lstStyle/>
+          <a:p>
+            <a:pPr algn="ctr"/>
+            <a:r>
+              <a:rPr lang="en-US" sz="4000" dirty="0" smtClean="0"/>
+              <a:t>Design</a:t>
+            </a:r>
+            <a:r>
+              <a:rPr lang="en-US" dirty="0" smtClean="0"/>
+              <a:t/>
+            </a:r>
+            <a:br>
+              <a:rPr lang="en-US" dirty="0" smtClean="0"/>
+            </a:br>
+            <a:r>
+              <a:rPr lang="en-US" dirty="0"/>
+              <a:t/>
+            </a:r>
+            <a:br>
+              <a:rPr lang="en-US" dirty="0"/>
+            </a:br>
+            <a:endParaRPr lang="en-US" dirty="0"/>
+          </a:p>
+        </p:txBody>
+      </p:sp>
+    </p:spTree>
+    <p:extLst>
+      <p:ext uri="{BB962C8B-B14F-4D97-AF65-F5344CB8AC3E}">
+        <p14:creationId xmlns="" xmlns:p14="http://schemas.microsoft.com/office/powerpoint/2010/main" val="3634533921"/>
+      </p:ext>
+    </p:extLst>
+  </p:cSld>
+  <p:clrMapOvr>
+    <a:masterClrMapping/>
+  </p:clrMapOvr>
+  <p:timing>
+    <p:tnLst>
+      <p:par>
+        <p:cTn id="1" dur="indefinite" restart="never" nodeType="tmRoot"/>
+      </p:par>
+    </p:tnLst>
+  </p:timing>
+</p:sld>
+</file>
+
+<file path=ppt/slides/slide15.xml><?xml version="1.0" encoding="utf-8"?>
 <p:sld xmlns:a="http://schemas.openxmlformats.org/drawingml/2006/main" xmlns:r="http://schemas.openxmlformats.org/officeDocument/2006/relationships" xmlns:p="http://schemas.openxmlformats.org/presentationml/2006/main">
   <p:cSld>
     <p:spTree>
@@ -6363,328 +7910,6 @@
 </p:sld>
 </file>
 
-<file path=ppt/slides/slide13.xml><?xml version="1.0" encoding="utf-8"?>
-<p:sld xmlns:a="http://schemas.openxmlformats.org/drawingml/2006/main" xmlns:r="http://schemas.openxmlformats.org/officeDocument/2006/relationships" xmlns:p="http://schemas.openxmlformats.org/presentationml/2006/main">
-  <p:cSld>
-    <p:spTree>
-      <p:nvGrpSpPr>
-        <p:cNvPr id="1" name=""/>
-        <p:cNvGrpSpPr/>
-        <p:nvPr/>
-      </p:nvGrpSpPr>
-      <p:grpSpPr>
-        <a:xfrm>
-          <a:off x="0" y="0"/>
-          <a:ext cx="0" cy="0"/>
-          <a:chOff x="0" y="0"/>
-          <a:chExt cx="0" cy="0"/>
-        </a:xfrm>
-      </p:grpSpPr>
-      <p:sp>
-        <p:nvSpPr>
-          <p:cNvPr id="8" name="Title 1"/>
-          <p:cNvSpPr>
-            <a:spLocks noGrp="1"/>
-          </p:cNvSpPr>
-          <p:nvPr>
-            <p:ph type="title"/>
-          </p:nvPr>
-        </p:nvSpPr>
-        <p:spPr>
-          <a:xfrm>
-            <a:off x="213085" y="309670"/>
-            <a:ext cx="8794988" cy="852380"/>
-          </a:xfrm>
-        </p:spPr>
-        <p:txBody>
-          <a:bodyPr>
-            <a:normAutofit fontScale="90000"/>
-          </a:bodyPr>
-          <a:lstStyle/>
-          <a:p>
-            <a:r>
-              <a:rPr lang="en-US" dirty="0" smtClean="0"/>
-              <a:t>Design </a:t>
-            </a:r>
-            <a:r>
-              <a:rPr lang="en-US" dirty="0" smtClean="0"/>
-              <a:t>– Pi and Sensor Communication</a:t>
-            </a:r>
-            <a:endParaRPr lang="en-US" dirty="0"/>
-          </a:p>
-        </p:txBody>
-      </p:sp>
-      <p:sp>
-        <p:nvSpPr>
-          <p:cNvPr id="9" name="Content Placeholder 8"/>
-          <p:cNvSpPr>
-            <a:spLocks noGrp="1"/>
-          </p:cNvSpPr>
-          <p:nvPr>
-            <p:ph idx="1"/>
-          </p:nvPr>
-        </p:nvSpPr>
-        <p:spPr>
-          <a:xfrm>
-            <a:off x="914400" y="1902941"/>
-            <a:ext cx="7315200" cy="3539527"/>
-          </a:xfrm>
-        </p:spPr>
-        <p:txBody>
-          <a:bodyPr/>
-          <a:lstStyle/>
-          <a:p>
-            <a:r>
-              <a:rPr lang="en-US" dirty="0" smtClean="0"/>
-              <a:t>Uses Python to communicate to the device</a:t>
-            </a:r>
-          </a:p>
-          <a:p>
-            <a:r>
-              <a:rPr lang="en-US" dirty="0" smtClean="0"/>
-              <a:t>Python sends a request</a:t>
-            </a:r>
-          </a:p>
-          <a:p>
-            <a:r>
-              <a:rPr lang="en-US" dirty="0" smtClean="0"/>
-              <a:t>Sensor responds</a:t>
-            </a:r>
-          </a:p>
-          <a:p>
-            <a:r>
-              <a:rPr lang="en-US" dirty="0" smtClean="0"/>
-              <a:t>Output written to XML file</a:t>
-            </a:r>
-            <a:endParaRPr lang="en-US" dirty="0"/>
-          </a:p>
-        </p:txBody>
-      </p:sp>
-    </p:spTree>
-    <p:extLst>
-      <p:ext uri="{BB962C8B-B14F-4D97-AF65-F5344CB8AC3E}">
-        <p14:creationId xmlns="" xmlns:p14="http://schemas.microsoft.com/office/powerpoint/2010/main" val="4139235485"/>
-      </p:ext>
-    </p:extLst>
-  </p:cSld>
-  <p:clrMapOvr>
-    <a:masterClrMapping/>
-  </p:clrMapOvr>
-  <p:timing>
-    <p:tnLst>
-      <p:par>
-        <p:cTn id="1" dur="indefinite" restart="never" nodeType="tmRoot"/>
-      </p:par>
-    </p:tnLst>
-  </p:timing>
-</p:sld>
-</file>
-
-<file path=ppt/slides/slide14.xml><?xml version="1.0" encoding="utf-8"?>
-<p:sld xmlns:a="http://schemas.openxmlformats.org/drawingml/2006/main" xmlns:r="http://schemas.openxmlformats.org/officeDocument/2006/relationships" xmlns:p="http://schemas.openxmlformats.org/presentationml/2006/main">
-  <p:cSld>
-    <p:spTree>
-      <p:nvGrpSpPr>
-        <p:cNvPr id="1" name=""/>
-        <p:cNvGrpSpPr/>
-        <p:nvPr/>
-      </p:nvGrpSpPr>
-      <p:grpSpPr>
-        <a:xfrm>
-          <a:off x="0" y="0"/>
-          <a:ext cx="0" cy="0"/>
-          <a:chOff x="0" y="0"/>
-          <a:chExt cx="0" cy="0"/>
-        </a:xfrm>
-      </p:grpSpPr>
-      <p:sp>
-        <p:nvSpPr>
-          <p:cNvPr id="8" name="Title 1"/>
-          <p:cNvSpPr>
-            <a:spLocks noGrp="1"/>
-          </p:cNvSpPr>
-          <p:nvPr>
-            <p:ph type="title"/>
-          </p:nvPr>
-        </p:nvSpPr>
-        <p:spPr>
-          <a:xfrm>
-            <a:off x="213085" y="309670"/>
-            <a:ext cx="8794988" cy="852380"/>
-          </a:xfrm>
-        </p:spPr>
-        <p:txBody>
-          <a:bodyPr>
-            <a:normAutofit fontScale="90000"/>
-          </a:bodyPr>
-          <a:lstStyle/>
-          <a:p>
-            <a:r>
-              <a:rPr lang="en-US" dirty="0" smtClean="0"/>
-              <a:t>Design </a:t>
-            </a:r>
-            <a:r>
-              <a:rPr lang="en-US" dirty="0" smtClean="0"/>
-              <a:t>– Pi and Server Communication</a:t>
-            </a:r>
-            <a:endParaRPr lang="en-US" dirty="0"/>
-          </a:p>
-        </p:txBody>
-      </p:sp>
-      <p:sp>
-        <p:nvSpPr>
-          <p:cNvPr id="9" name="Content Placeholder 8"/>
-          <p:cNvSpPr>
-            <a:spLocks noGrp="1"/>
-          </p:cNvSpPr>
-          <p:nvPr>
-            <p:ph idx="1"/>
-          </p:nvPr>
-        </p:nvSpPr>
-        <p:spPr>
-          <a:xfrm>
-            <a:off x="914400" y="1902941"/>
-            <a:ext cx="7315200" cy="3539527"/>
-          </a:xfrm>
-        </p:spPr>
-        <p:txBody>
-          <a:bodyPr/>
-          <a:lstStyle/>
-          <a:p>
-            <a:r>
-              <a:rPr lang="en-US" dirty="0" smtClean="0"/>
-              <a:t>Apache hosts XML file for server to retrieve</a:t>
-            </a:r>
-          </a:p>
-          <a:p>
-            <a:r>
-              <a:rPr lang="en-US" dirty="0" smtClean="0"/>
-              <a:t>Server has different drivers for different devices</a:t>
-            </a:r>
-          </a:p>
-          <a:p>
-            <a:r>
-              <a:rPr lang="en-US" dirty="0" smtClean="0"/>
-              <a:t>Parses XML according to driver</a:t>
-            </a:r>
-          </a:p>
-          <a:p>
-            <a:r>
-              <a:rPr lang="en-US" dirty="0" smtClean="0"/>
-              <a:t>Temperature information handled by server</a:t>
-            </a:r>
-            <a:endParaRPr lang="en-US" dirty="0"/>
-          </a:p>
-        </p:txBody>
-      </p:sp>
-    </p:spTree>
-    <p:extLst>
-      <p:ext uri="{BB962C8B-B14F-4D97-AF65-F5344CB8AC3E}">
-        <p14:creationId xmlns="" xmlns:p14="http://schemas.microsoft.com/office/powerpoint/2010/main" val="4139235485"/>
-      </p:ext>
-    </p:extLst>
-  </p:cSld>
-  <p:clrMapOvr>
-    <a:masterClrMapping/>
-  </p:clrMapOvr>
-  <p:timing>
-    <p:tnLst>
-      <p:par>
-        <p:cTn id="1" dur="indefinite" restart="never" nodeType="tmRoot"/>
-      </p:par>
-    </p:tnLst>
-  </p:timing>
-</p:sld>
-</file>
-
-<file path=ppt/slides/slide15.xml><?xml version="1.0" encoding="utf-8"?>
-<p:sld xmlns:a="http://schemas.openxmlformats.org/drawingml/2006/main" xmlns:r="http://schemas.openxmlformats.org/officeDocument/2006/relationships" xmlns:p="http://schemas.openxmlformats.org/presentationml/2006/main">
-  <p:cSld>
-    <p:spTree>
-      <p:nvGrpSpPr>
-        <p:cNvPr id="1" name=""/>
-        <p:cNvGrpSpPr/>
-        <p:nvPr/>
-      </p:nvGrpSpPr>
-      <p:grpSpPr>
-        <a:xfrm>
-          <a:off x="0" y="0"/>
-          <a:ext cx="0" cy="0"/>
-          <a:chOff x="0" y="0"/>
-          <a:chExt cx="0" cy="0"/>
-        </a:xfrm>
-      </p:grpSpPr>
-      <p:sp>
-        <p:nvSpPr>
-          <p:cNvPr id="2" name="Title 1"/>
-          <p:cNvSpPr>
-            <a:spLocks noGrp="1"/>
-          </p:cNvSpPr>
-          <p:nvPr>
-            <p:ph type="title"/>
-          </p:nvPr>
-        </p:nvSpPr>
-        <p:spPr>
-          <a:xfrm>
-            <a:off x="914400" y="390618"/>
-            <a:ext cx="7315200" cy="1154097"/>
-          </a:xfrm>
-        </p:spPr>
-        <p:txBody>
-          <a:bodyPr/>
-          <a:lstStyle/>
-          <a:p>
-            <a:r>
-              <a:rPr lang="en-US" dirty="0" smtClean="0"/>
-              <a:t>Implementation</a:t>
-            </a:r>
-            <a:endParaRPr lang="en-US" dirty="0"/>
-          </a:p>
-        </p:txBody>
-      </p:sp>
-      <p:pic>
-        <p:nvPicPr>
-          <p:cNvPr id="4" name="Content Placeholder 3" descr="ourrasp.jpg"/>
-          <p:cNvPicPr>
-            <a:picLocks noGrp="1" noChangeAspect="1"/>
-          </p:cNvPicPr>
-          <p:nvPr>
-            <p:ph idx="1"/>
-          </p:nvPr>
-        </p:nvPicPr>
-        <p:blipFill>
-          <a:blip r:embed="rId3" cstate="print"/>
-          <a:stretch>
-            <a:fillRect/>
-          </a:stretch>
-        </p:blipFill>
-        <p:spPr>
-          <a:xfrm>
-            <a:off x="1427810" y="2162476"/>
-            <a:ext cx="6288380" cy="3540125"/>
-          </a:xfrm>
-        </p:spPr>
-      </p:pic>
-    </p:spTree>
-    <p:extLst>
-      <p:ext uri="{BB962C8B-B14F-4D97-AF65-F5344CB8AC3E}">
-        <p14:creationId xmlns="" xmlns:p14="http://schemas.microsoft.com/office/powerpoint/2010/main" val="3420910667"/>
-      </p:ext>
-    </p:extLst>
-  </p:cSld>
-  <p:clrMapOvr>
-    <a:masterClrMapping/>
-  </p:clrMapOvr>
-  <p:timing>
-    <p:tnLst>
-      <p:par>
-        <p:cTn id="1" dur="indefinite" restart="never" nodeType="tmRoot"/>
-      </p:par>
-    </p:tnLst>
-  </p:timing>
-</p:sld>
-</file>
-
 <file path=ppt/slides/slide16.xml><?xml version="1.0" encoding="utf-8"?>
 <p:sld xmlns:a="http://schemas.openxmlformats.org/drawingml/2006/main" xmlns:r="http://schemas.openxmlformats.org/officeDocument/2006/relationships" xmlns:p="http://schemas.openxmlformats.org/presentationml/2006/main">
   <p:cSld>
@@ -6704,7 +7929,7 @@
       </p:grpSpPr>
       <p:sp>
         <p:nvSpPr>
-          <p:cNvPr id="2" name="Title 1"/>
+          <p:cNvPr id="8" name="Title 1"/>
           <p:cNvSpPr>
             <a:spLocks noGrp="1"/>
           </p:cNvSpPr>
@@ -6714,8 +7939,8 @@
         </p:nvSpPr>
         <p:spPr>
           <a:xfrm>
-            <a:off x="914400" y="390618"/>
-            <a:ext cx="7315200" cy="1154097"/>
+            <a:off x="213085" y="309670"/>
+            <a:ext cx="8794988" cy="852380"/>
           </a:xfrm>
         </p:spPr>
         <p:txBody>
@@ -6726,7 +7951,11 @@
           <a:p>
             <a:r>
               <a:rPr lang="en-US" dirty="0" smtClean="0"/>
-              <a:t>Implementation – The Rest Of The Story</a:t>
+              <a:t>Design </a:t>
+            </a:r>
+            <a:r>
+              <a:rPr lang="en-US" dirty="0" smtClean="0"/>
+              <a:t>– Pi and Sensor Communication</a:t>
             </a:r>
             <a:endParaRPr lang="en-US" dirty="0"/>
           </a:p>
@@ -6734,7 +7963,7 @@
       </p:sp>
       <p:sp>
         <p:nvSpPr>
-          <p:cNvPr id="3" name="Content Placeholder 2"/>
+          <p:cNvPr id="9" name="Content Placeholder 8"/>
           <p:cNvSpPr>
             <a:spLocks noGrp="1"/>
           </p:cNvSpPr>
@@ -6744,7 +7973,7 @@
         </p:nvSpPr>
         <p:spPr>
           <a:xfrm>
-            <a:off x="914400" y="1544715"/>
+            <a:off x="914400" y="1902941"/>
             <a:ext cx="7315200" cy="3539527"/>
           </a:xfrm>
         </p:spPr>
@@ -6754,46 +7983,264 @@
           <a:p>
             <a:r>
               <a:rPr lang="en-US" dirty="0" smtClean="0"/>
-              <a:t>Pictures </a:t>
-            </a:r>
-            <a:r>
-              <a:rPr lang="en-US" dirty="0" smtClean="0"/>
-              <a:t>of site mockups</a:t>
-            </a:r>
-          </a:p>
-          <a:p>
-            <a:r>
-              <a:rPr lang="en-US" dirty="0" smtClean="0"/>
-              <a:t>Google charts displaying the data</a:t>
-            </a:r>
-          </a:p>
-          <a:p>
-            <a:r>
-              <a:rPr lang="en-US" dirty="0" smtClean="0"/>
-              <a:t>Pictures of sensor, pi, both connected (and separate)</a:t>
-            </a:r>
-          </a:p>
-          <a:p>
-            <a:r>
-              <a:rPr lang="en-US" dirty="0" smtClean="0"/>
-              <a:t>Colorful picture of a brief section of code – code that talks to sensor (python snippet where it calls the library)</a:t>
-            </a:r>
-          </a:p>
-          <a:p>
-            <a:endParaRPr lang="en-US" dirty="0" smtClean="0"/>
-          </a:p>
-          <a:p>
-            <a:pPr marL="502920" lvl="2" indent="0">
-              <a:buNone/>
-            </a:pPr>
-            <a:endParaRPr lang="en-US" dirty="0" smtClean="0"/>
-          </a:p>
-        </p:txBody>
-      </p:sp>
+              <a:t>Uses Python to communicate to the device</a:t>
+            </a:r>
+          </a:p>
+          <a:p>
+            <a:r>
+              <a:rPr lang="en-US" dirty="0" smtClean="0"/>
+              <a:t>Python sends a request</a:t>
+            </a:r>
+          </a:p>
+          <a:p>
+            <a:r>
+              <a:rPr lang="en-US" dirty="0" smtClean="0"/>
+              <a:t>Sensor responds</a:t>
+            </a:r>
+          </a:p>
+          <a:p>
+            <a:r>
+              <a:rPr lang="en-US" dirty="0" smtClean="0"/>
+              <a:t>Output written to XML file</a:t>
+            </a:r>
+            <a:endParaRPr lang="en-US" dirty="0"/>
+          </a:p>
+        </p:txBody>
+      </p:sp>
+      <p:sp>
+        <p:nvSpPr>
+          <p:cNvPr id="10" name="Rectangle 9"/>
+          <p:cNvSpPr/>
+          <p:nvPr/>
+        </p:nvSpPr>
+        <p:spPr>
+          <a:xfrm>
+            <a:off x="7018638" y="3707012"/>
+            <a:ext cx="1507524" cy="988541"/>
+          </a:xfrm>
+          <a:prstGeom prst="rect">
+            <a:avLst/>
+          </a:prstGeom>
+        </p:spPr>
+        <p:style>
+          <a:lnRef idx="2">
+            <a:schemeClr val="accent1">
+              <a:shade val="50000"/>
+            </a:schemeClr>
+          </a:lnRef>
+          <a:fillRef idx="1">
+            <a:schemeClr val="accent1"/>
+          </a:fillRef>
+          <a:effectRef idx="0">
+            <a:schemeClr val="accent1"/>
+          </a:effectRef>
+          <a:fontRef idx="minor">
+            <a:schemeClr val="lt1"/>
+          </a:fontRef>
+        </p:style>
+        <p:txBody>
+          <a:bodyPr rtlCol="0" anchor="ctr"/>
+          <a:lstStyle/>
+          <a:p>
+            <a:pPr algn="ctr"/>
+            <a:r>
+              <a:rPr lang="en-US" dirty="0" smtClean="0"/>
+              <a:t>Pi</a:t>
+            </a:r>
+          </a:p>
+        </p:txBody>
+      </p:sp>
+      <p:sp>
+        <p:nvSpPr>
+          <p:cNvPr id="11" name="Rectangle 10"/>
+          <p:cNvSpPr/>
+          <p:nvPr/>
+        </p:nvSpPr>
+        <p:spPr>
+          <a:xfrm>
+            <a:off x="7018638" y="5404007"/>
+            <a:ext cx="1507524" cy="988541"/>
+          </a:xfrm>
+          <a:prstGeom prst="rect">
+            <a:avLst/>
+          </a:prstGeom>
+        </p:spPr>
+        <p:style>
+          <a:lnRef idx="2">
+            <a:schemeClr val="accent1">
+              <a:shade val="50000"/>
+            </a:schemeClr>
+          </a:lnRef>
+          <a:fillRef idx="1">
+            <a:schemeClr val="accent1"/>
+          </a:fillRef>
+          <a:effectRef idx="0">
+            <a:schemeClr val="accent1"/>
+          </a:effectRef>
+          <a:fontRef idx="minor">
+            <a:schemeClr val="lt1"/>
+          </a:fontRef>
+        </p:style>
+        <p:txBody>
+          <a:bodyPr rtlCol="0" anchor="ctr"/>
+          <a:lstStyle/>
+          <a:p>
+            <a:pPr algn="ctr"/>
+            <a:r>
+              <a:rPr lang="en-US" dirty="0" smtClean="0"/>
+              <a:t>Sensor</a:t>
+            </a:r>
+          </a:p>
+        </p:txBody>
+      </p:sp>
+      <p:sp>
+        <p:nvSpPr>
+          <p:cNvPr id="13" name="Rectangle 12"/>
+          <p:cNvSpPr/>
+          <p:nvPr/>
+        </p:nvSpPr>
+        <p:spPr>
+          <a:xfrm>
+            <a:off x="4736754" y="3694655"/>
+            <a:ext cx="1507524" cy="988541"/>
+          </a:xfrm>
+          <a:prstGeom prst="rect">
+            <a:avLst/>
+          </a:prstGeom>
+        </p:spPr>
+        <p:style>
+          <a:lnRef idx="2">
+            <a:schemeClr val="accent1">
+              <a:shade val="50000"/>
+            </a:schemeClr>
+          </a:lnRef>
+          <a:fillRef idx="1">
+            <a:schemeClr val="accent1"/>
+          </a:fillRef>
+          <a:effectRef idx="0">
+            <a:schemeClr val="accent1"/>
+          </a:effectRef>
+          <a:fontRef idx="minor">
+            <a:schemeClr val="lt1"/>
+          </a:fontRef>
+        </p:style>
+        <p:txBody>
+          <a:bodyPr rtlCol="0" anchor="ctr"/>
+          <a:lstStyle/>
+          <a:p>
+            <a:pPr algn="ctr"/>
+            <a:r>
+              <a:rPr lang="en-US" dirty="0" smtClean="0"/>
+              <a:t>XML</a:t>
+            </a:r>
+          </a:p>
+        </p:txBody>
+      </p:sp>
+      <p:cxnSp>
+        <p:nvCxnSpPr>
+          <p:cNvPr id="16" name="Straight Arrow Connector 15"/>
+          <p:cNvCxnSpPr/>
+          <p:nvPr/>
+        </p:nvCxnSpPr>
+        <p:spPr>
+          <a:xfrm rot="5400000">
+            <a:off x="7183391" y="5037423"/>
+            <a:ext cx="708454" cy="1588"/>
+          </a:xfrm>
+          <a:prstGeom prst="straightConnector1">
+            <a:avLst/>
+          </a:prstGeom>
+          <a:ln>
+            <a:tailEnd type="arrow"/>
+          </a:ln>
+        </p:spPr>
+        <p:style>
+          <a:lnRef idx="1">
+            <a:schemeClr val="accent1"/>
+          </a:lnRef>
+          <a:fillRef idx="0">
+            <a:schemeClr val="accent1"/>
+          </a:fillRef>
+          <a:effectRef idx="0">
+            <a:schemeClr val="accent1"/>
+          </a:effectRef>
+          <a:fontRef idx="minor">
+            <a:schemeClr val="tx1"/>
+          </a:fontRef>
+        </p:style>
+      </p:cxnSp>
+      <p:cxnSp>
+        <p:nvCxnSpPr>
+          <p:cNvPr id="17" name="Straight Arrow Connector 16"/>
+          <p:cNvCxnSpPr/>
+          <p:nvPr/>
+        </p:nvCxnSpPr>
+        <p:spPr>
+          <a:xfrm rot="5400000" flipH="1" flipV="1">
+            <a:off x="7690015" y="5037423"/>
+            <a:ext cx="708455" cy="2"/>
+          </a:xfrm>
+          <a:prstGeom prst="straightConnector1">
+            <a:avLst/>
+          </a:prstGeom>
+          <a:ln>
+            <a:tailEnd type="arrow"/>
+          </a:ln>
+        </p:spPr>
+        <p:style>
+          <a:lnRef idx="1">
+            <a:schemeClr val="accent1"/>
+          </a:lnRef>
+          <a:fillRef idx="0">
+            <a:schemeClr val="accent1"/>
+          </a:fillRef>
+          <a:effectRef idx="0">
+            <a:schemeClr val="accent1"/>
+          </a:effectRef>
+          <a:fontRef idx="minor">
+            <a:schemeClr val="tx1"/>
+          </a:fontRef>
+        </p:style>
+      </p:cxnSp>
+      <p:cxnSp>
+        <p:nvCxnSpPr>
+          <p:cNvPr id="18" name="Straight Arrow Connector 17"/>
+          <p:cNvCxnSpPr>
+            <a:endCxn id="13" idx="3"/>
+          </p:cNvCxnSpPr>
+          <p:nvPr/>
+        </p:nvCxnSpPr>
+        <p:spPr>
+          <a:xfrm rot="10800000">
+            <a:off x="6244279" y="4188926"/>
+            <a:ext cx="774357" cy="1588"/>
+          </a:xfrm>
+          <a:prstGeom prst="straightConnector1">
+            <a:avLst/>
+          </a:prstGeom>
+          <a:ln>
+            <a:tailEnd type="arrow"/>
+          </a:ln>
+        </p:spPr>
+        <p:style>
+          <a:lnRef idx="1">
+            <a:schemeClr val="accent1"/>
+          </a:lnRef>
+          <a:fillRef idx="0">
+            <a:schemeClr val="accent1"/>
+          </a:fillRef>
+          <a:effectRef idx="0">
+            <a:schemeClr val="accent1"/>
+          </a:effectRef>
+          <a:fontRef idx="minor">
+            <a:schemeClr val="tx1"/>
+          </a:fontRef>
+        </p:style>
+      </p:cxnSp>
     </p:spTree>
     <p:extLst>
       <p:ext uri="{BB962C8B-B14F-4D97-AF65-F5344CB8AC3E}">
-        <p14:creationId xmlns="" xmlns:p14="http://schemas.microsoft.com/office/powerpoint/2010/main" val="805076559"/>
+        <p14:creationId xmlns="" xmlns:p14="http://schemas.microsoft.com/office/powerpoint/2010/main" val="4139235485"/>
       </p:ext>
     </p:extLst>
   </p:cSld>
@@ -6829,7 +8276,7 @@
       </p:grpSpPr>
       <p:sp>
         <p:nvSpPr>
-          <p:cNvPr id="2" name="Title 1"/>
+          <p:cNvPr id="8" name="Title 1"/>
           <p:cNvSpPr>
             <a:spLocks noGrp="1"/>
           </p:cNvSpPr>
@@ -6839,17 +8286,23 @@
         </p:nvSpPr>
         <p:spPr>
           <a:xfrm>
-            <a:off x="914400" y="390618"/>
-            <a:ext cx="7315200" cy="1154097"/>
+            <a:off x="213085" y="309670"/>
+            <a:ext cx="8794988" cy="852380"/>
           </a:xfrm>
         </p:spPr>
         <p:txBody>
-          <a:bodyPr/>
-          <a:lstStyle/>
-          <a:p>
-            <a:r>
-              <a:rPr lang="en-US" dirty="0" smtClean="0"/>
-              <a:t>Testing – What Was Used</a:t>
+          <a:bodyPr>
+            <a:normAutofit fontScale="90000"/>
+          </a:bodyPr>
+          <a:lstStyle/>
+          <a:p>
+            <a:r>
+              <a:rPr lang="en-US" dirty="0" smtClean="0"/>
+              <a:t>Design </a:t>
+            </a:r>
+            <a:r>
+              <a:rPr lang="en-US" dirty="0" smtClean="0"/>
+              <a:t>– Pi and Server Communication</a:t>
             </a:r>
             <a:endParaRPr lang="en-US" dirty="0"/>
           </a:p>
@@ -6857,7 +8310,7 @@
       </p:sp>
       <p:sp>
         <p:nvSpPr>
-          <p:cNvPr id="3" name="Content Placeholder 2"/>
+          <p:cNvPr id="9" name="Content Placeholder 8"/>
           <p:cNvSpPr>
             <a:spLocks noGrp="1"/>
           </p:cNvSpPr>
@@ -6867,7 +8320,7 @@
         </p:nvSpPr>
         <p:spPr>
           <a:xfrm>
-            <a:off x="914400" y="1544715"/>
+            <a:off x="914400" y="1396314"/>
             <a:ext cx="7315200" cy="3539527"/>
           </a:xfrm>
         </p:spPr>
@@ -6876,43 +8329,517 @@
           <a:lstStyle/>
           <a:p>
             <a:r>
-              <a:rPr lang="en-US" dirty="0" err="1" smtClean="0"/>
-              <a:t>Laravel</a:t>
-            </a:r>
-            <a:r>
-              <a:rPr lang="en-US" dirty="0" smtClean="0"/>
-              <a:t> built in testing framework</a:t>
-            </a:r>
-            <a:endParaRPr lang="en-US" dirty="0" smtClean="0"/>
-          </a:p>
-          <a:p>
-            <a:r>
-              <a:rPr lang="en-US" dirty="0" smtClean="0"/>
-              <a:t>One </a:t>
-            </a:r>
-            <a:r>
-              <a:rPr lang="en-US" dirty="0" smtClean="0"/>
-              <a:t>h</a:t>
-            </a:r>
-            <a:r>
-              <a:rPr lang="en-US" dirty="0" smtClean="0"/>
-              <a:t>undred virtual sensors for load testing</a:t>
-            </a:r>
-            <a:endParaRPr lang="en-US" dirty="0" smtClean="0"/>
-          </a:p>
-          <a:p>
-            <a:r>
-              <a:rPr lang="en-US" dirty="0" smtClean="0"/>
-              <a:t>Extreme temperature sensing</a:t>
-            </a:r>
-            <a:endParaRPr lang="en-US" dirty="0" smtClean="0"/>
-          </a:p>
-        </p:txBody>
-      </p:sp>
+              <a:rPr lang="en-US" dirty="0" smtClean="0"/>
+              <a:t>Apache hosts XML file for server to retrieve</a:t>
+            </a:r>
+          </a:p>
+          <a:p>
+            <a:r>
+              <a:rPr lang="en-US" dirty="0" smtClean="0"/>
+              <a:t>Server has different drivers for different devices</a:t>
+            </a:r>
+          </a:p>
+          <a:p>
+            <a:r>
+              <a:rPr lang="en-US" dirty="0" smtClean="0"/>
+              <a:t>Parses XML according to driver</a:t>
+            </a:r>
+          </a:p>
+          <a:p>
+            <a:r>
+              <a:rPr lang="en-US" dirty="0" smtClean="0"/>
+              <a:t>Temperature information handled by server</a:t>
+            </a:r>
+            <a:endParaRPr lang="en-US" dirty="0"/>
+          </a:p>
+        </p:txBody>
+      </p:sp>
+      <p:grpSp>
+        <p:nvGrpSpPr>
+          <p:cNvPr id="30" name="Group 29"/>
+          <p:cNvGrpSpPr/>
+          <p:nvPr/>
+        </p:nvGrpSpPr>
+        <p:grpSpPr>
+          <a:xfrm>
+            <a:off x="914400" y="2936758"/>
+            <a:ext cx="7315200" cy="3624653"/>
+            <a:chOff x="2162466" y="3039732"/>
+            <a:chExt cx="7315200" cy="3624653"/>
+          </a:xfrm>
+        </p:grpSpPr>
+        <p:sp>
+          <p:nvSpPr>
+            <p:cNvPr id="5" name="Rectangle 4"/>
+            <p:cNvSpPr/>
+            <p:nvPr/>
+          </p:nvSpPr>
+          <p:spPr>
+            <a:xfrm>
+              <a:off x="7970142" y="3052090"/>
+              <a:ext cx="1507524" cy="988541"/>
+            </a:xfrm>
+            <a:prstGeom prst="rect">
+              <a:avLst/>
+            </a:prstGeom>
+          </p:spPr>
+          <p:style>
+            <a:lnRef idx="2">
+              <a:schemeClr val="accent1">
+                <a:shade val="50000"/>
+              </a:schemeClr>
+            </a:lnRef>
+            <a:fillRef idx="1">
+              <a:schemeClr val="accent1"/>
+            </a:fillRef>
+            <a:effectRef idx="0">
+              <a:schemeClr val="accent1"/>
+            </a:effectRef>
+            <a:fontRef idx="minor">
+              <a:schemeClr val="lt1"/>
+            </a:fontRef>
+          </p:style>
+          <p:txBody>
+            <a:bodyPr rtlCol="0" anchor="ctr"/>
+            <a:lstStyle/>
+            <a:p>
+              <a:pPr algn="ctr"/>
+              <a:r>
+                <a:rPr lang="en-US" dirty="0" smtClean="0"/>
+                <a:t>Pi</a:t>
+              </a:r>
+            </a:p>
+          </p:txBody>
+        </p:sp>
+        <p:sp>
+          <p:nvSpPr>
+            <p:cNvPr id="6" name="Rectangle 5"/>
+            <p:cNvSpPr/>
+            <p:nvPr/>
+          </p:nvSpPr>
+          <p:spPr>
+            <a:xfrm>
+              <a:off x="5688258" y="3039733"/>
+              <a:ext cx="1507524" cy="988541"/>
+            </a:xfrm>
+            <a:prstGeom prst="rect">
+              <a:avLst/>
+            </a:prstGeom>
+          </p:spPr>
+          <p:style>
+            <a:lnRef idx="2">
+              <a:schemeClr val="accent1">
+                <a:shade val="50000"/>
+              </a:schemeClr>
+            </a:lnRef>
+            <a:fillRef idx="1">
+              <a:schemeClr val="accent1"/>
+            </a:fillRef>
+            <a:effectRef idx="0">
+              <a:schemeClr val="accent1"/>
+            </a:effectRef>
+            <a:fontRef idx="minor">
+              <a:schemeClr val="lt1"/>
+            </a:fontRef>
+          </p:style>
+          <p:txBody>
+            <a:bodyPr rtlCol="0" anchor="ctr"/>
+            <a:lstStyle/>
+            <a:p>
+              <a:pPr algn="ctr"/>
+              <a:r>
+                <a:rPr lang="en-US" dirty="0" smtClean="0"/>
+                <a:t>Pi Hosted XML</a:t>
+              </a:r>
+            </a:p>
+          </p:txBody>
+        </p:sp>
+        <p:cxnSp>
+          <p:nvCxnSpPr>
+            <p:cNvPr id="7" name="Straight Arrow Connector 6"/>
+            <p:cNvCxnSpPr>
+              <a:endCxn id="6" idx="1"/>
+            </p:cNvCxnSpPr>
+            <p:nvPr/>
+          </p:nvCxnSpPr>
+          <p:spPr>
+            <a:xfrm>
+              <a:off x="3669987" y="3534004"/>
+              <a:ext cx="2018271" cy="1588"/>
+            </a:xfrm>
+            <a:prstGeom prst="straightConnector1">
+              <a:avLst/>
+            </a:prstGeom>
+            <a:ln>
+              <a:tailEnd type="arrow"/>
+            </a:ln>
+          </p:spPr>
+          <p:style>
+            <a:lnRef idx="1">
+              <a:schemeClr val="accent1"/>
+            </a:lnRef>
+            <a:fillRef idx="0">
+              <a:schemeClr val="accent1"/>
+            </a:fillRef>
+            <a:effectRef idx="0">
+              <a:schemeClr val="accent1"/>
+            </a:effectRef>
+            <a:fontRef idx="minor">
+              <a:schemeClr val="tx1"/>
+            </a:fontRef>
+          </p:style>
+        </p:cxnSp>
+        <p:cxnSp>
+          <p:nvCxnSpPr>
+            <p:cNvPr id="10" name="Straight Arrow Connector 9"/>
+            <p:cNvCxnSpPr>
+              <a:endCxn id="6" idx="3"/>
+            </p:cNvCxnSpPr>
+            <p:nvPr/>
+          </p:nvCxnSpPr>
+          <p:spPr>
+            <a:xfrm rot="10800000">
+              <a:off x="7195783" y="3534004"/>
+              <a:ext cx="774357" cy="1588"/>
+            </a:xfrm>
+            <a:prstGeom prst="straightConnector1">
+              <a:avLst/>
+            </a:prstGeom>
+            <a:ln>
+              <a:tailEnd type="arrow"/>
+            </a:ln>
+          </p:spPr>
+          <p:style>
+            <a:lnRef idx="1">
+              <a:schemeClr val="accent1"/>
+            </a:lnRef>
+            <a:fillRef idx="0">
+              <a:schemeClr val="accent1"/>
+            </a:fillRef>
+            <a:effectRef idx="0">
+              <a:schemeClr val="accent1"/>
+            </a:effectRef>
+            <a:fontRef idx="minor">
+              <a:schemeClr val="tx1"/>
+            </a:fontRef>
+          </p:style>
+        </p:cxnSp>
+        <p:sp>
+          <p:nvSpPr>
+            <p:cNvPr id="23" name="Rectangle 22"/>
+            <p:cNvSpPr/>
+            <p:nvPr/>
+          </p:nvSpPr>
+          <p:spPr>
+            <a:xfrm>
+              <a:off x="2162466" y="3039732"/>
+              <a:ext cx="1507524" cy="988541"/>
+            </a:xfrm>
+            <a:prstGeom prst="rect">
+              <a:avLst/>
+            </a:prstGeom>
+          </p:spPr>
+          <p:style>
+            <a:lnRef idx="2">
+              <a:schemeClr val="accent1">
+                <a:shade val="50000"/>
+              </a:schemeClr>
+            </a:lnRef>
+            <a:fillRef idx="1">
+              <a:schemeClr val="accent1"/>
+            </a:fillRef>
+            <a:effectRef idx="0">
+              <a:schemeClr val="accent1"/>
+            </a:effectRef>
+            <a:fontRef idx="minor">
+              <a:schemeClr val="lt1"/>
+            </a:fontRef>
+          </p:style>
+          <p:txBody>
+            <a:bodyPr rtlCol="0" anchor="ctr"/>
+            <a:lstStyle/>
+            <a:p>
+              <a:pPr algn="ctr"/>
+              <a:r>
+                <a:rPr lang="en-US" dirty="0" err="1" smtClean="0"/>
+                <a:t>Laravel</a:t>
+              </a:r>
+              <a:endParaRPr lang="en-US" dirty="0" smtClean="0"/>
+            </a:p>
+          </p:txBody>
+        </p:sp>
+        <p:sp>
+          <p:nvSpPr>
+            <p:cNvPr id="24" name="Rectangle 23"/>
+            <p:cNvSpPr/>
+            <p:nvPr/>
+          </p:nvSpPr>
+          <p:spPr>
+            <a:xfrm>
+              <a:off x="2162469" y="5725273"/>
+              <a:ext cx="1507521" cy="469556"/>
+            </a:xfrm>
+            <a:prstGeom prst="rect">
+              <a:avLst/>
+            </a:prstGeom>
+          </p:spPr>
+          <p:style>
+            <a:lnRef idx="2">
+              <a:schemeClr val="accent1">
+                <a:shade val="50000"/>
+              </a:schemeClr>
+            </a:lnRef>
+            <a:fillRef idx="1">
+              <a:schemeClr val="accent1"/>
+            </a:fillRef>
+            <a:effectRef idx="0">
+              <a:schemeClr val="accent1"/>
+            </a:effectRef>
+            <a:fontRef idx="minor">
+              <a:schemeClr val="lt1"/>
+            </a:fontRef>
+          </p:style>
+          <p:txBody>
+            <a:bodyPr rtlCol="0" anchor="ctr"/>
+            <a:lstStyle/>
+            <a:p>
+              <a:r>
+                <a:rPr lang="en-US" b="1" dirty="0" err="1" smtClean="0">
+                  <a:solidFill>
+                    <a:srgbClr val="FF0000"/>
+                  </a:solidFill>
+                </a:rPr>
+                <a:t>M</a:t>
+              </a:r>
+              <a:r>
+                <a:rPr lang="en-US" dirty="0" err="1" smtClean="0"/>
+                <a:t>ySQL</a:t>
+              </a:r>
+              <a:endParaRPr lang="en-US" dirty="0" smtClean="0"/>
+            </a:p>
+          </p:txBody>
+        </p:sp>
+        <p:sp>
+          <p:nvSpPr>
+            <p:cNvPr id="25" name="Rectangle 24"/>
+            <p:cNvSpPr/>
+            <p:nvPr/>
+          </p:nvSpPr>
+          <p:spPr>
+            <a:xfrm>
+              <a:off x="2162466" y="6194829"/>
+              <a:ext cx="1507521" cy="469556"/>
+            </a:xfrm>
+            <a:prstGeom prst="rect">
+              <a:avLst/>
+            </a:prstGeom>
+          </p:spPr>
+          <p:style>
+            <a:lnRef idx="2">
+              <a:schemeClr val="accent1">
+                <a:shade val="50000"/>
+              </a:schemeClr>
+            </a:lnRef>
+            <a:fillRef idx="1">
+              <a:schemeClr val="accent1"/>
+            </a:fillRef>
+            <a:effectRef idx="0">
+              <a:schemeClr val="accent1"/>
+            </a:effectRef>
+            <a:fontRef idx="minor">
+              <a:schemeClr val="lt1"/>
+            </a:fontRef>
+          </p:style>
+          <p:txBody>
+            <a:bodyPr rtlCol="0" anchor="ctr"/>
+            <a:lstStyle/>
+            <a:p>
+              <a:r>
+                <a:rPr lang="en-US" b="1" dirty="0" smtClean="0">
+                  <a:solidFill>
+                    <a:srgbClr val="FF0000"/>
+                  </a:solidFill>
+                </a:rPr>
+                <a:t>P</a:t>
+              </a:r>
+              <a:r>
+                <a:rPr lang="en-US" dirty="0" smtClean="0"/>
+                <a:t>HP</a:t>
+              </a:r>
+            </a:p>
+          </p:txBody>
+        </p:sp>
+        <p:sp>
+          <p:nvSpPr>
+            <p:cNvPr id="26" name="Rectangle 25"/>
+            <p:cNvSpPr/>
+            <p:nvPr/>
+          </p:nvSpPr>
+          <p:spPr>
+            <a:xfrm>
+              <a:off x="2162469" y="5255717"/>
+              <a:ext cx="1507521" cy="469556"/>
+            </a:xfrm>
+            <a:prstGeom prst="rect">
+              <a:avLst/>
+            </a:prstGeom>
+          </p:spPr>
+          <p:style>
+            <a:lnRef idx="2">
+              <a:schemeClr val="accent1">
+                <a:shade val="50000"/>
+              </a:schemeClr>
+            </a:lnRef>
+            <a:fillRef idx="1">
+              <a:schemeClr val="accent1"/>
+            </a:fillRef>
+            <a:effectRef idx="0">
+              <a:schemeClr val="accent1"/>
+            </a:effectRef>
+            <a:fontRef idx="minor">
+              <a:schemeClr val="lt1"/>
+            </a:fontRef>
+          </p:style>
+          <p:txBody>
+            <a:bodyPr rtlCol="0" anchor="ctr"/>
+            <a:lstStyle/>
+            <a:p>
+              <a:r>
+                <a:rPr lang="en-US" b="1" dirty="0" smtClean="0">
+                  <a:solidFill>
+                    <a:srgbClr val="FF0000"/>
+                  </a:solidFill>
+                </a:rPr>
+                <a:t>A</a:t>
+              </a:r>
+              <a:r>
+                <a:rPr lang="en-US" dirty="0" smtClean="0"/>
+                <a:t>pache</a:t>
+              </a:r>
+            </a:p>
+          </p:txBody>
+        </p:sp>
+        <p:sp>
+          <p:nvSpPr>
+            <p:cNvPr id="27" name="Rectangle 26"/>
+            <p:cNvSpPr/>
+            <p:nvPr/>
+          </p:nvSpPr>
+          <p:spPr>
+            <a:xfrm>
+              <a:off x="2162466" y="4786162"/>
+              <a:ext cx="1507521" cy="469556"/>
+            </a:xfrm>
+            <a:prstGeom prst="rect">
+              <a:avLst/>
+            </a:prstGeom>
+          </p:spPr>
+          <p:style>
+            <a:lnRef idx="2">
+              <a:schemeClr val="accent1">
+                <a:shade val="50000"/>
+              </a:schemeClr>
+            </a:lnRef>
+            <a:fillRef idx="1">
+              <a:schemeClr val="accent1"/>
+            </a:fillRef>
+            <a:effectRef idx="0">
+              <a:schemeClr val="accent1"/>
+            </a:effectRef>
+            <a:fontRef idx="minor">
+              <a:schemeClr val="lt1"/>
+            </a:fontRef>
+          </p:style>
+          <p:txBody>
+            <a:bodyPr rtlCol="0" anchor="ctr"/>
+            <a:lstStyle/>
+            <a:p>
+              <a:r>
+                <a:rPr lang="en-US" b="1" dirty="0" smtClean="0">
+                  <a:solidFill>
+                    <a:srgbClr val="FF0000"/>
+                  </a:solidFill>
+                </a:rPr>
+                <a:t>L</a:t>
+              </a:r>
+              <a:r>
+                <a:rPr lang="en-US" dirty="0" smtClean="0"/>
+                <a:t>inux</a:t>
+              </a:r>
+            </a:p>
+          </p:txBody>
+        </p:sp>
+        <p:cxnSp>
+          <p:nvCxnSpPr>
+            <p:cNvPr id="28" name="Straight Arrow Connector 27"/>
+            <p:cNvCxnSpPr/>
+            <p:nvPr/>
+          </p:nvCxnSpPr>
+          <p:spPr>
+            <a:xfrm rot="5400000">
+              <a:off x="2339583" y="4394856"/>
+              <a:ext cx="708454" cy="1588"/>
+            </a:xfrm>
+            <a:prstGeom prst="straightConnector1">
+              <a:avLst/>
+            </a:prstGeom>
+            <a:ln>
+              <a:tailEnd type="arrow"/>
+            </a:ln>
+          </p:spPr>
+          <p:style>
+            <a:lnRef idx="1">
+              <a:schemeClr val="accent1"/>
+            </a:lnRef>
+            <a:fillRef idx="0">
+              <a:schemeClr val="accent1"/>
+            </a:fillRef>
+            <a:effectRef idx="0">
+              <a:schemeClr val="accent1"/>
+            </a:effectRef>
+            <a:fontRef idx="minor">
+              <a:schemeClr val="tx1"/>
+            </a:fontRef>
+          </p:style>
+        </p:cxnSp>
+        <p:cxnSp>
+          <p:nvCxnSpPr>
+            <p:cNvPr id="29" name="Straight Arrow Connector 28"/>
+            <p:cNvCxnSpPr/>
+            <p:nvPr/>
+          </p:nvCxnSpPr>
+          <p:spPr>
+            <a:xfrm rot="5400000" flipH="1" flipV="1">
+              <a:off x="2846207" y="4394856"/>
+              <a:ext cx="708455" cy="2"/>
+            </a:xfrm>
+            <a:prstGeom prst="straightConnector1">
+              <a:avLst/>
+            </a:prstGeom>
+            <a:ln>
+              <a:tailEnd type="arrow"/>
+            </a:ln>
+          </p:spPr>
+          <p:style>
+            <a:lnRef idx="1">
+              <a:schemeClr val="accent1"/>
+            </a:lnRef>
+            <a:fillRef idx="0">
+              <a:schemeClr val="accent1"/>
+            </a:fillRef>
+            <a:effectRef idx="0">
+              <a:schemeClr val="accent1"/>
+            </a:effectRef>
+            <a:fontRef idx="minor">
+              <a:schemeClr val="tx1"/>
+            </a:fontRef>
+          </p:style>
+        </p:cxnSp>
+      </p:grpSp>
     </p:spTree>
     <p:extLst>
       <p:ext uri="{BB962C8B-B14F-4D97-AF65-F5344CB8AC3E}">
-        <p14:creationId xmlns="" xmlns:p14="http://schemas.microsoft.com/office/powerpoint/2010/main" val="698139996"/>
+        <p14:creationId xmlns="" xmlns:p14="http://schemas.microsoft.com/office/powerpoint/2010/main" val="4139235485"/>
       </p:ext>
     </p:extLst>
   </p:cSld>
@@ -6953,91 +8880,56 @@
             <a:spLocks noGrp="1"/>
           </p:cNvSpPr>
           <p:nvPr>
-            <p:ph type="title"/>
-          </p:nvPr>
-        </p:nvSpPr>
-        <p:spPr>
-          <a:xfrm>
-            <a:off x="914400" y="390618"/>
-            <a:ext cx="7315200" cy="1154097"/>
-          </a:xfrm>
-        </p:spPr>
-        <p:txBody>
-          <a:bodyPr/>
-          <a:lstStyle/>
-          <a:p>
-            <a:r>
-              <a:rPr lang="en-US" dirty="0" smtClean="0"/>
-              <a:t>Security </a:t>
-            </a:r>
+            <p:ph type="ctrTitle"/>
+          </p:nvPr>
+        </p:nvSpPr>
+        <p:spPr/>
+        <p:txBody>
+          <a:bodyPr>
+            <a:normAutofit/>
+          </a:bodyPr>
+          <a:lstStyle/>
+          <a:p>
+            <a:pPr algn="ctr"/>
+            <a:r>
+              <a:rPr lang="en-US" sz="4000" dirty="0" smtClean="0"/>
+              <a:t>Implementation</a:t>
+            </a:r>
+            <a:r>
+              <a:rPr lang="en-US" dirty="0" smtClean="0"/>
+              <a:t/>
+            </a:r>
+            <a:br>
+              <a:rPr lang="en-US" dirty="0" smtClean="0"/>
+            </a:br>
+            <a:r>
+              <a:rPr lang="en-US" dirty="0" smtClean="0"/>
+              <a:t/>
+            </a:r>
+            <a:br>
+              <a:rPr lang="en-US" dirty="0" smtClean="0"/>
+            </a:br>
             <a:endParaRPr lang="en-US" dirty="0"/>
           </a:p>
         </p:txBody>
       </p:sp>
-      <p:sp>
-        <p:nvSpPr>
-          <p:cNvPr id="3" name="Content Placeholder 2"/>
-          <p:cNvSpPr>
-            <a:spLocks noGrp="1"/>
-          </p:cNvSpPr>
-          <p:nvPr>
-            <p:ph idx="1"/>
-          </p:nvPr>
-        </p:nvSpPr>
-        <p:spPr>
-          <a:xfrm>
-            <a:off x="914399" y="1544715"/>
-            <a:ext cx="7858897" cy="3539527"/>
-          </a:xfrm>
-        </p:spPr>
-        <p:txBody>
-          <a:bodyPr/>
-          <a:lstStyle/>
-          <a:p>
-            <a:r>
-              <a:rPr lang="en-US" dirty="0" smtClean="0"/>
-              <a:t>Yes </a:t>
-            </a:r>
-            <a:r>
-              <a:rPr lang="en-US" dirty="0" err="1" smtClean="0"/>
-              <a:t>Percel</a:t>
-            </a:r>
-            <a:r>
-              <a:rPr lang="en-US" dirty="0" smtClean="0"/>
-              <a:t>, what security is in place?</a:t>
-            </a:r>
-            <a:endParaRPr lang="en-US" dirty="0" smtClean="0"/>
-          </a:p>
-          <a:p>
-            <a:r>
-              <a:rPr lang="en-US" dirty="0" err="1" smtClean="0"/>
-              <a:t>Laravel</a:t>
-            </a:r>
-            <a:r>
-              <a:rPr lang="en-US" dirty="0" smtClean="0"/>
-              <a:t> Sessions</a:t>
-            </a:r>
-          </a:p>
-          <a:p>
-            <a:r>
-              <a:rPr lang="en-US" dirty="0" smtClean="0"/>
-              <a:t>Input Sanitization</a:t>
-            </a:r>
-            <a:endParaRPr lang="en-US" dirty="0" smtClean="0"/>
-          </a:p>
-          <a:p>
-            <a:r>
-              <a:rPr lang="en-US" dirty="0" smtClean="0"/>
-              <a:t>Passwords Hashed</a:t>
-            </a:r>
-          </a:p>
-        </p:txBody>
-      </p:sp>
     </p:spTree>
+    <p:extLst>
+      <p:ext uri="{BB962C8B-B14F-4D97-AF65-F5344CB8AC3E}">
+        <p14:creationId xmlns="" xmlns:p14="http://schemas.microsoft.com/office/powerpoint/2010/main" val="3634533921"/>
+      </p:ext>
+    </p:extLst>
   </p:cSld>
   <p:clrMapOvr>
     <a:masterClrMapping/>
   </p:clrMapOvr>
+  <p:timing>
+    <p:tnLst>
+      <p:par>
+        <p:cTn id="1" dur="indefinite" restart="never" nodeType="tmRoot"/>
+      </p:par>
+    </p:tnLst>
+  </p:timing>
 </p:sld>
 </file>
 
@@ -7070,8 +8962,8 @@
         </p:nvSpPr>
         <p:spPr>
           <a:xfrm>
-            <a:off x="914400" y="284145"/>
-            <a:ext cx="7315200" cy="840380"/>
+            <a:off x="914400" y="390618"/>
+            <a:ext cx="7315200" cy="1154097"/>
           </a:xfrm>
         </p:spPr>
         <p:txBody>
@@ -7080,7 +8972,7 @@
           <a:p>
             <a:r>
               <a:rPr lang="en-US" dirty="0" smtClean="0"/>
-              <a:t>Possible Enrichments</a:t>
+              <a:t>Implementation</a:t>
             </a:r>
             <a:endParaRPr lang="en-US" dirty="0"/>
           </a:p>
@@ -7088,7 +8980,7 @@
       </p:sp>
       <p:sp>
         <p:nvSpPr>
-          <p:cNvPr id="3" name="Content Placeholder 2"/>
+          <p:cNvPr id="5" name="Content Placeholder 4"/>
           <p:cNvSpPr>
             <a:spLocks noGrp="1"/>
           </p:cNvSpPr>
@@ -7096,91 +8988,40 @@
             <p:ph idx="1"/>
           </p:nvPr>
         </p:nvSpPr>
-        <p:spPr>
-          <a:xfrm>
-            <a:off x="914400" y="1569309"/>
-            <a:ext cx="7315200" cy="4740052"/>
-          </a:xfrm>
-        </p:spPr>
+        <p:spPr/>
         <p:txBody>
           <a:bodyPr/>
           <a:lstStyle/>
           <a:p>
             <a:r>
               <a:rPr lang="en-US" dirty="0" smtClean="0"/>
-              <a:t>HTTP used for hosting XML on pi but HTTPS could be used instead if extra security is desired</a:t>
-            </a:r>
-          </a:p>
-          <a:p>
-            <a:r>
-              <a:rPr lang="en-US" dirty="0" smtClean="0"/>
-              <a:t>Upgrade to newer web framework</a:t>
-            </a:r>
-          </a:p>
-          <a:p>
-            <a:r>
-              <a:rPr lang="en-US" dirty="0" smtClean="0"/>
-              <a:t>Reporting for other sensors such as </a:t>
-            </a:r>
-          </a:p>
-          <a:p>
-            <a:pPr lvl="1"/>
-            <a:r>
-              <a:rPr lang="en-US" dirty="0" smtClean="0"/>
-              <a:t>M</a:t>
-            </a:r>
-            <a:r>
-              <a:rPr lang="en-US" dirty="0" smtClean="0"/>
-              <a:t>ovement </a:t>
-            </a:r>
-          </a:p>
-          <a:p>
-            <a:pPr lvl="1"/>
-            <a:r>
-              <a:rPr lang="en-US" dirty="0" smtClean="0"/>
-              <a:t>Radiation</a:t>
-            </a:r>
-          </a:p>
-          <a:p>
-            <a:pPr lvl="1"/>
-            <a:r>
-              <a:rPr lang="en-US" dirty="0" smtClean="0"/>
-              <a:t>CO or CO</a:t>
-            </a:r>
-            <a:r>
-              <a:rPr lang="en-US" sz="1100" dirty="0" smtClean="0"/>
-              <a:t>2</a:t>
-            </a:r>
-            <a:r>
-              <a:rPr lang="en-US" dirty="0" smtClean="0"/>
-              <a:t> Levels</a:t>
-            </a:r>
-          </a:p>
-          <a:p>
-            <a:pPr lvl="1"/>
-            <a:r>
-              <a:rPr lang="en-US" dirty="0" smtClean="0"/>
-              <a:t>Vibration sensing</a:t>
-            </a:r>
-          </a:p>
-          <a:p>
-            <a:pPr lvl="1"/>
-            <a:r>
-              <a:rPr lang="en-US" dirty="0" smtClean="0"/>
-              <a:t>Laser break beam sensing</a:t>
-            </a:r>
-          </a:p>
-          <a:p>
-            <a:pPr lvl="1"/>
+              <a:t>Picture of the pi with all parts </a:t>
+            </a:r>
+            <a:r>
+              <a:rPr lang="en-US" dirty="0" err="1" smtClean="0"/>
+              <a:t>seperate</a:t>
+            </a:r>
             <a:endParaRPr lang="en-US" dirty="0"/>
           </a:p>
         </p:txBody>
       </p:sp>
     </p:spTree>
+    <p:extLst>
+      <p:ext uri="{BB962C8B-B14F-4D97-AF65-F5344CB8AC3E}">
+        <p14:creationId xmlns="" xmlns:p14="http://schemas.microsoft.com/office/powerpoint/2010/main" val="3420910667"/>
+      </p:ext>
+    </p:extLst>
   </p:cSld>
   <p:clrMapOvr>
     <a:masterClrMapping/>
   </p:clrMapOvr>
+  <p:timing>
+    <p:tnLst>
+      <p:par>
+        <p:cTn id="1" dur="indefinite" restart="never" nodeType="tmRoot"/>
+      </p:par>
+    </p:tnLst>
+  </p:timing>
 </p:sld>
 </file>
 
@@ -7277,18 +9118,26 @@
               <a:rPr lang="en-US" dirty="0" smtClean="0"/>
               <a:t>Testing</a:t>
             </a:r>
+            <a:endParaRPr lang="en-US" dirty="0" smtClean="0"/>
+          </a:p>
+          <a:p>
+            <a:r>
+              <a:rPr lang="en-US" dirty="0" smtClean="0"/>
+              <a:t>Security</a:t>
+            </a:r>
+          </a:p>
+          <a:p>
+            <a:r>
+              <a:rPr lang="en-US" dirty="0" smtClean="0"/>
+              <a:t>Enrichments</a:t>
+            </a:r>
           </a:p>
           <a:p>
             <a:r>
               <a:rPr lang="en-US" dirty="0" smtClean="0"/>
               <a:t>Maintenance</a:t>
             </a:r>
-          </a:p>
-          <a:p>
-            <a:r>
-              <a:rPr lang="en-US" dirty="0" smtClean="0"/>
-              <a:t>Security</a:t>
-            </a:r>
+            <a:endParaRPr lang="en-US" dirty="0" smtClean="0"/>
           </a:p>
           <a:p>
             <a:r>
@@ -7346,6 +9195,34 @@
             <p:ph type="title"/>
           </p:nvPr>
         </p:nvSpPr>
+        <p:spPr>
+          <a:xfrm>
+            <a:off x="914400" y="390618"/>
+            <a:ext cx="7315200" cy="1154097"/>
+          </a:xfrm>
+        </p:spPr>
+        <p:txBody>
+          <a:bodyPr/>
+          <a:lstStyle/>
+          <a:p>
+            <a:r>
+              <a:rPr lang="en-US" dirty="0" smtClean="0"/>
+              <a:t>Implementation</a:t>
+            </a:r>
+            <a:endParaRPr lang="en-US" dirty="0"/>
+          </a:p>
+        </p:txBody>
+      </p:sp>
+      <p:sp>
+        <p:nvSpPr>
+          <p:cNvPr id="5" name="Content Placeholder 4"/>
+          <p:cNvSpPr>
+            <a:spLocks noGrp="1"/>
+          </p:cNvSpPr>
+          <p:nvPr>
+            <p:ph idx="1"/>
+          </p:nvPr>
+        </p:nvSpPr>
         <p:spPr/>
         <p:txBody>
           <a:bodyPr/>
@@ -7353,75 +9230,29 @@
           <a:p>
             <a:r>
               <a:rPr lang="en-US" dirty="0" smtClean="0"/>
-              <a:t>TODO</a:t>
+              <a:t>Picture of the pi assembled</a:t>
             </a:r>
             <a:endParaRPr lang="en-US" dirty="0"/>
           </a:p>
         </p:txBody>
       </p:sp>
-      <p:sp>
-        <p:nvSpPr>
-          <p:cNvPr id="3" name="Content Placeholder 2"/>
-          <p:cNvSpPr>
-            <a:spLocks noGrp="1"/>
-          </p:cNvSpPr>
-          <p:nvPr>
-            <p:ph idx="1"/>
-          </p:nvPr>
-        </p:nvSpPr>
-        <p:spPr/>
-        <p:txBody>
-          <a:bodyPr/>
-          <a:lstStyle/>
-          <a:p>
-            <a:r>
-              <a:rPr lang="en-US" b="1" dirty="0" smtClean="0">
-                <a:hlinkClick r:id="rId2"/>
-              </a:rPr>
-              <a:t>http://</a:t>
-            </a:r>
-            <a:r>
-              <a:rPr lang="en-US" b="1" dirty="0" smtClean="0">
-                <a:hlinkClick r:id="rId2"/>
-              </a:rPr>
-              <a:t>stackoverflow.com/questions/561066/php-fatal-error-allowed-memory-size-of-134217728-bytes-exhausted-codeigniter</a:t>
-            </a:r>
-            <a:endParaRPr lang="en-US" b="1" dirty="0" smtClean="0"/>
-          </a:p>
-          <a:p>
-            <a:r>
-              <a:rPr lang="en-US" b="1" dirty="0" smtClean="0"/>
-              <a:t>Change query for main page less stuff</a:t>
-            </a:r>
-          </a:p>
-          <a:p>
-            <a:r>
-              <a:rPr lang="en-US" b="1" dirty="0" smtClean="0"/>
-              <a:t>Change page to fetch only specified interval, refresh if changed</a:t>
-            </a:r>
-          </a:p>
-          <a:p>
-            <a:r>
-              <a:rPr lang="en-US" b="1" dirty="0" smtClean="0"/>
-              <a:t>For more than 1 day, do min, max, </a:t>
-            </a:r>
-            <a:r>
-              <a:rPr lang="en-US" b="1" dirty="0" err="1" smtClean="0"/>
-              <a:t>avg</a:t>
-            </a:r>
-            <a:r>
-              <a:rPr lang="en-US" b="1" dirty="0" smtClean="0"/>
-              <a:t> for each day 3 is better than 24*60</a:t>
-            </a:r>
-            <a:endParaRPr lang="en-US" b="1" dirty="0"/>
-          </a:p>
-        </p:txBody>
-      </p:sp>
     </p:spTree>
+    <p:extLst>
+      <p:ext uri="{BB962C8B-B14F-4D97-AF65-F5344CB8AC3E}">
+        <p14:creationId xmlns="" xmlns:p14="http://schemas.microsoft.com/office/powerpoint/2010/main" val="3420910667"/>
+      </p:ext>
+    </p:extLst>
   </p:cSld>
   <p:clrMapOvr>
     <a:masterClrMapping/>
   </p:clrMapOvr>
+  <p:timing>
+    <p:tnLst>
+      <p:par>
+        <p:cTn id="1" dur="indefinite" restart="never" nodeType="tmRoot"/>
+      </p:par>
+    </p:tnLst>
+  </p:timing>
 </p:sld>
 </file>
 
@@ -7464,88 +9295,51 @@
           <a:p>
             <a:r>
               <a:rPr lang="en-US" dirty="0" smtClean="0"/>
-              <a:t>Summary</a:t>
+              <a:t>Implementation</a:t>
             </a:r>
             <a:endParaRPr lang="en-US" dirty="0"/>
           </a:p>
         </p:txBody>
       </p:sp>
-      <p:sp>
-        <p:nvSpPr>
-          <p:cNvPr id="3" name="Content Placeholder 2"/>
-          <p:cNvSpPr>
-            <a:spLocks noGrp="1"/>
-          </p:cNvSpPr>
+      <p:pic>
+        <p:nvPicPr>
+          <p:cNvPr id="3074" name="Picture 2"/>
+          <p:cNvPicPr>
+            <a:picLocks noGrp="1" noChangeAspect="1" noChangeArrowheads="1"/>
+          </p:cNvPicPr>
           <p:nvPr>
             <p:ph idx="1"/>
           </p:nvPr>
-        </p:nvSpPr>
-        <p:spPr>
+        </p:nvPicPr>
+        <p:blipFill>
+          <a:blip r:embed="rId3"/>
+          <a:srcRect/>
+          <a:stretch>
+            <a:fillRect/>
+          </a:stretch>
+        </p:blipFill>
+        <p:spPr bwMode="auto">
           <a:xfrm>
-            <a:off x="914400" y="1544715"/>
-            <a:ext cx="7315200" cy="3539527"/>
+            <a:off x="536489" y="2053430"/>
+            <a:ext cx="8181120" cy="3235261"/>
           </a:xfrm>
+          <a:prstGeom prst="rect">
+            <a:avLst/>
+          </a:prstGeom>
+          <a:noFill/>
+          <a:ln w="9525">
+            <a:noFill/>
+            <a:miter lim="800000"/>
+            <a:headEnd/>
+            <a:tailEnd/>
+          </a:ln>
+          <a:effectLst/>
         </p:spPr>
-        <p:txBody>
-          <a:bodyPr/>
-          <a:lstStyle/>
-          <a:p>
-            <a:r>
-              <a:rPr lang="en-US" dirty="0" err="1" smtClean="0"/>
-              <a:t>Loo</a:t>
-            </a:r>
-            <a:r>
-              <a:rPr lang="en-US" dirty="0" smtClean="0"/>
-              <a:t> </a:t>
-            </a:r>
-            <a:r>
-              <a:rPr lang="en-US" dirty="0" err="1" smtClean="0"/>
-              <a:t>Loo</a:t>
-            </a:r>
-            <a:r>
-              <a:rPr lang="en-US" dirty="0" smtClean="0"/>
-              <a:t> </a:t>
-            </a:r>
-            <a:r>
-              <a:rPr lang="en-US" dirty="0" err="1" smtClean="0"/>
-              <a:t>Loo</a:t>
-            </a:r>
-            <a:r>
-              <a:rPr lang="en-US" dirty="0" smtClean="0"/>
-              <a:t>, I didn’t come to any meetings, </a:t>
-            </a:r>
-            <a:r>
-              <a:rPr lang="en-US" dirty="0" err="1" smtClean="0"/>
-              <a:t>loo</a:t>
-            </a:r>
-            <a:r>
-              <a:rPr lang="en-US" dirty="0" smtClean="0"/>
-              <a:t> </a:t>
-            </a:r>
-            <a:r>
-              <a:rPr lang="en-US" dirty="0" err="1" smtClean="0"/>
-              <a:t>loo</a:t>
-            </a:r>
-            <a:r>
-              <a:rPr lang="en-US" dirty="0" smtClean="0"/>
-              <a:t> </a:t>
-            </a:r>
-            <a:r>
-              <a:rPr lang="en-US" dirty="0" err="1" smtClean="0"/>
-              <a:t>loo</a:t>
-            </a:r>
-            <a:r>
-              <a:rPr lang="en-US" dirty="0" smtClean="0"/>
-              <a:t>.</a:t>
-            </a:r>
-            <a:endParaRPr lang="en-US" dirty="0" smtClean="0"/>
-          </a:p>
-        </p:txBody>
-      </p:sp>
+      </p:pic>
     </p:spTree>
     <p:extLst>
       <p:ext uri="{BB962C8B-B14F-4D97-AF65-F5344CB8AC3E}">
-        <p14:creationId xmlns="" xmlns:p14="http://schemas.microsoft.com/office/powerpoint/2010/main" val="642860528"/>
+        <p14:creationId xmlns="" xmlns:p14="http://schemas.microsoft.com/office/powerpoint/2010/main" val="3420910667"/>
       </p:ext>
     </p:extLst>
   </p:cSld>
@@ -7597,6 +9391,1939 @@
         </p:spPr>
         <p:txBody>
           <a:bodyPr>
+            <a:normAutofit fontScale="90000"/>
+          </a:bodyPr>
+          <a:lstStyle/>
+          <a:p>
+            <a:r>
+              <a:rPr lang="en-US" dirty="0" smtClean="0"/>
+              <a:t>Implementation</a:t>
+            </a:r>
+            <a:br>
+              <a:rPr lang="en-US" dirty="0" smtClean="0"/>
+            </a:br>
+            <a:r>
+              <a:rPr lang="en-US" dirty="0" smtClean="0"/>
+              <a:t>Before Bootstrap on Desktop</a:t>
+            </a:r>
+            <a:endParaRPr lang="en-US" dirty="0"/>
+          </a:p>
+        </p:txBody>
+      </p:sp>
+      <p:sp>
+        <p:nvSpPr>
+          <p:cNvPr id="4" name="Content Placeholder 3"/>
+          <p:cNvSpPr>
+            <a:spLocks noGrp="1"/>
+          </p:cNvSpPr>
+          <p:nvPr>
+            <p:ph idx="1"/>
+          </p:nvPr>
+        </p:nvSpPr>
+        <p:spPr/>
+        <p:txBody>
+          <a:bodyPr/>
+          <a:lstStyle/>
+          <a:p>
+            <a:r>
+              <a:rPr lang="en-US" dirty="0" smtClean="0"/>
+              <a:t>Picture of site on desktop old site and new with bootstrap</a:t>
+            </a:r>
+            <a:endParaRPr lang="en-US" dirty="0"/>
+          </a:p>
+        </p:txBody>
+      </p:sp>
+      <p:pic>
+        <p:nvPicPr>
+          <p:cNvPr id="13313" name="Picture 1"/>
+          <p:cNvPicPr>
+            <a:picLocks noChangeAspect="1" noChangeArrowheads="1"/>
+          </p:cNvPicPr>
+          <p:nvPr/>
+        </p:nvPicPr>
+        <p:blipFill>
+          <a:blip r:embed="rId3"/>
+          <a:srcRect/>
+          <a:stretch>
+            <a:fillRect/>
+          </a:stretch>
+        </p:blipFill>
+        <p:spPr bwMode="auto">
+          <a:xfrm>
+            <a:off x="708368" y="1809165"/>
+            <a:ext cx="7521232" cy="4500195"/>
+          </a:xfrm>
+          <a:prstGeom prst="rect">
+            <a:avLst/>
+          </a:prstGeom>
+          <a:noFill/>
+          <a:ln w="9525">
+            <a:noFill/>
+            <a:miter lim="800000"/>
+            <a:headEnd/>
+            <a:tailEnd/>
+          </a:ln>
+          <a:effectLst/>
+        </p:spPr>
+      </p:pic>
+    </p:spTree>
+    <p:extLst>
+      <p:ext uri="{BB962C8B-B14F-4D97-AF65-F5344CB8AC3E}">
+        <p14:creationId xmlns="" xmlns:p14="http://schemas.microsoft.com/office/powerpoint/2010/main" val="3420910667"/>
+      </p:ext>
+    </p:extLst>
+  </p:cSld>
+  <p:clrMapOvr>
+    <a:masterClrMapping/>
+  </p:clrMapOvr>
+  <p:timing>
+    <p:tnLst>
+      <p:par>
+        <p:cTn id="1" dur="indefinite" restart="never" nodeType="tmRoot"/>
+      </p:par>
+    </p:tnLst>
+  </p:timing>
+</p:sld>
+</file>
+
+<file path=ppt/slides/slide23.xml><?xml version="1.0" encoding="utf-8"?>
+<p:sld xmlns:a="http://schemas.openxmlformats.org/drawingml/2006/main" xmlns:r="http://schemas.openxmlformats.org/officeDocument/2006/relationships" xmlns:p="http://schemas.openxmlformats.org/presentationml/2006/main">
+  <p:cSld>
+    <p:spTree>
+      <p:nvGrpSpPr>
+        <p:cNvPr id="1" name=""/>
+        <p:cNvGrpSpPr/>
+        <p:nvPr/>
+      </p:nvGrpSpPr>
+      <p:grpSpPr>
+        <a:xfrm>
+          <a:off x="0" y="0"/>
+          <a:ext cx="0" cy="0"/>
+          <a:chOff x="0" y="0"/>
+          <a:chExt cx="0" cy="0"/>
+        </a:xfrm>
+      </p:grpSpPr>
+      <p:sp>
+        <p:nvSpPr>
+          <p:cNvPr id="2" name="Title 1"/>
+          <p:cNvSpPr>
+            <a:spLocks noGrp="1"/>
+          </p:cNvSpPr>
+          <p:nvPr>
+            <p:ph type="title"/>
+          </p:nvPr>
+        </p:nvSpPr>
+        <p:spPr>
+          <a:xfrm>
+            <a:off x="914400" y="390618"/>
+            <a:ext cx="7315200" cy="1154097"/>
+          </a:xfrm>
+        </p:spPr>
+        <p:txBody>
+          <a:bodyPr>
+            <a:normAutofit fontScale="90000"/>
+          </a:bodyPr>
+          <a:lstStyle/>
+          <a:p>
+            <a:r>
+              <a:rPr lang="en-US" dirty="0" smtClean="0"/>
+              <a:t>Implementation</a:t>
+            </a:r>
+            <a:br>
+              <a:rPr lang="en-US" dirty="0" smtClean="0"/>
+            </a:br>
+            <a:r>
+              <a:rPr lang="en-US" dirty="0" smtClean="0"/>
+              <a:t>After Bootstrap on Desktop</a:t>
+            </a:r>
+            <a:endParaRPr lang="en-US" dirty="0"/>
+          </a:p>
+        </p:txBody>
+      </p:sp>
+      <p:sp>
+        <p:nvSpPr>
+          <p:cNvPr id="4" name="Content Placeholder 3"/>
+          <p:cNvSpPr>
+            <a:spLocks noGrp="1"/>
+          </p:cNvSpPr>
+          <p:nvPr>
+            <p:ph idx="1"/>
+          </p:nvPr>
+        </p:nvSpPr>
+        <p:spPr/>
+        <p:txBody>
+          <a:bodyPr/>
+          <a:lstStyle/>
+          <a:p>
+            <a:r>
+              <a:rPr lang="en-US" dirty="0" smtClean="0"/>
+              <a:t>Picture of site on desktop old site and new with bootstrap</a:t>
+            </a:r>
+            <a:endParaRPr lang="en-US" dirty="0"/>
+          </a:p>
+        </p:txBody>
+      </p:sp>
+      <p:pic>
+        <p:nvPicPr>
+          <p:cNvPr id="13313" name="Picture 1"/>
+          <p:cNvPicPr>
+            <a:picLocks noChangeAspect="1" noChangeArrowheads="1"/>
+          </p:cNvPicPr>
+          <p:nvPr/>
+        </p:nvPicPr>
+        <p:blipFill>
+          <a:blip r:embed="rId3"/>
+          <a:srcRect/>
+          <a:stretch>
+            <a:fillRect/>
+          </a:stretch>
+        </p:blipFill>
+        <p:spPr bwMode="auto">
+          <a:xfrm>
+            <a:off x="708368" y="1809165"/>
+            <a:ext cx="7521232" cy="4500195"/>
+          </a:xfrm>
+          <a:prstGeom prst="rect">
+            <a:avLst/>
+          </a:prstGeom>
+          <a:noFill/>
+          <a:ln w="9525">
+            <a:noFill/>
+            <a:miter lim="800000"/>
+            <a:headEnd/>
+            <a:tailEnd/>
+          </a:ln>
+          <a:effectLst/>
+        </p:spPr>
+      </p:pic>
+    </p:spTree>
+    <p:extLst>
+      <p:ext uri="{BB962C8B-B14F-4D97-AF65-F5344CB8AC3E}">
+        <p14:creationId xmlns="" xmlns:p14="http://schemas.microsoft.com/office/powerpoint/2010/main" val="3420910667"/>
+      </p:ext>
+    </p:extLst>
+  </p:cSld>
+  <p:clrMapOvr>
+    <a:masterClrMapping/>
+  </p:clrMapOvr>
+  <p:timing>
+    <p:tnLst>
+      <p:par>
+        <p:cTn id="1" dur="indefinite" restart="never" nodeType="tmRoot"/>
+      </p:par>
+    </p:tnLst>
+  </p:timing>
+</p:sld>
+</file>
+
+<file path=ppt/slides/slide24.xml><?xml version="1.0" encoding="utf-8"?>
+<p:sld xmlns:a="http://schemas.openxmlformats.org/drawingml/2006/main" xmlns:r="http://schemas.openxmlformats.org/officeDocument/2006/relationships" xmlns:p="http://schemas.openxmlformats.org/presentationml/2006/main">
+  <p:cSld>
+    <p:spTree>
+      <p:nvGrpSpPr>
+        <p:cNvPr id="1" name=""/>
+        <p:cNvGrpSpPr/>
+        <p:nvPr/>
+      </p:nvGrpSpPr>
+      <p:grpSpPr>
+        <a:xfrm>
+          <a:off x="0" y="0"/>
+          <a:ext cx="0" cy="0"/>
+          <a:chOff x="0" y="0"/>
+          <a:chExt cx="0" cy="0"/>
+        </a:xfrm>
+      </p:grpSpPr>
+      <p:sp>
+        <p:nvSpPr>
+          <p:cNvPr id="2" name="Title 1"/>
+          <p:cNvSpPr>
+            <a:spLocks noGrp="1"/>
+          </p:cNvSpPr>
+          <p:nvPr>
+            <p:ph type="title"/>
+          </p:nvPr>
+        </p:nvSpPr>
+        <p:spPr>
+          <a:xfrm>
+            <a:off x="914400" y="390618"/>
+            <a:ext cx="7315200" cy="1154097"/>
+          </a:xfrm>
+        </p:spPr>
+        <p:txBody>
+          <a:bodyPr>
+            <a:normAutofit fontScale="90000"/>
+          </a:bodyPr>
+          <a:lstStyle/>
+          <a:p>
+            <a:r>
+              <a:rPr lang="en-US" dirty="0" smtClean="0"/>
+              <a:t>Implementation</a:t>
+            </a:r>
+            <a:br>
+              <a:rPr lang="en-US" dirty="0" smtClean="0"/>
+            </a:br>
+            <a:r>
+              <a:rPr lang="en-US" dirty="0" smtClean="0"/>
+              <a:t>Before Bootstrap on Mobile</a:t>
+            </a:r>
+            <a:endParaRPr lang="en-US" dirty="0"/>
+          </a:p>
+        </p:txBody>
+      </p:sp>
+      <p:sp>
+        <p:nvSpPr>
+          <p:cNvPr id="4" name="Content Placeholder 3"/>
+          <p:cNvSpPr>
+            <a:spLocks noGrp="1"/>
+          </p:cNvSpPr>
+          <p:nvPr>
+            <p:ph idx="1"/>
+          </p:nvPr>
+        </p:nvSpPr>
+        <p:spPr/>
+        <p:txBody>
+          <a:bodyPr/>
+          <a:lstStyle/>
+          <a:p>
+            <a:endParaRPr lang="en-US" dirty="0"/>
+          </a:p>
+        </p:txBody>
+      </p:sp>
+      <p:pic>
+        <p:nvPicPr>
+          <p:cNvPr id="7170" name="Picture 2" descr="https://scontent-b-ord.xx.fbcdn.net/hphotos-xap1/v/t1.0-9/s720x720/10410971_10102584131486702_3033872309699911246_n.jpg?oh=1233819ff33a54ad1f96f1d3f4dcfa86&amp;oe=54F33433"/>
+          <p:cNvPicPr>
+            <a:picLocks noChangeAspect="1" noChangeArrowheads="1"/>
+          </p:cNvPicPr>
+          <p:nvPr/>
+        </p:nvPicPr>
+        <p:blipFill>
+          <a:blip r:embed="rId3"/>
+          <a:srcRect/>
+          <a:stretch>
+            <a:fillRect/>
+          </a:stretch>
+        </p:blipFill>
+        <p:spPr bwMode="auto">
+          <a:xfrm>
+            <a:off x="3249827" y="1668285"/>
+            <a:ext cx="2766369" cy="4917991"/>
+          </a:xfrm>
+          <a:prstGeom prst="rect">
+            <a:avLst/>
+          </a:prstGeom>
+          <a:noFill/>
+        </p:spPr>
+      </p:pic>
+    </p:spTree>
+    <p:extLst>
+      <p:ext uri="{BB962C8B-B14F-4D97-AF65-F5344CB8AC3E}">
+        <p14:creationId xmlns="" xmlns:p14="http://schemas.microsoft.com/office/powerpoint/2010/main" val="3420910667"/>
+      </p:ext>
+    </p:extLst>
+  </p:cSld>
+  <p:clrMapOvr>
+    <a:masterClrMapping/>
+  </p:clrMapOvr>
+  <p:timing>
+    <p:tnLst>
+      <p:par>
+        <p:cTn id="1" dur="indefinite" restart="never" nodeType="tmRoot"/>
+      </p:par>
+    </p:tnLst>
+  </p:timing>
+</p:sld>
+</file>
+
+<file path=ppt/slides/slide25.xml><?xml version="1.0" encoding="utf-8"?>
+<p:sld xmlns:a="http://schemas.openxmlformats.org/drawingml/2006/main" xmlns:r="http://schemas.openxmlformats.org/officeDocument/2006/relationships" xmlns:p="http://schemas.openxmlformats.org/presentationml/2006/main">
+  <p:cSld>
+    <p:spTree>
+      <p:nvGrpSpPr>
+        <p:cNvPr id="1" name=""/>
+        <p:cNvGrpSpPr/>
+        <p:nvPr/>
+      </p:nvGrpSpPr>
+      <p:grpSpPr>
+        <a:xfrm>
+          <a:off x="0" y="0"/>
+          <a:ext cx="0" cy="0"/>
+          <a:chOff x="0" y="0"/>
+          <a:chExt cx="0" cy="0"/>
+        </a:xfrm>
+      </p:grpSpPr>
+      <p:sp>
+        <p:nvSpPr>
+          <p:cNvPr id="2" name="Title 1"/>
+          <p:cNvSpPr>
+            <a:spLocks noGrp="1"/>
+          </p:cNvSpPr>
+          <p:nvPr>
+            <p:ph type="title"/>
+          </p:nvPr>
+        </p:nvSpPr>
+        <p:spPr>
+          <a:xfrm>
+            <a:off x="914400" y="390618"/>
+            <a:ext cx="7315200" cy="1154097"/>
+          </a:xfrm>
+        </p:spPr>
+        <p:txBody>
+          <a:bodyPr>
+            <a:normAutofit fontScale="90000"/>
+          </a:bodyPr>
+          <a:lstStyle/>
+          <a:p>
+            <a:r>
+              <a:rPr lang="en-US" dirty="0" smtClean="0"/>
+              <a:t>Implementation</a:t>
+            </a:r>
+            <a:br>
+              <a:rPr lang="en-US" dirty="0" smtClean="0"/>
+            </a:br>
+            <a:r>
+              <a:rPr lang="en-US" dirty="0" smtClean="0"/>
+              <a:t>After Bootstrap on Mobile</a:t>
+            </a:r>
+            <a:endParaRPr lang="en-US" dirty="0"/>
+          </a:p>
+        </p:txBody>
+      </p:sp>
+      <p:sp>
+        <p:nvSpPr>
+          <p:cNvPr id="4" name="Content Placeholder 3"/>
+          <p:cNvSpPr>
+            <a:spLocks noGrp="1"/>
+          </p:cNvSpPr>
+          <p:nvPr>
+            <p:ph idx="1"/>
+          </p:nvPr>
+        </p:nvSpPr>
+        <p:spPr/>
+        <p:txBody>
+          <a:bodyPr/>
+          <a:lstStyle/>
+          <a:p>
+            <a:endParaRPr lang="en-US" dirty="0"/>
+          </a:p>
+        </p:txBody>
+      </p:sp>
+      <p:pic>
+        <p:nvPicPr>
+          <p:cNvPr id="7170" name="Picture 2" descr="https://scontent-b-ord.xx.fbcdn.net/hphotos-xap1/v/t1.0-9/s720x720/10410971_10102584131486702_3033872309699911246_n.jpg?oh=1233819ff33a54ad1f96f1d3f4dcfa86&amp;oe=54F33433"/>
+          <p:cNvPicPr>
+            <a:picLocks noChangeAspect="1" noChangeArrowheads="1"/>
+          </p:cNvPicPr>
+          <p:nvPr/>
+        </p:nvPicPr>
+        <p:blipFill>
+          <a:blip r:embed="rId3"/>
+          <a:srcRect/>
+          <a:stretch>
+            <a:fillRect/>
+          </a:stretch>
+        </p:blipFill>
+        <p:spPr bwMode="auto">
+          <a:xfrm>
+            <a:off x="3249827" y="1668285"/>
+            <a:ext cx="2766369" cy="4917991"/>
+          </a:xfrm>
+          <a:prstGeom prst="rect">
+            <a:avLst/>
+          </a:prstGeom>
+          <a:noFill/>
+        </p:spPr>
+      </p:pic>
+    </p:spTree>
+    <p:extLst>
+      <p:ext uri="{BB962C8B-B14F-4D97-AF65-F5344CB8AC3E}">
+        <p14:creationId xmlns="" xmlns:p14="http://schemas.microsoft.com/office/powerpoint/2010/main" val="3420910667"/>
+      </p:ext>
+    </p:extLst>
+  </p:cSld>
+  <p:clrMapOvr>
+    <a:masterClrMapping/>
+  </p:clrMapOvr>
+  <p:timing>
+    <p:tnLst>
+      <p:par>
+        <p:cTn id="1" dur="indefinite" restart="never" nodeType="tmRoot"/>
+      </p:par>
+    </p:tnLst>
+  </p:timing>
+</p:sld>
+</file>
+
+<file path=ppt/slides/slide26.xml><?xml version="1.0" encoding="utf-8"?>
+<p:sld xmlns:a="http://schemas.openxmlformats.org/drawingml/2006/main" xmlns:r="http://schemas.openxmlformats.org/officeDocument/2006/relationships" xmlns:p="http://schemas.openxmlformats.org/presentationml/2006/main">
+  <p:cSld>
+    <p:spTree>
+      <p:nvGrpSpPr>
+        <p:cNvPr id="1" name=""/>
+        <p:cNvGrpSpPr/>
+        <p:nvPr/>
+      </p:nvGrpSpPr>
+      <p:grpSpPr>
+        <a:xfrm>
+          <a:off x="0" y="0"/>
+          <a:ext cx="0" cy="0"/>
+          <a:chOff x="0" y="0"/>
+          <a:chExt cx="0" cy="0"/>
+        </a:xfrm>
+      </p:grpSpPr>
+      <p:sp>
+        <p:nvSpPr>
+          <p:cNvPr id="2" name="Title 1"/>
+          <p:cNvSpPr>
+            <a:spLocks noGrp="1"/>
+          </p:cNvSpPr>
+          <p:nvPr>
+            <p:ph type="title"/>
+          </p:nvPr>
+        </p:nvSpPr>
+        <p:spPr>
+          <a:xfrm>
+            <a:off x="914400" y="390618"/>
+            <a:ext cx="7315200" cy="1154097"/>
+          </a:xfrm>
+        </p:spPr>
+        <p:txBody>
+          <a:bodyPr>
+            <a:normAutofit fontScale="90000"/>
+          </a:bodyPr>
+          <a:lstStyle/>
+          <a:p>
+            <a:r>
+              <a:rPr lang="en-US" dirty="0" smtClean="0"/>
+              <a:t>Implementation</a:t>
+            </a:r>
+            <a:br>
+              <a:rPr lang="en-US" dirty="0" smtClean="0"/>
+            </a:br>
+            <a:r>
+              <a:rPr lang="en-US" dirty="0" smtClean="0"/>
+              <a:t>Before Google Charts</a:t>
+            </a:r>
+            <a:endParaRPr lang="en-US" dirty="0"/>
+          </a:p>
+        </p:txBody>
+      </p:sp>
+      <p:sp>
+        <p:nvSpPr>
+          <p:cNvPr id="4" name="Content Placeholder 3"/>
+          <p:cNvSpPr>
+            <a:spLocks noGrp="1"/>
+          </p:cNvSpPr>
+          <p:nvPr>
+            <p:ph idx="1"/>
+          </p:nvPr>
+        </p:nvSpPr>
+        <p:spPr/>
+        <p:txBody>
+          <a:bodyPr/>
+          <a:lstStyle/>
+          <a:p>
+            <a:pPr>
+              <a:buNone/>
+            </a:pPr>
+            <a:endParaRPr lang="en-US" dirty="0"/>
+          </a:p>
+        </p:txBody>
+      </p:sp>
+      <p:pic>
+        <p:nvPicPr>
+          <p:cNvPr id="10241" name="Picture 1"/>
+          <p:cNvPicPr>
+            <a:picLocks noChangeAspect="1" noChangeArrowheads="1"/>
+          </p:cNvPicPr>
+          <p:nvPr/>
+        </p:nvPicPr>
+        <p:blipFill>
+          <a:blip r:embed="rId3"/>
+          <a:srcRect/>
+          <a:stretch>
+            <a:fillRect/>
+          </a:stretch>
+        </p:blipFill>
+        <p:spPr bwMode="auto">
+          <a:xfrm>
+            <a:off x="3038475" y="1544715"/>
+            <a:ext cx="3067050" cy="5067300"/>
+          </a:xfrm>
+          <a:prstGeom prst="rect">
+            <a:avLst/>
+          </a:prstGeom>
+          <a:noFill/>
+          <a:ln w="9525">
+            <a:noFill/>
+            <a:miter lim="800000"/>
+            <a:headEnd/>
+            <a:tailEnd/>
+          </a:ln>
+          <a:effectLst/>
+        </p:spPr>
+      </p:pic>
+    </p:spTree>
+    <p:extLst>
+      <p:ext uri="{BB962C8B-B14F-4D97-AF65-F5344CB8AC3E}">
+        <p14:creationId xmlns="" xmlns:p14="http://schemas.microsoft.com/office/powerpoint/2010/main" val="3420910667"/>
+      </p:ext>
+    </p:extLst>
+  </p:cSld>
+  <p:clrMapOvr>
+    <a:masterClrMapping/>
+  </p:clrMapOvr>
+  <p:timing>
+    <p:tnLst>
+      <p:par>
+        <p:cTn id="1" dur="indefinite" restart="never" nodeType="tmRoot"/>
+      </p:par>
+    </p:tnLst>
+  </p:timing>
+</p:sld>
+</file>
+
+<file path=ppt/slides/slide27.xml><?xml version="1.0" encoding="utf-8"?>
+<p:sld xmlns:a="http://schemas.openxmlformats.org/drawingml/2006/main" xmlns:r="http://schemas.openxmlformats.org/officeDocument/2006/relationships" xmlns:p="http://schemas.openxmlformats.org/presentationml/2006/main">
+  <p:cSld>
+    <p:spTree>
+      <p:nvGrpSpPr>
+        <p:cNvPr id="1" name=""/>
+        <p:cNvGrpSpPr/>
+        <p:nvPr/>
+      </p:nvGrpSpPr>
+      <p:grpSpPr>
+        <a:xfrm>
+          <a:off x="0" y="0"/>
+          <a:ext cx="0" cy="0"/>
+          <a:chOff x="0" y="0"/>
+          <a:chExt cx="0" cy="0"/>
+        </a:xfrm>
+      </p:grpSpPr>
+      <p:sp>
+        <p:nvSpPr>
+          <p:cNvPr id="2" name="Title 1"/>
+          <p:cNvSpPr>
+            <a:spLocks noGrp="1"/>
+          </p:cNvSpPr>
+          <p:nvPr>
+            <p:ph type="title"/>
+          </p:nvPr>
+        </p:nvSpPr>
+        <p:spPr>
+          <a:xfrm>
+            <a:off x="914400" y="390618"/>
+            <a:ext cx="7315200" cy="1154097"/>
+          </a:xfrm>
+        </p:spPr>
+        <p:txBody>
+          <a:bodyPr>
+            <a:normAutofit fontScale="90000"/>
+          </a:bodyPr>
+          <a:lstStyle/>
+          <a:p>
+            <a:r>
+              <a:rPr lang="en-US" dirty="0" smtClean="0"/>
+              <a:t>Implementation</a:t>
+            </a:r>
+            <a:br>
+              <a:rPr lang="en-US" dirty="0" smtClean="0"/>
+            </a:br>
+            <a:r>
+              <a:rPr lang="en-US" dirty="0" smtClean="0"/>
+              <a:t>After Google Charts</a:t>
+            </a:r>
+            <a:endParaRPr lang="en-US" dirty="0"/>
+          </a:p>
+        </p:txBody>
+      </p:sp>
+      <p:sp>
+        <p:nvSpPr>
+          <p:cNvPr id="4" name="Content Placeholder 3"/>
+          <p:cNvSpPr>
+            <a:spLocks noGrp="1"/>
+          </p:cNvSpPr>
+          <p:nvPr>
+            <p:ph idx="1"/>
+          </p:nvPr>
+        </p:nvSpPr>
+        <p:spPr/>
+        <p:txBody>
+          <a:bodyPr/>
+          <a:lstStyle/>
+          <a:p>
+            <a:pPr>
+              <a:buNone/>
+            </a:pPr>
+            <a:endParaRPr lang="en-US" dirty="0"/>
+          </a:p>
+        </p:txBody>
+      </p:sp>
+      <p:pic>
+        <p:nvPicPr>
+          <p:cNvPr id="10241" name="Picture 1"/>
+          <p:cNvPicPr>
+            <a:picLocks noChangeAspect="1" noChangeArrowheads="1"/>
+          </p:cNvPicPr>
+          <p:nvPr/>
+        </p:nvPicPr>
+        <p:blipFill>
+          <a:blip r:embed="rId3"/>
+          <a:srcRect/>
+          <a:stretch>
+            <a:fillRect/>
+          </a:stretch>
+        </p:blipFill>
+        <p:spPr bwMode="auto">
+          <a:xfrm>
+            <a:off x="3038475" y="1544715"/>
+            <a:ext cx="3067050" cy="5067300"/>
+          </a:xfrm>
+          <a:prstGeom prst="rect">
+            <a:avLst/>
+          </a:prstGeom>
+          <a:noFill/>
+          <a:ln w="9525">
+            <a:noFill/>
+            <a:miter lim="800000"/>
+            <a:headEnd/>
+            <a:tailEnd/>
+          </a:ln>
+          <a:effectLst/>
+        </p:spPr>
+      </p:pic>
+    </p:spTree>
+    <p:extLst>
+      <p:ext uri="{BB962C8B-B14F-4D97-AF65-F5344CB8AC3E}">
+        <p14:creationId xmlns="" xmlns:p14="http://schemas.microsoft.com/office/powerpoint/2010/main" val="3420910667"/>
+      </p:ext>
+    </p:extLst>
+  </p:cSld>
+  <p:clrMapOvr>
+    <a:masterClrMapping/>
+  </p:clrMapOvr>
+  <p:timing>
+    <p:tnLst>
+      <p:par>
+        <p:cTn id="1" dur="indefinite" restart="never" nodeType="tmRoot"/>
+      </p:par>
+    </p:tnLst>
+  </p:timing>
+</p:sld>
+</file>
+
+<file path=ppt/slides/slide28.xml><?xml version="1.0" encoding="utf-8"?>
+<p:sld xmlns:a="http://schemas.openxmlformats.org/drawingml/2006/main" xmlns:r="http://schemas.openxmlformats.org/officeDocument/2006/relationships" xmlns:p="http://schemas.openxmlformats.org/presentationml/2006/main">
+  <p:cSld>
+    <p:spTree>
+      <p:nvGrpSpPr>
+        <p:cNvPr id="1" name=""/>
+        <p:cNvGrpSpPr/>
+        <p:nvPr/>
+      </p:nvGrpSpPr>
+      <p:grpSpPr>
+        <a:xfrm>
+          <a:off x="0" y="0"/>
+          <a:ext cx="0" cy="0"/>
+          <a:chOff x="0" y="0"/>
+          <a:chExt cx="0" cy="0"/>
+        </a:xfrm>
+      </p:grpSpPr>
+      <p:sp>
+        <p:nvSpPr>
+          <p:cNvPr id="2" name="Title 1"/>
+          <p:cNvSpPr>
+            <a:spLocks noGrp="1"/>
+          </p:cNvSpPr>
+          <p:nvPr>
+            <p:ph type="ctrTitle"/>
+          </p:nvPr>
+        </p:nvSpPr>
+        <p:spPr/>
+        <p:txBody>
+          <a:bodyPr>
+            <a:normAutofit/>
+          </a:bodyPr>
+          <a:lstStyle/>
+          <a:p>
+            <a:pPr algn="ctr"/>
+            <a:r>
+              <a:rPr lang="en-US" sz="4000" dirty="0" smtClean="0"/>
+              <a:t>Testing</a:t>
+            </a:r>
+            <a:r>
+              <a:rPr lang="en-US" dirty="0" smtClean="0"/>
+              <a:t/>
+            </a:r>
+            <a:br>
+              <a:rPr lang="en-US" dirty="0" smtClean="0"/>
+            </a:br>
+            <a:r>
+              <a:rPr lang="en-US" dirty="0"/>
+              <a:t/>
+            </a:r>
+            <a:br>
+              <a:rPr lang="en-US" dirty="0"/>
+            </a:br>
+            <a:endParaRPr lang="en-US" dirty="0"/>
+          </a:p>
+        </p:txBody>
+      </p:sp>
+    </p:spTree>
+    <p:extLst>
+      <p:ext uri="{BB962C8B-B14F-4D97-AF65-F5344CB8AC3E}">
+        <p14:creationId xmlns="" xmlns:p14="http://schemas.microsoft.com/office/powerpoint/2010/main" val="3634533921"/>
+      </p:ext>
+    </p:extLst>
+  </p:cSld>
+  <p:clrMapOvr>
+    <a:masterClrMapping/>
+  </p:clrMapOvr>
+  <p:timing>
+    <p:tnLst>
+      <p:par>
+        <p:cTn id="1" dur="indefinite" restart="never" nodeType="tmRoot"/>
+      </p:par>
+    </p:tnLst>
+  </p:timing>
+</p:sld>
+</file>
+
+<file path=ppt/slides/slide29.xml><?xml version="1.0" encoding="utf-8"?>
+<p:sld xmlns:a="http://schemas.openxmlformats.org/drawingml/2006/main" xmlns:r="http://schemas.openxmlformats.org/officeDocument/2006/relationships" xmlns:p="http://schemas.openxmlformats.org/presentationml/2006/main">
+  <p:cSld>
+    <p:spTree>
+      <p:nvGrpSpPr>
+        <p:cNvPr id="1" name=""/>
+        <p:cNvGrpSpPr/>
+        <p:nvPr/>
+      </p:nvGrpSpPr>
+      <p:grpSpPr>
+        <a:xfrm>
+          <a:off x="0" y="0"/>
+          <a:ext cx="0" cy="0"/>
+          <a:chOff x="0" y="0"/>
+          <a:chExt cx="0" cy="0"/>
+        </a:xfrm>
+      </p:grpSpPr>
+      <p:sp>
+        <p:nvSpPr>
+          <p:cNvPr id="2" name="Title 1"/>
+          <p:cNvSpPr>
+            <a:spLocks noGrp="1"/>
+          </p:cNvSpPr>
+          <p:nvPr>
+            <p:ph type="title"/>
+          </p:nvPr>
+        </p:nvSpPr>
+        <p:spPr>
+          <a:xfrm>
+            <a:off x="914400" y="390618"/>
+            <a:ext cx="7315200" cy="1154097"/>
+          </a:xfrm>
+        </p:spPr>
+        <p:txBody>
+          <a:bodyPr/>
+          <a:lstStyle/>
+          <a:p>
+            <a:r>
+              <a:rPr lang="en-US" dirty="0" smtClean="0"/>
+              <a:t>Testing – What Was Used</a:t>
+            </a:r>
+            <a:endParaRPr lang="en-US" dirty="0"/>
+          </a:p>
+        </p:txBody>
+      </p:sp>
+      <p:sp>
+        <p:nvSpPr>
+          <p:cNvPr id="3" name="Content Placeholder 2"/>
+          <p:cNvSpPr>
+            <a:spLocks noGrp="1"/>
+          </p:cNvSpPr>
+          <p:nvPr>
+            <p:ph idx="1"/>
+          </p:nvPr>
+        </p:nvSpPr>
+        <p:spPr>
+          <a:xfrm>
+            <a:off x="914400" y="1544715"/>
+            <a:ext cx="7315200" cy="3539527"/>
+          </a:xfrm>
+        </p:spPr>
+        <p:txBody>
+          <a:bodyPr/>
+          <a:lstStyle/>
+          <a:p>
+            <a:r>
+              <a:rPr lang="en-US" dirty="0" err="1" smtClean="0"/>
+              <a:t>Laravel</a:t>
+            </a:r>
+            <a:r>
+              <a:rPr lang="en-US" dirty="0" smtClean="0"/>
+              <a:t> built in testing framework</a:t>
+            </a:r>
+            <a:endParaRPr lang="en-US" dirty="0" smtClean="0"/>
+          </a:p>
+          <a:p>
+            <a:r>
+              <a:rPr lang="en-US" dirty="0" smtClean="0"/>
+              <a:t>One </a:t>
+            </a:r>
+            <a:r>
+              <a:rPr lang="en-US" dirty="0" smtClean="0"/>
+              <a:t>h</a:t>
+            </a:r>
+            <a:r>
+              <a:rPr lang="en-US" dirty="0" smtClean="0"/>
+              <a:t>undred virtual sensors for load testing</a:t>
+            </a:r>
+            <a:endParaRPr lang="en-US" dirty="0" smtClean="0"/>
+          </a:p>
+          <a:p>
+            <a:r>
+              <a:rPr lang="en-US" dirty="0" smtClean="0"/>
+              <a:t>Extreme temperature sensing</a:t>
+            </a:r>
+            <a:endParaRPr lang="en-US" dirty="0" smtClean="0"/>
+          </a:p>
+        </p:txBody>
+      </p:sp>
+    </p:spTree>
+    <p:extLst>
+      <p:ext uri="{BB962C8B-B14F-4D97-AF65-F5344CB8AC3E}">
+        <p14:creationId xmlns="" xmlns:p14="http://schemas.microsoft.com/office/powerpoint/2010/main" val="698139996"/>
+      </p:ext>
+    </p:extLst>
+  </p:cSld>
+  <p:clrMapOvr>
+    <a:masterClrMapping/>
+  </p:clrMapOvr>
+  <p:timing>
+    <p:tnLst>
+      <p:par>
+        <p:cTn id="1" dur="indefinite" restart="never" nodeType="tmRoot"/>
+      </p:par>
+    </p:tnLst>
+  </p:timing>
+</p:sld>
+</file>
+
+<file path=ppt/slides/slide3.xml><?xml version="1.0" encoding="utf-8"?>
+<p:sld xmlns:a="http://schemas.openxmlformats.org/drawingml/2006/main" xmlns:r="http://schemas.openxmlformats.org/officeDocument/2006/relationships" xmlns:p="http://schemas.openxmlformats.org/presentationml/2006/main">
+  <p:cSld>
+    <p:spTree>
+      <p:nvGrpSpPr>
+        <p:cNvPr id="1" name=""/>
+        <p:cNvGrpSpPr/>
+        <p:nvPr/>
+      </p:nvGrpSpPr>
+      <p:grpSpPr>
+        <a:xfrm>
+          <a:off x="0" y="0"/>
+          <a:ext cx="0" cy="0"/>
+          <a:chOff x="0" y="0"/>
+          <a:chExt cx="0" cy="0"/>
+        </a:xfrm>
+      </p:grpSpPr>
+      <p:sp>
+        <p:nvSpPr>
+          <p:cNvPr id="2" name="Title 1"/>
+          <p:cNvSpPr>
+            <a:spLocks noGrp="1"/>
+          </p:cNvSpPr>
+          <p:nvPr>
+            <p:ph type="ctrTitle"/>
+          </p:nvPr>
+        </p:nvSpPr>
+        <p:spPr/>
+        <p:txBody>
+          <a:bodyPr>
+            <a:normAutofit/>
+          </a:bodyPr>
+          <a:lstStyle/>
+          <a:p>
+            <a:pPr algn="ctr"/>
+            <a:r>
+              <a:rPr lang="en-US" sz="4000" dirty="0" smtClean="0"/>
+              <a:t>Background</a:t>
+            </a:r>
+            <a:r>
+              <a:rPr lang="en-US" dirty="0" smtClean="0"/>
+              <a:t/>
+            </a:r>
+            <a:br>
+              <a:rPr lang="en-US" dirty="0" smtClean="0"/>
+            </a:br>
+            <a:r>
+              <a:rPr lang="en-US" dirty="0"/>
+              <a:t/>
+            </a:r>
+            <a:br>
+              <a:rPr lang="en-US" dirty="0"/>
+            </a:br>
+            <a:endParaRPr lang="en-US" dirty="0"/>
+          </a:p>
+        </p:txBody>
+      </p:sp>
+    </p:spTree>
+    <p:extLst>
+      <p:ext uri="{BB962C8B-B14F-4D97-AF65-F5344CB8AC3E}">
+        <p14:creationId xmlns="" xmlns:p14="http://schemas.microsoft.com/office/powerpoint/2010/main" val="3634533921"/>
+      </p:ext>
+    </p:extLst>
+  </p:cSld>
+  <p:clrMapOvr>
+    <a:masterClrMapping/>
+  </p:clrMapOvr>
+  <p:timing>
+    <p:tnLst>
+      <p:par>
+        <p:cTn id="1" dur="indefinite" restart="never" nodeType="tmRoot"/>
+      </p:par>
+    </p:tnLst>
+  </p:timing>
+</p:sld>
+</file>
+
+<file path=ppt/slides/slide30.xml><?xml version="1.0" encoding="utf-8"?>
+<p:sld xmlns:a="http://schemas.openxmlformats.org/drawingml/2006/main" xmlns:r="http://schemas.openxmlformats.org/officeDocument/2006/relationships" xmlns:p="http://schemas.openxmlformats.org/presentationml/2006/main">
+  <p:cSld>
+    <p:spTree>
+      <p:nvGrpSpPr>
+        <p:cNvPr id="1" name=""/>
+        <p:cNvGrpSpPr/>
+        <p:nvPr/>
+      </p:nvGrpSpPr>
+      <p:grpSpPr>
+        <a:xfrm>
+          <a:off x="0" y="0"/>
+          <a:ext cx="0" cy="0"/>
+          <a:chOff x="0" y="0"/>
+          <a:chExt cx="0" cy="0"/>
+        </a:xfrm>
+      </p:grpSpPr>
+      <p:sp>
+        <p:nvSpPr>
+          <p:cNvPr id="2" name="Title 1"/>
+          <p:cNvSpPr>
+            <a:spLocks noGrp="1"/>
+          </p:cNvSpPr>
+          <p:nvPr>
+            <p:ph type="ctrTitle"/>
+          </p:nvPr>
+        </p:nvSpPr>
+        <p:spPr/>
+        <p:txBody>
+          <a:bodyPr>
+            <a:normAutofit/>
+          </a:bodyPr>
+          <a:lstStyle/>
+          <a:p>
+            <a:pPr algn="ctr"/>
+            <a:r>
+              <a:rPr lang="en-US" sz="4000" dirty="0" smtClean="0"/>
+              <a:t>Security</a:t>
+            </a:r>
+            <a:r>
+              <a:rPr lang="en-US" dirty="0" smtClean="0"/>
+              <a:t/>
+            </a:r>
+            <a:br>
+              <a:rPr lang="en-US" dirty="0" smtClean="0"/>
+            </a:br>
+            <a:r>
+              <a:rPr lang="en-US" dirty="0"/>
+              <a:t/>
+            </a:r>
+            <a:br>
+              <a:rPr lang="en-US" dirty="0"/>
+            </a:br>
+            <a:endParaRPr lang="en-US" dirty="0"/>
+          </a:p>
+        </p:txBody>
+      </p:sp>
+    </p:spTree>
+    <p:extLst>
+      <p:ext uri="{BB962C8B-B14F-4D97-AF65-F5344CB8AC3E}">
+        <p14:creationId xmlns="" xmlns:p14="http://schemas.microsoft.com/office/powerpoint/2010/main" val="3634533921"/>
+      </p:ext>
+    </p:extLst>
+  </p:cSld>
+  <p:clrMapOvr>
+    <a:masterClrMapping/>
+  </p:clrMapOvr>
+  <p:timing>
+    <p:tnLst>
+      <p:par>
+        <p:cTn id="1" dur="indefinite" restart="never" nodeType="tmRoot"/>
+      </p:par>
+    </p:tnLst>
+  </p:timing>
+</p:sld>
+</file>
+
+<file path=ppt/slides/slide31.xml><?xml version="1.0" encoding="utf-8"?>
+<p:sld xmlns:a="http://schemas.openxmlformats.org/drawingml/2006/main" xmlns:r="http://schemas.openxmlformats.org/officeDocument/2006/relationships" xmlns:p="http://schemas.openxmlformats.org/presentationml/2006/main">
+  <p:cSld>
+    <p:spTree>
+      <p:nvGrpSpPr>
+        <p:cNvPr id="1" name=""/>
+        <p:cNvGrpSpPr/>
+        <p:nvPr/>
+      </p:nvGrpSpPr>
+      <p:grpSpPr>
+        <a:xfrm>
+          <a:off x="0" y="0"/>
+          <a:ext cx="0" cy="0"/>
+          <a:chOff x="0" y="0"/>
+          <a:chExt cx="0" cy="0"/>
+        </a:xfrm>
+      </p:grpSpPr>
+      <p:sp>
+        <p:nvSpPr>
+          <p:cNvPr id="2" name="Title 1"/>
+          <p:cNvSpPr>
+            <a:spLocks noGrp="1"/>
+          </p:cNvSpPr>
+          <p:nvPr>
+            <p:ph type="title"/>
+          </p:nvPr>
+        </p:nvSpPr>
+        <p:spPr>
+          <a:xfrm>
+            <a:off x="914400" y="390618"/>
+            <a:ext cx="7315200" cy="1154097"/>
+          </a:xfrm>
+        </p:spPr>
+        <p:txBody>
+          <a:bodyPr/>
+          <a:lstStyle/>
+          <a:p>
+            <a:r>
+              <a:rPr lang="en-US" dirty="0" smtClean="0"/>
+              <a:t>Security </a:t>
+            </a:r>
+            <a:endParaRPr lang="en-US" dirty="0"/>
+          </a:p>
+        </p:txBody>
+      </p:sp>
+      <p:sp>
+        <p:nvSpPr>
+          <p:cNvPr id="3" name="Content Placeholder 2"/>
+          <p:cNvSpPr>
+            <a:spLocks noGrp="1"/>
+          </p:cNvSpPr>
+          <p:nvPr>
+            <p:ph idx="1"/>
+          </p:nvPr>
+        </p:nvSpPr>
+        <p:spPr>
+          <a:xfrm>
+            <a:off x="914399" y="1544715"/>
+            <a:ext cx="7858897" cy="3539527"/>
+          </a:xfrm>
+        </p:spPr>
+        <p:txBody>
+          <a:bodyPr/>
+          <a:lstStyle/>
+          <a:p>
+            <a:r>
+              <a:rPr lang="en-US" dirty="0" err="1" smtClean="0"/>
+              <a:t>Laravel</a:t>
+            </a:r>
+            <a:r>
+              <a:rPr lang="en-US" dirty="0" smtClean="0"/>
+              <a:t> Sessions</a:t>
+            </a:r>
+          </a:p>
+          <a:p>
+            <a:r>
+              <a:rPr lang="en-US" dirty="0" smtClean="0"/>
+              <a:t>Input Sanitization</a:t>
+            </a:r>
+            <a:endParaRPr lang="en-US" dirty="0" smtClean="0"/>
+          </a:p>
+          <a:p>
+            <a:r>
+              <a:rPr lang="en-US" dirty="0" smtClean="0"/>
+              <a:t>Passwords Hashed</a:t>
+            </a:r>
+          </a:p>
+        </p:txBody>
+      </p:sp>
+    </p:spTree>
+  </p:cSld>
+  <p:clrMapOvr>
+    <a:masterClrMapping/>
+  </p:clrMapOvr>
+  <p:timing>
+    <p:tnLst>
+      <p:par>
+        <p:cTn id="1" dur="indefinite" restart="never" nodeType="tmRoot"/>
+      </p:par>
+    </p:tnLst>
+  </p:timing>
+</p:sld>
+</file>
+
+<file path=ppt/slides/slide32.xml><?xml version="1.0" encoding="utf-8"?>
+<p:sld xmlns:a="http://schemas.openxmlformats.org/drawingml/2006/main" xmlns:r="http://schemas.openxmlformats.org/officeDocument/2006/relationships" xmlns:p="http://schemas.openxmlformats.org/presentationml/2006/main">
+  <p:cSld>
+    <p:spTree>
+      <p:nvGrpSpPr>
+        <p:cNvPr id="1" name=""/>
+        <p:cNvGrpSpPr/>
+        <p:nvPr/>
+      </p:nvGrpSpPr>
+      <p:grpSpPr>
+        <a:xfrm>
+          <a:off x="0" y="0"/>
+          <a:ext cx="0" cy="0"/>
+          <a:chOff x="0" y="0"/>
+          <a:chExt cx="0" cy="0"/>
+        </a:xfrm>
+      </p:grpSpPr>
+      <p:sp>
+        <p:nvSpPr>
+          <p:cNvPr id="2" name="Title 1"/>
+          <p:cNvSpPr>
+            <a:spLocks noGrp="1"/>
+          </p:cNvSpPr>
+          <p:nvPr>
+            <p:ph type="ctrTitle"/>
+          </p:nvPr>
+        </p:nvSpPr>
+        <p:spPr/>
+        <p:txBody>
+          <a:bodyPr>
+            <a:normAutofit/>
+          </a:bodyPr>
+          <a:lstStyle/>
+          <a:p>
+            <a:pPr algn="ctr"/>
+            <a:r>
+              <a:rPr lang="en-US" sz="4000" dirty="0" smtClean="0"/>
+              <a:t>Enrichments</a:t>
+            </a:r>
+            <a:r>
+              <a:rPr lang="en-US" dirty="0" smtClean="0"/>
+              <a:t/>
+            </a:r>
+            <a:br>
+              <a:rPr lang="en-US" dirty="0" smtClean="0"/>
+            </a:br>
+            <a:r>
+              <a:rPr lang="en-US" dirty="0"/>
+              <a:t/>
+            </a:r>
+            <a:br>
+              <a:rPr lang="en-US" dirty="0"/>
+            </a:br>
+            <a:endParaRPr lang="en-US" dirty="0"/>
+          </a:p>
+        </p:txBody>
+      </p:sp>
+    </p:spTree>
+    <p:extLst>
+      <p:ext uri="{BB962C8B-B14F-4D97-AF65-F5344CB8AC3E}">
+        <p14:creationId xmlns="" xmlns:p14="http://schemas.microsoft.com/office/powerpoint/2010/main" val="3634533921"/>
+      </p:ext>
+    </p:extLst>
+  </p:cSld>
+  <p:clrMapOvr>
+    <a:masterClrMapping/>
+  </p:clrMapOvr>
+  <p:timing>
+    <p:tnLst>
+      <p:par>
+        <p:cTn id="1" dur="indefinite" restart="never" nodeType="tmRoot"/>
+      </p:par>
+    </p:tnLst>
+  </p:timing>
+</p:sld>
+</file>
+
+<file path=ppt/slides/slide33.xml><?xml version="1.0" encoding="utf-8"?>
+<p:sld xmlns:a="http://schemas.openxmlformats.org/drawingml/2006/main" xmlns:r="http://schemas.openxmlformats.org/officeDocument/2006/relationships" xmlns:p="http://schemas.openxmlformats.org/presentationml/2006/main">
+  <p:cSld>
+    <p:spTree>
+      <p:nvGrpSpPr>
+        <p:cNvPr id="1" name=""/>
+        <p:cNvGrpSpPr/>
+        <p:nvPr/>
+      </p:nvGrpSpPr>
+      <p:grpSpPr>
+        <a:xfrm>
+          <a:off x="0" y="0"/>
+          <a:ext cx="0" cy="0"/>
+          <a:chOff x="0" y="0"/>
+          <a:chExt cx="0" cy="0"/>
+        </a:xfrm>
+      </p:grpSpPr>
+      <p:sp>
+        <p:nvSpPr>
+          <p:cNvPr id="2" name="Title 1"/>
+          <p:cNvSpPr>
+            <a:spLocks noGrp="1"/>
+          </p:cNvSpPr>
+          <p:nvPr>
+            <p:ph type="title"/>
+          </p:nvPr>
+        </p:nvSpPr>
+        <p:spPr>
+          <a:xfrm>
+            <a:off x="914400" y="284145"/>
+            <a:ext cx="7315200" cy="840380"/>
+          </a:xfrm>
+        </p:spPr>
+        <p:txBody>
+          <a:bodyPr/>
+          <a:lstStyle/>
+          <a:p>
+            <a:r>
+              <a:rPr lang="en-US" dirty="0" smtClean="0"/>
+              <a:t>Possible Enrichments</a:t>
+            </a:r>
+            <a:endParaRPr lang="en-US" dirty="0"/>
+          </a:p>
+        </p:txBody>
+      </p:sp>
+      <p:sp>
+        <p:nvSpPr>
+          <p:cNvPr id="3" name="Content Placeholder 2"/>
+          <p:cNvSpPr>
+            <a:spLocks noGrp="1"/>
+          </p:cNvSpPr>
+          <p:nvPr>
+            <p:ph idx="1"/>
+          </p:nvPr>
+        </p:nvSpPr>
+        <p:spPr>
+          <a:xfrm>
+            <a:off x="914400" y="1569309"/>
+            <a:ext cx="7315200" cy="4740052"/>
+          </a:xfrm>
+        </p:spPr>
+        <p:txBody>
+          <a:bodyPr/>
+          <a:lstStyle/>
+          <a:p>
+            <a:r>
+              <a:rPr lang="en-US" dirty="0" smtClean="0"/>
+              <a:t>HTTP used for hosting XML on pi but HTTPS could be used instead if extra security is desired</a:t>
+            </a:r>
+          </a:p>
+          <a:p>
+            <a:r>
+              <a:rPr lang="en-US" dirty="0" smtClean="0"/>
+              <a:t>Upgrade to newer web framework</a:t>
+            </a:r>
+          </a:p>
+          <a:p>
+            <a:r>
+              <a:rPr lang="en-US" dirty="0" smtClean="0"/>
+              <a:t>Reporting for other sensors such as </a:t>
+            </a:r>
+          </a:p>
+          <a:p>
+            <a:pPr lvl="1"/>
+            <a:r>
+              <a:rPr lang="en-US" dirty="0" smtClean="0"/>
+              <a:t>M</a:t>
+            </a:r>
+            <a:r>
+              <a:rPr lang="en-US" dirty="0" smtClean="0"/>
+              <a:t>ovement </a:t>
+            </a:r>
+          </a:p>
+          <a:p>
+            <a:pPr lvl="1"/>
+            <a:r>
+              <a:rPr lang="en-US" dirty="0" smtClean="0"/>
+              <a:t>Radiation</a:t>
+            </a:r>
+          </a:p>
+          <a:p>
+            <a:pPr lvl="1"/>
+            <a:r>
+              <a:rPr lang="en-US" dirty="0" smtClean="0"/>
+              <a:t>CO or CO</a:t>
+            </a:r>
+            <a:r>
+              <a:rPr lang="en-US" sz="1100" dirty="0" smtClean="0"/>
+              <a:t>2</a:t>
+            </a:r>
+            <a:r>
+              <a:rPr lang="en-US" dirty="0" smtClean="0"/>
+              <a:t> Levels</a:t>
+            </a:r>
+          </a:p>
+          <a:p>
+            <a:pPr lvl="1"/>
+            <a:r>
+              <a:rPr lang="en-US" dirty="0" smtClean="0"/>
+              <a:t>Vibration sensing</a:t>
+            </a:r>
+          </a:p>
+          <a:p>
+            <a:pPr lvl="1"/>
+            <a:r>
+              <a:rPr lang="en-US" dirty="0" smtClean="0"/>
+              <a:t>Laser break beam sensing</a:t>
+            </a:r>
+          </a:p>
+          <a:p>
+            <a:r>
+              <a:rPr lang="en-US" dirty="0" smtClean="0"/>
+              <a:t>New Raspberry PI B+ edition </a:t>
+            </a:r>
+          </a:p>
+          <a:p>
+            <a:r>
+              <a:rPr lang="en-US" dirty="0" smtClean="0"/>
+              <a:t>Raw device data viewer</a:t>
+            </a:r>
+          </a:p>
+          <a:p>
+            <a:pPr lvl="1"/>
+            <a:endParaRPr lang="en-US" dirty="0"/>
+          </a:p>
+        </p:txBody>
+      </p:sp>
+    </p:spTree>
+  </p:cSld>
+  <p:clrMapOvr>
+    <a:masterClrMapping/>
+  </p:clrMapOvr>
+  <p:timing>
+    <p:tnLst>
+      <p:par>
+        <p:cTn id="1" dur="indefinite" restart="never" nodeType="tmRoot"/>
+      </p:par>
+    </p:tnLst>
+  </p:timing>
+</p:sld>
+</file>
+
+<file path=ppt/slides/slide34.xml><?xml version="1.0" encoding="utf-8"?>
+<p:sld xmlns:a="http://schemas.openxmlformats.org/drawingml/2006/main" xmlns:r="http://schemas.openxmlformats.org/officeDocument/2006/relationships" xmlns:p="http://schemas.openxmlformats.org/presentationml/2006/main">
+  <p:cSld>
+    <p:spTree>
+      <p:nvGrpSpPr>
+        <p:cNvPr id="1" name=""/>
+        <p:cNvGrpSpPr/>
+        <p:nvPr/>
+      </p:nvGrpSpPr>
+      <p:grpSpPr>
+        <a:xfrm>
+          <a:off x="0" y="0"/>
+          <a:ext cx="0" cy="0"/>
+          <a:chOff x="0" y="0"/>
+          <a:chExt cx="0" cy="0"/>
+        </a:xfrm>
+      </p:grpSpPr>
+      <p:sp>
+        <p:nvSpPr>
+          <p:cNvPr id="2" name="Title 1"/>
+          <p:cNvSpPr>
+            <a:spLocks noGrp="1"/>
+          </p:cNvSpPr>
+          <p:nvPr>
+            <p:ph type="ctrTitle"/>
+          </p:nvPr>
+        </p:nvSpPr>
+        <p:spPr/>
+        <p:txBody>
+          <a:bodyPr>
+            <a:normAutofit/>
+          </a:bodyPr>
+          <a:lstStyle/>
+          <a:p>
+            <a:pPr algn="ctr"/>
+            <a:r>
+              <a:rPr lang="en-US" sz="4000" dirty="0" smtClean="0"/>
+              <a:t>Maintenance</a:t>
+            </a:r>
+            <a:r>
+              <a:rPr lang="en-US" dirty="0" smtClean="0"/>
+              <a:t/>
+            </a:r>
+            <a:br>
+              <a:rPr lang="en-US" dirty="0" smtClean="0"/>
+            </a:br>
+            <a:r>
+              <a:rPr lang="en-US" dirty="0"/>
+              <a:t/>
+            </a:r>
+            <a:br>
+              <a:rPr lang="en-US" dirty="0"/>
+            </a:br>
+            <a:endParaRPr lang="en-US" dirty="0"/>
+          </a:p>
+        </p:txBody>
+      </p:sp>
+    </p:spTree>
+    <p:extLst>
+      <p:ext uri="{BB962C8B-B14F-4D97-AF65-F5344CB8AC3E}">
+        <p14:creationId xmlns="" xmlns:p14="http://schemas.microsoft.com/office/powerpoint/2010/main" val="3634533921"/>
+      </p:ext>
+    </p:extLst>
+  </p:cSld>
+  <p:clrMapOvr>
+    <a:masterClrMapping/>
+  </p:clrMapOvr>
+  <p:timing>
+    <p:tnLst>
+      <p:par>
+        <p:cTn id="1" dur="indefinite" restart="never" nodeType="tmRoot"/>
+      </p:par>
+    </p:tnLst>
+  </p:timing>
+</p:sld>
+</file>
+
+<file path=ppt/slides/slide35.xml><?xml version="1.0" encoding="utf-8"?>
+<p:sld xmlns:a="http://schemas.openxmlformats.org/drawingml/2006/main" xmlns:r="http://schemas.openxmlformats.org/officeDocument/2006/relationships" xmlns:p="http://schemas.openxmlformats.org/presentationml/2006/main">
+  <p:cSld>
+    <p:spTree>
+      <p:nvGrpSpPr>
+        <p:cNvPr id="1" name=""/>
+        <p:cNvGrpSpPr/>
+        <p:nvPr/>
+      </p:nvGrpSpPr>
+      <p:grpSpPr>
+        <a:xfrm>
+          <a:off x="0" y="0"/>
+          <a:ext cx="0" cy="0"/>
+          <a:chOff x="0" y="0"/>
+          <a:chExt cx="0" cy="0"/>
+        </a:xfrm>
+      </p:grpSpPr>
+      <p:sp>
+        <p:nvSpPr>
+          <p:cNvPr id="2" name="Title 1"/>
+          <p:cNvSpPr>
+            <a:spLocks noGrp="1"/>
+          </p:cNvSpPr>
+          <p:nvPr>
+            <p:ph type="title"/>
+          </p:nvPr>
+        </p:nvSpPr>
+        <p:spPr>
+          <a:xfrm>
+            <a:off x="914400" y="284145"/>
+            <a:ext cx="7315200" cy="840380"/>
+          </a:xfrm>
+        </p:spPr>
+        <p:txBody>
+          <a:bodyPr/>
+          <a:lstStyle/>
+          <a:p>
+            <a:r>
+              <a:rPr lang="en-US" dirty="0" smtClean="0"/>
+              <a:t>Maintenance</a:t>
+            </a:r>
+            <a:endParaRPr lang="en-US" dirty="0"/>
+          </a:p>
+        </p:txBody>
+      </p:sp>
+      <p:sp>
+        <p:nvSpPr>
+          <p:cNvPr id="3" name="Content Placeholder 2"/>
+          <p:cNvSpPr>
+            <a:spLocks noGrp="1"/>
+          </p:cNvSpPr>
+          <p:nvPr>
+            <p:ph idx="1"/>
+          </p:nvPr>
+        </p:nvSpPr>
+        <p:spPr>
+          <a:xfrm>
+            <a:off x="914400" y="1569309"/>
+            <a:ext cx="7315200" cy="4740052"/>
+          </a:xfrm>
+        </p:spPr>
+        <p:txBody>
+          <a:bodyPr/>
+          <a:lstStyle/>
+          <a:p>
+            <a:r>
+              <a:rPr lang="en-US" dirty="0" smtClean="0"/>
+              <a:t>All code available on </a:t>
+            </a:r>
+            <a:r>
+              <a:rPr lang="en-US" dirty="0" err="1" smtClean="0"/>
+              <a:t>GitHub</a:t>
+            </a:r>
+            <a:endParaRPr lang="en-US" dirty="0" smtClean="0"/>
+          </a:p>
+          <a:p>
+            <a:r>
+              <a:rPr lang="en-US" dirty="0" smtClean="0"/>
+              <a:t>Maintenance will be performed by WMU staff</a:t>
+            </a:r>
+          </a:p>
+          <a:p>
+            <a:r>
+              <a:rPr lang="en-US" dirty="0" smtClean="0"/>
+              <a:t>Repository will be transferred to Dr. </a:t>
+            </a:r>
+            <a:r>
+              <a:rPr lang="en-US" dirty="0" err="1" smtClean="0"/>
+              <a:t>Kapenga</a:t>
+            </a:r>
+            <a:endParaRPr lang="en-US" dirty="0" smtClean="0"/>
+          </a:p>
+          <a:p>
+            <a:r>
+              <a:rPr lang="en-US" dirty="0" smtClean="0"/>
+              <a:t>User manuals on setup process</a:t>
+            </a:r>
+            <a:endParaRPr lang="en-US" dirty="0"/>
+          </a:p>
+        </p:txBody>
+      </p:sp>
+    </p:spTree>
+  </p:cSld>
+  <p:clrMapOvr>
+    <a:masterClrMapping/>
+  </p:clrMapOvr>
+  <p:timing>
+    <p:tnLst>
+      <p:par>
+        <p:cTn id="1" dur="indefinite" restart="never" nodeType="tmRoot"/>
+      </p:par>
+    </p:tnLst>
+  </p:timing>
+</p:sld>
+</file>
+
+<file path=ppt/slides/slide36.xml><?xml version="1.0" encoding="utf-8"?>
+<p:sld xmlns:a="http://schemas.openxmlformats.org/drawingml/2006/main" xmlns:r="http://schemas.openxmlformats.org/officeDocument/2006/relationships" xmlns:p="http://schemas.openxmlformats.org/presentationml/2006/main">
+  <p:cSld>
+    <p:spTree>
+      <p:nvGrpSpPr>
+        <p:cNvPr id="1" name=""/>
+        <p:cNvGrpSpPr/>
+        <p:nvPr/>
+      </p:nvGrpSpPr>
+      <p:grpSpPr>
+        <a:xfrm>
+          <a:off x="0" y="0"/>
+          <a:ext cx="0" cy="0"/>
+          <a:chOff x="0" y="0"/>
+          <a:chExt cx="0" cy="0"/>
+        </a:xfrm>
+      </p:grpSpPr>
+      <p:sp>
+        <p:nvSpPr>
+          <p:cNvPr id="2" name="Title 1"/>
+          <p:cNvSpPr>
+            <a:spLocks noGrp="1"/>
+          </p:cNvSpPr>
+          <p:nvPr>
+            <p:ph type="ctrTitle"/>
+          </p:nvPr>
+        </p:nvSpPr>
+        <p:spPr/>
+        <p:txBody>
+          <a:bodyPr>
+            <a:normAutofit/>
+          </a:bodyPr>
+          <a:lstStyle/>
+          <a:p>
+            <a:pPr algn="ctr"/>
+            <a:r>
+              <a:rPr lang="en-US" dirty="0" smtClean="0"/>
+              <a:t>Summary</a:t>
+            </a:r>
+            <a:br>
+              <a:rPr lang="en-US" dirty="0" smtClean="0"/>
+            </a:br>
+            <a:r>
+              <a:rPr lang="en-US" dirty="0" smtClean="0"/>
+              <a:t/>
+            </a:r>
+            <a:br>
+              <a:rPr lang="en-US" dirty="0" smtClean="0"/>
+            </a:br>
+            <a:endParaRPr lang="en-US" dirty="0"/>
+          </a:p>
+        </p:txBody>
+      </p:sp>
+    </p:spTree>
+    <p:extLst>
+      <p:ext uri="{BB962C8B-B14F-4D97-AF65-F5344CB8AC3E}">
+        <p14:creationId xmlns="" xmlns:p14="http://schemas.microsoft.com/office/powerpoint/2010/main" val="3634533921"/>
+      </p:ext>
+    </p:extLst>
+  </p:cSld>
+  <p:clrMapOvr>
+    <a:masterClrMapping/>
+  </p:clrMapOvr>
+  <p:timing>
+    <p:tnLst>
+      <p:par>
+        <p:cTn id="1" dur="indefinite" restart="never" nodeType="tmRoot"/>
+      </p:par>
+    </p:tnLst>
+  </p:timing>
+</p:sld>
+</file>
+
+<file path=ppt/slides/slide37.xml><?xml version="1.0" encoding="utf-8"?>
+<p:sld xmlns:a="http://schemas.openxmlformats.org/drawingml/2006/main" xmlns:r="http://schemas.openxmlformats.org/officeDocument/2006/relationships" xmlns:p="http://schemas.openxmlformats.org/presentationml/2006/main">
+  <p:cSld>
+    <p:spTree>
+      <p:nvGrpSpPr>
+        <p:cNvPr id="1" name=""/>
+        <p:cNvGrpSpPr/>
+        <p:nvPr/>
+      </p:nvGrpSpPr>
+      <p:grpSpPr>
+        <a:xfrm>
+          <a:off x="0" y="0"/>
+          <a:ext cx="0" cy="0"/>
+          <a:chOff x="0" y="0"/>
+          <a:chExt cx="0" cy="0"/>
+        </a:xfrm>
+      </p:grpSpPr>
+      <p:sp>
+        <p:nvSpPr>
+          <p:cNvPr id="2" name="Title 1"/>
+          <p:cNvSpPr>
+            <a:spLocks noGrp="1"/>
+          </p:cNvSpPr>
+          <p:nvPr>
+            <p:ph type="title"/>
+          </p:nvPr>
+        </p:nvSpPr>
+        <p:spPr>
+          <a:xfrm>
+            <a:off x="914400" y="390618"/>
+            <a:ext cx="7315200" cy="1154097"/>
+          </a:xfrm>
+        </p:spPr>
+        <p:txBody>
+          <a:bodyPr/>
+          <a:lstStyle/>
+          <a:p>
+            <a:r>
+              <a:rPr lang="en-US" dirty="0" smtClean="0"/>
+              <a:t>Summary</a:t>
+            </a:r>
+            <a:endParaRPr lang="en-US" dirty="0"/>
+          </a:p>
+        </p:txBody>
+      </p:sp>
+      <p:sp>
+        <p:nvSpPr>
+          <p:cNvPr id="3" name="Content Placeholder 2"/>
+          <p:cNvSpPr>
+            <a:spLocks noGrp="1"/>
+          </p:cNvSpPr>
+          <p:nvPr>
+            <p:ph idx="1"/>
+          </p:nvPr>
+        </p:nvSpPr>
+        <p:spPr>
+          <a:xfrm>
+            <a:off x="914400" y="1544714"/>
+            <a:ext cx="7315200" cy="4856085"/>
+          </a:xfrm>
+        </p:spPr>
+        <p:txBody>
+          <a:bodyPr>
+            <a:normAutofit/>
+          </a:bodyPr>
+          <a:lstStyle/>
+          <a:p>
+            <a:r>
+              <a:rPr lang="en-US" dirty="0" smtClean="0"/>
+              <a:t>Our device is more extensible</a:t>
+            </a:r>
+          </a:p>
+          <a:p>
+            <a:r>
+              <a:rPr lang="en-US" dirty="0" smtClean="0"/>
+              <a:t>Our device cost breakdown as currently tested</a:t>
+            </a:r>
+          </a:p>
+          <a:p>
+            <a:pPr lvl="1"/>
+            <a:r>
+              <a:rPr lang="en-US" dirty="0" smtClean="0">
+                <a:latin typeface="Courier" pitchFamily="49" charset="0"/>
+              </a:rPr>
+              <a:t>$ 35.00</a:t>
+            </a:r>
+            <a:r>
+              <a:rPr lang="en-US" dirty="0" smtClean="0"/>
+              <a:t> for the raspberry pi</a:t>
+            </a:r>
+          </a:p>
+          <a:p>
+            <a:pPr lvl="1"/>
+            <a:r>
+              <a:rPr lang="en-US" dirty="0" smtClean="0">
+                <a:latin typeface="Courier" pitchFamily="49" charset="0"/>
+              </a:rPr>
+              <a:t>$  6.26</a:t>
+            </a:r>
+            <a:r>
+              <a:rPr lang="en-US" dirty="0" smtClean="0"/>
+              <a:t> for the sensor</a:t>
+            </a:r>
+          </a:p>
+          <a:p>
+            <a:pPr lvl="1"/>
+            <a:r>
+              <a:rPr lang="en-US" dirty="0" smtClean="0">
+                <a:latin typeface="Courier" pitchFamily="49" charset="0"/>
+              </a:rPr>
+              <a:t>$  8.70</a:t>
+            </a:r>
+            <a:r>
+              <a:rPr lang="en-US" dirty="0" smtClean="0"/>
+              <a:t> for the wireless adaptor (optional)</a:t>
+            </a:r>
+          </a:p>
+          <a:p>
+            <a:pPr lvl="1"/>
+            <a:r>
+              <a:rPr lang="en-US" dirty="0" smtClean="0">
+                <a:latin typeface="Courier" pitchFamily="49" charset="0"/>
+              </a:rPr>
+              <a:t>$  5.95</a:t>
+            </a:r>
+            <a:r>
+              <a:rPr lang="en-US" dirty="0" smtClean="0"/>
+              <a:t> for the SD card</a:t>
+            </a:r>
+          </a:p>
+          <a:p>
+            <a:pPr lvl="1">
+              <a:buNone/>
+            </a:pPr>
+            <a:endParaRPr lang="en-US" dirty="0" smtClean="0"/>
+          </a:p>
+          <a:p>
+            <a:pPr lvl="1"/>
+            <a:r>
+              <a:rPr lang="en-US" dirty="0" smtClean="0">
+                <a:latin typeface="Courier" pitchFamily="49" charset="0"/>
+              </a:rPr>
+              <a:t>$ 55.91</a:t>
+            </a:r>
+            <a:r>
+              <a:rPr lang="en-US" dirty="0" smtClean="0"/>
+              <a:t> </a:t>
+            </a:r>
+            <a:r>
+              <a:rPr lang="en-US" dirty="0" smtClean="0"/>
+              <a:t>total plus miscellaneous </a:t>
+            </a:r>
+            <a:r>
+              <a:rPr lang="en-US" dirty="0" smtClean="0"/>
+              <a:t>parts for in house sensor</a:t>
+            </a:r>
+            <a:endParaRPr lang="en-US" dirty="0" smtClean="0"/>
+          </a:p>
+          <a:p>
+            <a:pPr lvl="1"/>
+            <a:r>
+              <a:rPr lang="en-US" dirty="0" smtClean="0">
+                <a:latin typeface="Courier" pitchFamily="49" charset="0"/>
+              </a:rPr>
+              <a:t>$299.99</a:t>
+            </a:r>
+            <a:r>
+              <a:rPr lang="en-US" dirty="0" smtClean="0"/>
+              <a:t> Temperature @</a:t>
+            </a:r>
+            <a:r>
+              <a:rPr lang="en-US" dirty="0" err="1" smtClean="0"/>
+              <a:t>lert</a:t>
+            </a:r>
+            <a:r>
+              <a:rPr lang="en-US" dirty="0" smtClean="0"/>
+              <a:t> </a:t>
+            </a:r>
+            <a:r>
+              <a:rPr lang="en-US" dirty="0" err="1" smtClean="0"/>
+              <a:t>wifi</a:t>
+            </a:r>
+            <a:r>
+              <a:rPr lang="en-US" dirty="0" smtClean="0"/>
+              <a:t> edition sensor</a:t>
+            </a:r>
+          </a:p>
+          <a:p>
+            <a:r>
+              <a:rPr lang="en-US" dirty="0" smtClean="0"/>
+              <a:t>Our setup has a central server so that issues with one sensor does not affect ability to see temperature data</a:t>
+            </a:r>
+          </a:p>
+          <a:p>
+            <a:endParaRPr lang="en-US" dirty="0" smtClean="0"/>
+          </a:p>
+        </p:txBody>
+      </p:sp>
+    </p:spTree>
+    <p:extLst>
+      <p:ext uri="{BB962C8B-B14F-4D97-AF65-F5344CB8AC3E}">
+        <p14:creationId xmlns="" xmlns:p14="http://schemas.microsoft.com/office/powerpoint/2010/main" val="642860528"/>
+      </p:ext>
+    </p:extLst>
+  </p:cSld>
+  <p:clrMapOvr>
+    <a:masterClrMapping/>
+  </p:clrMapOvr>
+  <p:timing>
+    <p:tnLst>
+      <p:par>
+        <p:cTn id="1" dur="indefinite" restart="never" nodeType="tmRoot"/>
+      </p:par>
+    </p:tnLst>
+  </p:timing>
+</p:sld>
+</file>
+
+<file path=ppt/slides/slide38.xml><?xml version="1.0" encoding="utf-8"?>
+<p:sld xmlns:a="http://schemas.openxmlformats.org/drawingml/2006/main" xmlns:r="http://schemas.openxmlformats.org/officeDocument/2006/relationships" xmlns:p="http://schemas.openxmlformats.org/presentationml/2006/main">
+  <p:cSld>
+    <p:spTree>
+      <p:nvGrpSpPr>
+        <p:cNvPr id="1" name=""/>
+        <p:cNvGrpSpPr/>
+        <p:nvPr/>
+      </p:nvGrpSpPr>
+      <p:grpSpPr>
+        <a:xfrm>
+          <a:off x="0" y="0"/>
+          <a:ext cx="0" cy="0"/>
+          <a:chOff x="0" y="0"/>
+          <a:chExt cx="0" cy="0"/>
+        </a:xfrm>
+      </p:grpSpPr>
+      <p:sp>
+        <p:nvSpPr>
+          <p:cNvPr id="2" name="Title 1"/>
+          <p:cNvSpPr>
+            <a:spLocks noGrp="1"/>
+          </p:cNvSpPr>
+          <p:nvPr>
+            <p:ph type="title"/>
+          </p:nvPr>
+        </p:nvSpPr>
+        <p:spPr>
+          <a:xfrm>
+            <a:off x="914400" y="390618"/>
+            <a:ext cx="7315200" cy="1154097"/>
+          </a:xfrm>
+        </p:spPr>
+        <p:txBody>
+          <a:bodyPr>
             <a:normAutofit/>
           </a:bodyPr>
           <a:lstStyle/>
@@ -7629,7 +11356,163 @@
 </p:sld>
 </file>
 
-<file path=ppt/slides/slide3.xml><?xml version="1.0" encoding="utf-8"?>
+<file path=ppt/slides/slide4.xml><?xml version="1.0" encoding="utf-8"?>
+<p:sld xmlns:a="http://schemas.openxmlformats.org/drawingml/2006/main" xmlns:r="http://schemas.openxmlformats.org/officeDocument/2006/relationships" xmlns:p="http://schemas.openxmlformats.org/presentationml/2006/main">
+  <p:cSld>
+    <p:spTree>
+      <p:nvGrpSpPr>
+        <p:cNvPr id="1" name=""/>
+        <p:cNvGrpSpPr/>
+        <p:nvPr/>
+      </p:nvGrpSpPr>
+      <p:grpSpPr>
+        <a:xfrm>
+          <a:off x="0" y="0"/>
+          <a:ext cx="0" cy="0"/>
+          <a:chOff x="0" y="0"/>
+          <a:chExt cx="0" cy="0"/>
+        </a:xfrm>
+      </p:grpSpPr>
+      <p:sp>
+        <p:nvSpPr>
+          <p:cNvPr id="2" name="Title 1"/>
+          <p:cNvSpPr>
+            <a:spLocks noGrp="1"/>
+          </p:cNvSpPr>
+          <p:nvPr>
+            <p:ph type="title"/>
+          </p:nvPr>
+        </p:nvSpPr>
+        <p:spPr>
+          <a:xfrm>
+            <a:off x="914400" y="390618"/>
+            <a:ext cx="7315200" cy="1154097"/>
+          </a:xfrm>
+        </p:spPr>
+        <p:txBody>
+          <a:bodyPr/>
+          <a:lstStyle/>
+          <a:p>
+            <a:r>
+              <a:rPr lang="en-US" dirty="0" smtClean="0"/>
+              <a:t>Background - Client</a:t>
+            </a:r>
+            <a:endParaRPr lang="en-US" dirty="0"/>
+          </a:p>
+        </p:txBody>
+      </p:sp>
+      <p:sp>
+        <p:nvSpPr>
+          <p:cNvPr id="4" name="TextBox 3"/>
+          <p:cNvSpPr txBox="1"/>
+          <p:nvPr/>
+        </p:nvSpPr>
+        <p:spPr>
+          <a:xfrm>
+            <a:off x="4724400" y="2712720"/>
+            <a:ext cx="184666" cy="369332"/>
+          </a:xfrm>
+          <a:prstGeom prst="rect">
+            <a:avLst/>
+          </a:prstGeom>
+          <a:noFill/>
+        </p:spPr>
+        <p:txBody>
+          <a:bodyPr wrap="none" rtlCol="0">
+            <a:spAutoFit/>
+          </a:bodyPr>
+          <a:lstStyle/>
+          <a:p>
+            <a:endParaRPr lang="en-US" dirty="0"/>
+          </a:p>
+        </p:txBody>
+      </p:sp>
+      <p:sp>
+        <p:nvSpPr>
+          <p:cNvPr id="5" name="Content Placeholder 2"/>
+          <p:cNvSpPr>
+            <a:spLocks noGrp="1"/>
+          </p:cNvSpPr>
+          <p:nvPr>
+            <p:ph idx="1"/>
+          </p:nvPr>
+        </p:nvSpPr>
+        <p:spPr>
+          <a:xfrm>
+            <a:off x="914400" y="1544715"/>
+            <a:ext cx="7315200" cy="3539527"/>
+          </a:xfrm>
+        </p:spPr>
+        <p:txBody>
+          <a:bodyPr/>
+          <a:lstStyle/>
+          <a:p>
+            <a:r>
+              <a:rPr lang="en-US" dirty="0" smtClean="0"/>
+              <a:t>Western Michigan University</a:t>
+            </a:r>
+          </a:p>
+          <a:p>
+            <a:pPr lvl="1"/>
+            <a:r>
+              <a:rPr lang="en-US" dirty="0" smtClean="0"/>
+              <a:t>Dr. John </a:t>
+            </a:r>
+            <a:r>
+              <a:rPr lang="en-US" dirty="0" err="1" smtClean="0"/>
+              <a:t>Kapenga</a:t>
+            </a:r>
+            <a:endParaRPr lang="en-US" dirty="0" smtClean="0"/>
+          </a:p>
+        </p:txBody>
+      </p:sp>
+      <p:pic>
+        <p:nvPicPr>
+          <p:cNvPr id="2050" name="Picture 2" descr="C:\Users\Lappi5\Desktop\einstein.jpeg"/>
+          <p:cNvPicPr>
+            <a:picLocks noChangeAspect="1" noChangeArrowheads="1"/>
+          </p:cNvPicPr>
+          <p:nvPr/>
+        </p:nvPicPr>
+        <p:blipFill>
+          <a:blip r:embed="rId3" cstate="print"/>
+          <a:srcRect/>
+          <a:stretch>
+            <a:fillRect/>
+          </a:stretch>
+        </p:blipFill>
+        <p:spPr bwMode="auto">
+          <a:xfrm>
+            <a:off x="3764280" y="2713047"/>
+            <a:ext cx="5180330" cy="3881427"/>
+          </a:xfrm>
+          <a:prstGeom prst="rect">
+            <a:avLst/>
+          </a:prstGeom>
+          <a:noFill/>
+        </p:spPr>
+      </p:pic>
+    </p:spTree>
+    <p:extLst>
+      <p:ext uri="{BB962C8B-B14F-4D97-AF65-F5344CB8AC3E}">
+        <p14:creationId xmlns="" xmlns:p14="http://schemas.microsoft.com/office/powerpoint/2010/main" val="2388400601"/>
+      </p:ext>
+    </p:extLst>
+  </p:cSld>
+  <p:clrMapOvr>
+    <a:masterClrMapping/>
+  </p:clrMapOvr>
+  <p:timing>
+    <p:tnLst>
+      <p:par>
+        <p:cTn id="1" dur="indefinite" restart="never" nodeType="tmRoot"/>
+      </p:par>
+    </p:tnLst>
+  </p:timing>
+</p:sld>
+</file>
+
+<file path=ppt/slides/slide5.xml><?xml version="1.0" encoding="utf-8"?>
 <p:sld xmlns:a="http://schemas.openxmlformats.org/drawingml/2006/main" xmlns:r="http://schemas.openxmlformats.org/officeDocument/2006/relationships" xmlns:p="http://schemas.openxmlformats.org/presentationml/2006/main">
   <p:cSld>
     <p:spTree>
@@ -7784,219 +11667,6 @@
 </p:sld>
 </file>
 
-<file path=ppt/slides/slide4.xml><?xml version="1.0" encoding="utf-8"?>
-<p:sld xmlns:a="http://schemas.openxmlformats.org/drawingml/2006/main" xmlns:r="http://schemas.openxmlformats.org/officeDocument/2006/relationships" xmlns:p="http://schemas.openxmlformats.org/presentationml/2006/main">
-  <p:cSld>
-    <p:spTree>
-      <p:nvGrpSpPr>
-        <p:cNvPr id="1" name=""/>
-        <p:cNvGrpSpPr/>
-        <p:nvPr/>
-      </p:nvGrpSpPr>
-      <p:grpSpPr>
-        <a:xfrm>
-          <a:off x="0" y="0"/>
-          <a:ext cx="0" cy="0"/>
-          <a:chOff x="0" y="0"/>
-          <a:chExt cx="0" cy="0"/>
-        </a:xfrm>
-      </p:grpSpPr>
-      <p:sp>
-        <p:nvSpPr>
-          <p:cNvPr id="2" name="Title 1"/>
-          <p:cNvSpPr>
-            <a:spLocks noGrp="1"/>
-          </p:cNvSpPr>
-          <p:nvPr>
-            <p:ph type="title"/>
-          </p:nvPr>
-        </p:nvSpPr>
-        <p:spPr>
-          <a:xfrm>
-            <a:off x="481913" y="506509"/>
-            <a:ext cx="7315200" cy="593245"/>
-          </a:xfrm>
-        </p:spPr>
-        <p:txBody>
-          <a:bodyPr>
-            <a:normAutofit fontScale="90000"/>
-          </a:bodyPr>
-          <a:lstStyle/>
-          <a:p>
-            <a:r>
-              <a:rPr lang="en-US" dirty="0" smtClean="0"/>
-              <a:t>Background – Why More</a:t>
-            </a:r>
-            <a:endParaRPr lang="en-US" dirty="0"/>
-          </a:p>
-        </p:txBody>
-      </p:sp>
-      <p:pic>
-        <p:nvPicPr>
-          <p:cNvPr id="4" name="Content Placeholder 3" descr="dcim_heatmap3.png"/>
-          <p:cNvPicPr>
-            <a:picLocks noGrp="1" noChangeAspect="1"/>
-          </p:cNvPicPr>
-          <p:nvPr>
-            <p:ph idx="1"/>
-          </p:nvPr>
-        </p:nvPicPr>
-        <p:blipFill>
-          <a:blip r:embed="rId3"/>
-          <a:stretch>
-            <a:fillRect/>
-          </a:stretch>
-        </p:blipFill>
-        <p:spPr>
-          <a:xfrm>
-            <a:off x="2024142" y="1544715"/>
-            <a:ext cx="5019209" cy="5276850"/>
-          </a:xfrm>
-        </p:spPr>
-      </p:pic>
-    </p:spTree>
-  </p:cSld>
-  <p:clrMapOvr>
-    <a:masterClrMapping/>
-  </p:clrMapOvr>
-  <p:timing>
-    <p:tnLst>
-      <p:par>
-        <p:cTn id="1" dur="indefinite" restart="never" nodeType="tmRoot"/>
-      </p:par>
-    </p:tnLst>
-  </p:timing>
-</p:sld>
-</file>
-
-<file path=ppt/slides/slide5.xml><?xml version="1.0" encoding="utf-8"?>
-<p:sld xmlns:a="http://schemas.openxmlformats.org/drawingml/2006/main" xmlns:r="http://schemas.openxmlformats.org/officeDocument/2006/relationships" xmlns:p="http://schemas.openxmlformats.org/presentationml/2006/main">
-  <p:cSld>
-    <p:spTree>
-      <p:nvGrpSpPr>
-        <p:cNvPr id="1" name=""/>
-        <p:cNvGrpSpPr/>
-        <p:nvPr/>
-      </p:nvGrpSpPr>
-      <p:grpSpPr>
-        <a:xfrm>
-          <a:off x="0" y="0"/>
-          <a:ext cx="0" cy="0"/>
-          <a:chOff x="0" y="0"/>
-          <a:chExt cx="0" cy="0"/>
-        </a:xfrm>
-      </p:grpSpPr>
-      <p:sp>
-        <p:nvSpPr>
-          <p:cNvPr id="2" name="Title 1"/>
-          <p:cNvSpPr>
-            <a:spLocks noGrp="1"/>
-          </p:cNvSpPr>
-          <p:nvPr>
-            <p:ph type="title"/>
-          </p:nvPr>
-        </p:nvSpPr>
-        <p:spPr>
-          <a:xfrm>
-            <a:off x="914400" y="390618"/>
-            <a:ext cx="7315200" cy="1154097"/>
-          </a:xfrm>
-        </p:spPr>
-        <p:txBody>
-          <a:bodyPr/>
-          <a:lstStyle/>
-          <a:p>
-            <a:r>
-              <a:rPr lang="en-US" dirty="0" smtClean="0"/>
-              <a:t>Background – Previous Team</a:t>
-            </a:r>
-            <a:endParaRPr lang="en-US" dirty="0"/>
-          </a:p>
-        </p:txBody>
-      </p:sp>
-      <p:sp>
-        <p:nvSpPr>
-          <p:cNvPr id="3" name="Content Placeholder 2"/>
-          <p:cNvSpPr>
-            <a:spLocks noGrp="1"/>
-          </p:cNvSpPr>
-          <p:nvPr>
-            <p:ph idx="1"/>
-          </p:nvPr>
-        </p:nvSpPr>
-        <p:spPr>
-          <a:xfrm>
-            <a:off x="914400" y="1965960"/>
-            <a:ext cx="7315200" cy="3118282"/>
-          </a:xfrm>
-        </p:spPr>
-        <p:txBody>
-          <a:bodyPr/>
-          <a:lstStyle/>
-          <a:p>
-            <a:r>
-              <a:rPr lang="en-US" dirty="0" smtClean="0"/>
-              <a:t>Developed site that communicates with current sensors.</a:t>
-            </a:r>
-          </a:p>
-          <a:p>
-            <a:r>
-              <a:rPr lang="en-US" dirty="0" smtClean="0"/>
-              <a:t>Features include room/group management and user authentication with permission levels</a:t>
-            </a:r>
-          </a:p>
-          <a:p>
-            <a:r>
-              <a:rPr lang="en-US" dirty="0" smtClean="0"/>
-              <a:t>Implementation in </a:t>
-            </a:r>
-            <a:r>
-              <a:rPr lang="en-US" dirty="0" err="1" smtClean="0"/>
-              <a:t>Laravel</a:t>
-            </a:r>
-            <a:r>
-              <a:rPr lang="en-US" dirty="0" smtClean="0"/>
-              <a:t> 3</a:t>
-            </a:r>
-          </a:p>
-          <a:p>
-            <a:r>
-              <a:rPr lang="en-US" dirty="0" smtClean="0"/>
-              <a:t>Sensors report only real-time temperature</a:t>
-            </a:r>
-          </a:p>
-          <a:p>
-            <a:pPr>
-              <a:buNone/>
-            </a:pPr>
-            <a:endParaRPr lang="en-US" dirty="0" smtClean="0"/>
-          </a:p>
-          <a:p>
-            <a:pPr lvl="1"/>
-            <a:endParaRPr lang="en-US" dirty="0" smtClean="0"/>
-          </a:p>
-        </p:txBody>
-      </p:sp>
-    </p:spTree>
-    <p:extLst>
-      <p:ext uri="{BB962C8B-B14F-4D97-AF65-F5344CB8AC3E}">
-        <p14:creationId xmlns="" xmlns:p14="http://schemas.microsoft.com/office/powerpoint/2010/main" val="713173739"/>
-      </p:ext>
-    </p:extLst>
-  </p:cSld>
-  <p:clrMapOvr>
-    <a:masterClrMapping/>
-  </p:clrMapOvr>
-  <p:timing>
-    <p:tnLst>
-      <p:par>
-        <p:cTn id="1" dur="indefinite" restart="never" nodeType="tmRoot"/>
-      </p:par>
-    </p:tnLst>
-  </p:timing>
-</p:sld>
-</file>
-
 <file path=ppt/slides/slide6.xml><?xml version="1.0" encoding="utf-8"?>
 <p:sld xmlns:a="http://schemas.openxmlformats.org/drawingml/2006/main" xmlns:r="http://schemas.openxmlformats.org/officeDocument/2006/relationships" xmlns:p="http://schemas.openxmlformats.org/presentationml/2006/main">
   <p:cSld>
@@ -8026,114 +11696,48 @@
         </p:nvSpPr>
         <p:spPr>
           <a:xfrm>
-            <a:off x="914400" y="390618"/>
-            <a:ext cx="7315200" cy="1154097"/>
+            <a:off x="481913" y="506509"/>
+            <a:ext cx="7315200" cy="593245"/>
           </a:xfrm>
         </p:spPr>
         <p:txBody>
-          <a:bodyPr/>
-          <a:lstStyle/>
-          <a:p>
-            <a:r>
-              <a:rPr lang="en-US" dirty="0" smtClean="0"/>
-              <a:t>Background – Unmet Needs</a:t>
+          <a:bodyPr>
+            <a:normAutofit fontScale="90000"/>
+          </a:bodyPr>
+          <a:lstStyle/>
+          <a:p>
+            <a:r>
+              <a:rPr lang="en-US" dirty="0" smtClean="0"/>
+              <a:t>Background – Why More</a:t>
             </a:r>
             <a:endParaRPr lang="en-US" dirty="0"/>
           </a:p>
         </p:txBody>
       </p:sp>
-      <p:sp>
-        <p:nvSpPr>
-          <p:cNvPr id="3" name="Content Placeholder 2"/>
-          <p:cNvSpPr>
-            <a:spLocks noGrp="1"/>
-          </p:cNvSpPr>
+      <p:pic>
+        <p:nvPicPr>
+          <p:cNvPr id="4" name="Content Placeholder 3" descr="dcim_heatmap3.png"/>
+          <p:cNvPicPr>
+            <a:picLocks noGrp="1" noChangeAspect="1"/>
+          </p:cNvPicPr>
           <p:nvPr>
             <p:ph idx="1"/>
           </p:nvPr>
-        </p:nvSpPr>
+        </p:nvPicPr>
+        <p:blipFill>
+          <a:blip r:embed="rId3"/>
+          <a:stretch>
+            <a:fillRect/>
+          </a:stretch>
+        </p:blipFill>
         <p:spPr>
           <a:xfrm>
-            <a:off x="914400" y="1965960"/>
-            <a:ext cx="7315200" cy="3118282"/>
+            <a:off x="2024142" y="1544715"/>
+            <a:ext cx="5019209" cy="5276850"/>
           </a:xfrm>
         </p:spPr>
-        <p:txBody>
-          <a:bodyPr/>
-          <a:lstStyle/>
-          <a:p>
-            <a:r>
-              <a:rPr lang="en-US" dirty="0" smtClean="0"/>
-              <a:t>Additional metrics desired such as humidity</a:t>
-            </a:r>
-          </a:p>
-          <a:p>
-            <a:r>
-              <a:rPr lang="en-US" dirty="0" smtClean="0"/>
-              <a:t>Ability to connect to sensors other than </a:t>
-            </a:r>
-            <a:r>
-              <a:rPr lang="en-US" dirty="0" err="1" smtClean="0"/>
-              <a:t>Temperature@lert</a:t>
-            </a:r>
-            <a:endParaRPr lang="en-US" dirty="0" smtClean="0"/>
-          </a:p>
-          <a:p>
-            <a:r>
-              <a:rPr lang="en-US" dirty="0" smtClean="0"/>
-              <a:t>In-house built sensors that are</a:t>
-            </a:r>
-          </a:p>
-          <a:p>
-            <a:pPr lvl="1"/>
-            <a:r>
-              <a:rPr lang="en-US" dirty="0" smtClean="0"/>
-              <a:t>Extensible</a:t>
-            </a:r>
-          </a:p>
-          <a:p>
-            <a:pPr lvl="1"/>
-            <a:r>
-              <a:rPr lang="en-US" dirty="0" smtClean="0"/>
-              <a:t>Low-cost</a:t>
-            </a:r>
-          </a:p>
-          <a:p>
-            <a:pPr lvl="1"/>
-            <a:r>
-              <a:rPr lang="en-US" dirty="0" smtClean="0"/>
-              <a:t>Modifiable </a:t>
-            </a:r>
-          </a:p>
-          <a:p>
-            <a:pPr lvl="1"/>
-            <a:r>
-              <a:rPr lang="en-US" dirty="0" smtClean="0"/>
-              <a:t>Open source</a:t>
-            </a:r>
-          </a:p>
-          <a:p>
-            <a:pPr lvl="1"/>
-            <a:endParaRPr lang="en-US" dirty="0" smtClean="0"/>
-          </a:p>
-          <a:p>
-            <a:pPr>
-              <a:buNone/>
-            </a:pPr>
-            <a:endParaRPr lang="en-US" dirty="0" smtClean="0"/>
-          </a:p>
-          <a:p>
-            <a:pPr lvl="1"/>
-            <a:endParaRPr lang="en-US" dirty="0" smtClean="0"/>
-          </a:p>
-        </p:txBody>
-      </p:sp>
+      </p:pic>
     </p:spTree>
-    <p:extLst>
-      <p:ext uri="{BB962C8B-B14F-4D97-AF65-F5344CB8AC3E}">
-        <p14:creationId xmlns="" xmlns:p14="http://schemas.microsoft.com/office/powerpoint/2010/main" val="713173739"/>
-      </p:ext>
-    </p:extLst>
   </p:cSld>
   <p:clrMapOvr>
     <a:masterClrMapping/>
@@ -8187,7 +11791,7 @@
           <a:p>
             <a:r>
               <a:rPr lang="en-US" dirty="0" smtClean="0"/>
-              <a:t>Background - Client</a:t>
+              <a:t>Background – Previous Team</a:t>
             </a:r>
             <a:endParaRPr lang="en-US" dirty="0"/>
           </a:p>
@@ -8195,44 +11799,18 @@
       </p:sp>
       <p:sp>
         <p:nvSpPr>
-          <p:cNvPr id="4" name="TextBox 3"/>
-          <p:cNvSpPr txBox="1"/>
-          <p:nvPr/>
+          <p:cNvPr id="3" name="Content Placeholder 2"/>
+          <p:cNvSpPr>
+            <a:spLocks noGrp="1"/>
+          </p:cNvSpPr>
+          <p:nvPr>
+            <p:ph idx="1"/>
+          </p:nvPr>
         </p:nvSpPr>
         <p:spPr>
           <a:xfrm>
-            <a:off x="4724400" y="2712720"/>
-            <a:ext cx="184666" cy="369332"/>
-          </a:xfrm>
-          <a:prstGeom prst="rect">
-            <a:avLst/>
-          </a:prstGeom>
-          <a:noFill/>
-        </p:spPr>
-        <p:txBody>
-          <a:bodyPr wrap="none" rtlCol="0">
-            <a:spAutoFit/>
-          </a:bodyPr>
-          <a:lstStyle/>
-          <a:p>
-            <a:endParaRPr lang="en-US" dirty="0"/>
-          </a:p>
-        </p:txBody>
-      </p:sp>
-      <p:sp>
-        <p:nvSpPr>
-          <p:cNvPr id="5" name="Content Placeholder 2"/>
-          <p:cNvSpPr>
-            <a:spLocks noGrp="1"/>
-          </p:cNvSpPr>
-          <p:nvPr>
-            <p:ph idx="1"/>
-          </p:nvPr>
-        </p:nvSpPr>
-        <p:spPr>
-          <a:xfrm>
-            <a:off x="914400" y="1544715"/>
-            <a:ext cx="7315200" cy="3539527"/>
+            <a:off x="914400" y="1965960"/>
+            <a:ext cx="7315200" cy="3118282"/>
           </a:xfrm>
         </p:spPr>
         <p:txBody>
@@ -8241,53 +11819,51 @@
           <a:p>
             <a:r>
               <a:rPr lang="en-US" dirty="0" smtClean="0"/>
-              <a:t>Western Michigan University</a:t>
-            </a:r>
+              <a:t>Developed site that communicates with current sensors.</a:t>
+            </a:r>
+          </a:p>
+          <a:p>
+            <a:r>
+              <a:rPr lang="en-US" dirty="0" smtClean="0"/>
+              <a:t>Features include room/group management and user authentication with permission levels</a:t>
+            </a:r>
+          </a:p>
+          <a:p>
+            <a:r>
+              <a:rPr lang="en-US" dirty="0" smtClean="0"/>
+              <a:t>Implementation in </a:t>
+            </a:r>
+            <a:r>
+              <a:rPr lang="en-US" dirty="0" err="1" smtClean="0"/>
+              <a:t>Laravel</a:t>
+            </a:r>
+            <a:r>
+              <a:rPr lang="en-US" dirty="0" smtClean="0"/>
+              <a:t> 3</a:t>
+            </a:r>
+          </a:p>
+          <a:p>
+            <a:r>
+              <a:rPr lang="en-US" dirty="0" smtClean="0"/>
+              <a:t>Sensors report only real-time temperature</a:t>
+            </a:r>
+          </a:p>
+          <a:p>
+            <a:pPr>
+              <a:buNone/>
+            </a:pPr>
+            <a:endParaRPr lang="en-US" dirty="0" smtClean="0"/>
           </a:p>
           <a:p>
             <a:pPr lvl="1"/>
-            <a:r>
-              <a:rPr lang="en-US" dirty="0" smtClean="0"/>
-              <a:t>Dr. John </a:t>
-            </a:r>
-            <a:r>
-              <a:rPr lang="en-US" dirty="0" err="1" smtClean="0"/>
-              <a:t>Kapenga</a:t>
-            </a:r>
             <a:endParaRPr lang="en-US" dirty="0" smtClean="0"/>
           </a:p>
         </p:txBody>
       </p:sp>
-      <p:pic>
-        <p:nvPicPr>
-          <p:cNvPr id="2050" name="Picture 2" descr="C:\Users\Lappi5\Desktop\einstein.jpeg"/>
-          <p:cNvPicPr>
-            <a:picLocks noChangeAspect="1" noChangeArrowheads="1"/>
-          </p:cNvPicPr>
-          <p:nvPr/>
-        </p:nvPicPr>
-        <p:blipFill>
-          <a:blip r:embed="rId2" cstate="print"/>
-          <a:srcRect/>
-          <a:stretch>
-            <a:fillRect/>
-          </a:stretch>
-        </p:blipFill>
-        <p:spPr bwMode="auto">
-          <a:xfrm>
-            <a:off x="3764280" y="2713047"/>
-            <a:ext cx="5180330" cy="3881427"/>
-          </a:xfrm>
-          <a:prstGeom prst="rect">
-            <a:avLst/>
-          </a:prstGeom>
-          <a:noFill/>
-        </p:spPr>
-      </p:pic>
     </p:spTree>
     <p:extLst>
       <p:ext uri="{BB962C8B-B14F-4D97-AF65-F5344CB8AC3E}">
-        <p14:creationId xmlns="" xmlns:p14="http://schemas.microsoft.com/office/powerpoint/2010/main" val="2388400601"/>
+        <p14:creationId xmlns="" xmlns:p14="http://schemas.microsoft.com/office/powerpoint/2010/main" val="713173739"/>
       </p:ext>
     </p:extLst>
   </p:cSld>
@@ -8338,14 +11914,12 @@
           </a:xfrm>
         </p:spPr>
         <p:txBody>
-          <a:bodyPr>
-            <a:normAutofit fontScale="90000"/>
-          </a:bodyPr>
-          <a:lstStyle/>
-          <a:p>
-            <a:r>
-              <a:rPr lang="en-US" dirty="0" smtClean="0"/>
-              <a:t>Design Decisions - Environment</a:t>
+          <a:bodyPr/>
+          <a:lstStyle/>
+          <a:p>
+            <a:r>
+              <a:rPr lang="en-US" dirty="0" smtClean="0"/>
+              <a:t>Background – Unmet Needs</a:t>
             </a:r>
             <a:endParaRPr lang="en-US" dirty="0"/>
           </a:p>
@@ -8363,25 +11937,47 @@
         </p:nvSpPr>
         <p:spPr>
           <a:xfrm>
-            <a:off x="914400" y="1544715"/>
-            <a:ext cx="7315200" cy="4981114"/>
+            <a:off x="914400" y="1965960"/>
+            <a:ext cx="7315200" cy="3118282"/>
           </a:xfrm>
         </p:spPr>
         <p:txBody>
-          <a:bodyPr>
-            <a:normAutofit lnSpcReduction="10000"/>
-          </a:bodyPr>
-          <a:lstStyle/>
-          <a:p>
-            <a:r>
-              <a:rPr lang="en-US" dirty="0" smtClean="0"/>
-              <a:t>Raspberry Pi</a:t>
+          <a:bodyPr/>
+          <a:lstStyle/>
+          <a:p>
+            <a:r>
+              <a:rPr lang="en-US" dirty="0" smtClean="0"/>
+              <a:t>Additional metrics desired such as humidity</a:t>
+            </a:r>
+          </a:p>
+          <a:p>
+            <a:r>
+              <a:rPr lang="en-US" dirty="0" smtClean="0"/>
+              <a:t>Ability to connect to sensors other than </a:t>
+            </a:r>
+            <a:r>
+              <a:rPr lang="en-US" dirty="0" err="1" smtClean="0"/>
+              <a:t>Temperature@lert</a:t>
+            </a:r>
+            <a:endParaRPr lang="en-US" dirty="0" smtClean="0"/>
+          </a:p>
+          <a:p>
+            <a:r>
+              <a:rPr lang="en-US" dirty="0" smtClean="0"/>
+              <a:t>In-house built sensors that are</a:t>
             </a:r>
           </a:p>
           <a:p>
             <a:pPr lvl="1"/>
             <a:r>
               <a:rPr lang="en-US" dirty="0" smtClean="0"/>
+              <a:t>Extensible</a:t>
+            </a:r>
+          </a:p>
+          <a:p>
+            <a:pPr lvl="1"/>
+            <a:r>
+              <a:rPr lang="en-US" dirty="0" smtClean="0"/>
               <a:t>Low-cost</a:t>
             </a:r>
           </a:p>
@@ -8389,174 +11985,36 @@
             <a:pPr lvl="1"/>
             <a:r>
               <a:rPr lang="en-US" dirty="0" smtClean="0"/>
-              <a:t>Readily available</a:t>
+              <a:t>Modifiable </a:t>
             </a:r>
           </a:p>
           <a:p>
             <a:pPr lvl="1"/>
             <a:r>
               <a:rPr lang="en-US" dirty="0" smtClean="0"/>
-              <a:t>Widely documented</a:t>
+              <a:t>Open source</a:t>
             </a:r>
           </a:p>
           <a:p>
             <a:pPr lvl="1"/>
-            <a:r>
-              <a:rPr lang="en-US" dirty="0" smtClean="0"/>
-              <a:t>Extensible</a:t>
-            </a:r>
-          </a:p>
-          <a:p>
-            <a:pPr marL="320040" lvl="1" indent="0">
+            <a:endParaRPr lang="en-US" dirty="0" smtClean="0"/>
+          </a:p>
+          <a:p>
+            <a:pPr>
               <a:buNone/>
             </a:pPr>
             <a:endParaRPr lang="en-US" dirty="0" smtClean="0"/>
           </a:p>
           <a:p>
-            <a:r>
-              <a:rPr lang="en-US" dirty="0" err="1" smtClean="0"/>
-              <a:t>Laravel</a:t>
-            </a:r>
+            <a:pPr lvl="1"/>
             <a:endParaRPr lang="en-US" dirty="0" smtClean="0"/>
           </a:p>
-          <a:p>
-            <a:pPr lvl="1"/>
-            <a:r>
-              <a:rPr lang="en-US" dirty="0" smtClean="0"/>
-              <a:t>Open source</a:t>
-            </a:r>
-          </a:p>
-          <a:p>
-            <a:pPr lvl="1"/>
-            <a:r>
-              <a:rPr lang="en-US" dirty="0" smtClean="0"/>
-              <a:t>Most popular PHP framework</a:t>
-            </a:r>
-          </a:p>
-          <a:p>
-            <a:pPr lvl="1"/>
-            <a:r>
-              <a:rPr lang="en-US" dirty="0" smtClean="0"/>
-              <a:t>Secure</a:t>
-            </a:r>
-          </a:p>
-          <a:p>
-            <a:pPr lvl="1"/>
-            <a:r>
-              <a:rPr lang="en-US" dirty="0" smtClean="0"/>
-              <a:t>Reliable MVC</a:t>
-            </a:r>
-          </a:p>
-          <a:p>
-            <a:pPr marL="320040" lvl="1" indent="0">
-              <a:buNone/>
-            </a:pPr>
-            <a:endParaRPr lang="en-US" dirty="0" smtClean="0"/>
-          </a:p>
-          <a:p>
-            <a:r>
-              <a:rPr lang="en-US" dirty="0" smtClean="0"/>
-              <a:t>Externally Hosted</a:t>
-            </a:r>
-          </a:p>
-          <a:p>
-            <a:pPr lvl="1"/>
-            <a:r>
-              <a:rPr lang="en-US" dirty="0" smtClean="0"/>
-              <a:t>Safe off-site location</a:t>
-            </a:r>
-          </a:p>
-          <a:p>
-            <a:pPr lvl="1"/>
-            <a:r>
-              <a:rPr lang="en-US" dirty="0" smtClean="0"/>
-              <a:t>Easy maintenance</a:t>
-            </a:r>
-          </a:p>
-        </p:txBody>
-      </p:sp>
-      <p:pic>
-        <p:nvPicPr>
-          <p:cNvPr id="3077" name="Picture 5" descr="C:\Users\Lappi5\Desktop\logo.png"/>
-          <p:cNvPicPr>
-            <a:picLocks noChangeAspect="1" noChangeArrowheads="1"/>
-          </p:cNvPicPr>
-          <p:nvPr/>
-        </p:nvPicPr>
-        <p:blipFill>
-          <a:blip r:embed="rId3" cstate="print"/>
-          <a:srcRect/>
-          <a:stretch>
-            <a:fillRect/>
-          </a:stretch>
-        </p:blipFill>
-        <p:spPr bwMode="auto">
-          <a:xfrm>
-            <a:off x="5508625" y="3117215"/>
-            <a:ext cx="1905000" cy="1905000"/>
-          </a:xfrm>
-          <a:prstGeom prst="rect">
-            <a:avLst/>
-          </a:prstGeom>
-          <a:noFill/>
-        </p:spPr>
-      </p:pic>
-      <p:pic>
-        <p:nvPicPr>
-          <p:cNvPr id="3078" name="Picture 6" descr="C:\Users\Lappi5\Desktop\Raspberry_Pi_Logo.png"/>
-          <p:cNvPicPr>
-            <a:picLocks noChangeAspect="1" noChangeArrowheads="1"/>
-          </p:cNvPicPr>
-          <p:nvPr/>
-        </p:nvPicPr>
-        <p:blipFill>
-          <a:blip r:embed="rId4" cstate="print"/>
-          <a:srcRect/>
-          <a:stretch>
-            <a:fillRect/>
-          </a:stretch>
-        </p:blipFill>
-        <p:spPr bwMode="auto">
-          <a:xfrm>
-            <a:off x="5906066" y="1651395"/>
-            <a:ext cx="1110119" cy="1402080"/>
-          </a:xfrm>
-          <a:prstGeom prst="rect">
-            <a:avLst/>
-          </a:prstGeom>
-          <a:noFill/>
-        </p:spPr>
-      </p:pic>
-      <p:pic>
-        <p:nvPicPr>
-          <p:cNvPr id="3079" name="Picture 7" descr="C:\Users\Lappi5\Desktop\cloud.png"/>
-          <p:cNvPicPr>
-            <a:picLocks noChangeAspect="1" noChangeArrowheads="1"/>
-          </p:cNvPicPr>
-          <p:nvPr/>
-        </p:nvPicPr>
-        <p:blipFill>
-          <a:blip r:embed="rId5" cstate="print"/>
-          <a:srcRect/>
-          <a:stretch>
-            <a:fillRect/>
-          </a:stretch>
-        </p:blipFill>
-        <p:spPr bwMode="auto">
-          <a:xfrm>
-            <a:off x="5701983" y="5007544"/>
-            <a:ext cx="1518285" cy="1518285"/>
-          </a:xfrm>
-          <a:prstGeom prst="rect">
-            <a:avLst/>
-          </a:prstGeom>
-          <a:noFill/>
-        </p:spPr>
-      </p:pic>
+        </p:txBody>
+      </p:sp>
     </p:spTree>
     <p:extLst>
       <p:ext uri="{BB962C8B-B14F-4D97-AF65-F5344CB8AC3E}">
-        <p14:creationId xmlns="" xmlns:p14="http://schemas.microsoft.com/office/powerpoint/2010/main" val="2691086284"/>
+        <p14:creationId xmlns="" xmlns:p14="http://schemas.microsoft.com/office/powerpoint/2010/main" val="713173739"/>
       </p:ext>
     </p:extLst>
   </p:cSld>
@@ -8597,167 +12055,43 @@
             <a:spLocks noGrp="1"/>
           </p:cNvSpPr>
           <p:nvPr>
-            <p:ph type="title"/>
-          </p:nvPr>
-        </p:nvSpPr>
-        <p:spPr>
-          <a:xfrm>
-            <a:off x="914400" y="390618"/>
-            <a:ext cx="7315200" cy="1154097"/>
-          </a:xfrm>
-        </p:spPr>
-        <p:txBody>
-          <a:bodyPr>
-            <a:normAutofit fontScale="90000"/>
-          </a:bodyPr>
-          <a:lstStyle/>
-          <a:p>
-            <a:r>
-              <a:rPr lang="en-US" dirty="0" smtClean="0"/>
-              <a:t>Design Decisions - </a:t>
-            </a:r>
-            <a:r>
-              <a:rPr lang="en-US" dirty="0" smtClean="0"/>
-              <a:t>Improvement</a:t>
-            </a:r>
-            <a:endParaRPr lang="en-US" dirty="0"/>
-          </a:p>
-        </p:txBody>
-      </p:sp>
-      <p:sp>
-        <p:nvSpPr>
-          <p:cNvPr id="3" name="Content Placeholder 2"/>
-          <p:cNvSpPr>
-            <a:spLocks noGrp="1"/>
-          </p:cNvSpPr>
-          <p:nvPr>
-            <p:ph idx="1"/>
-          </p:nvPr>
-        </p:nvSpPr>
-        <p:spPr>
-          <a:xfrm>
-            <a:off x="914400" y="1544715"/>
-            <a:ext cx="7315200" cy="4981114"/>
-          </a:xfrm>
-        </p:spPr>
+            <p:ph type="ctrTitle"/>
+          </p:nvPr>
+        </p:nvSpPr>
+        <p:spPr/>
         <p:txBody>
           <a:bodyPr>
             <a:normAutofit/>
           </a:bodyPr>
           <a:lstStyle/>
           <a:p>
-            <a:r>
-              <a:rPr lang="en-US" dirty="0" smtClean="0"/>
-              <a:t>Boot Strap</a:t>
-            </a:r>
-          </a:p>
-          <a:p>
-            <a:pPr lvl="1"/>
-            <a:r>
-              <a:rPr lang="en-US" dirty="0" smtClean="0"/>
-              <a:t>Open source</a:t>
-            </a:r>
-          </a:p>
-          <a:p>
-            <a:pPr lvl="1"/>
-            <a:r>
-              <a:rPr lang="en-US" dirty="0" smtClean="0"/>
-              <a:t>Well Documented</a:t>
-            </a:r>
-          </a:p>
-          <a:p>
-            <a:pPr lvl="1"/>
-            <a:r>
-              <a:rPr lang="en-US" dirty="0" smtClean="0"/>
-              <a:t>Tablet and Phone Support</a:t>
-            </a:r>
-          </a:p>
-          <a:p>
-            <a:pPr lvl="1">
-              <a:buNone/>
-            </a:pPr>
-            <a:endParaRPr lang="en-US" dirty="0" smtClean="0"/>
-          </a:p>
-          <a:p>
-            <a:r>
-              <a:rPr lang="en-US" dirty="0" smtClean="0"/>
-              <a:t>Google Charts</a:t>
-            </a:r>
-            <a:endParaRPr lang="en-US" dirty="0" smtClean="0"/>
-          </a:p>
-          <a:p>
-            <a:pPr lvl="1"/>
-            <a:r>
-              <a:rPr lang="en-US" dirty="0" smtClean="0"/>
-              <a:t>Open source</a:t>
-            </a:r>
-          </a:p>
-          <a:p>
-            <a:pPr lvl="1"/>
-            <a:r>
-              <a:rPr lang="en-US" dirty="0" smtClean="0"/>
-              <a:t>Mobile support</a:t>
-            </a:r>
-            <a:endParaRPr lang="en-US" dirty="0" smtClean="0"/>
-          </a:p>
-        </p:txBody>
-      </p:sp>
-      <p:pic>
-        <p:nvPicPr>
-          <p:cNvPr id="1027" name="Picture 3" descr="C:\Users\BuckDich\Desktop\GOOGLE-DEVELOPER-VECTORLOGO-DOT-BIZ.png"/>
-          <p:cNvPicPr>
-            <a:picLocks noChangeAspect="1" noChangeArrowheads="1"/>
-          </p:cNvPicPr>
-          <p:nvPr/>
-        </p:nvPicPr>
-        <p:blipFill>
-          <a:blip r:embed="rId3"/>
-          <a:srcRect/>
-          <a:stretch>
-            <a:fillRect/>
-          </a:stretch>
-        </p:blipFill>
-        <p:spPr bwMode="auto">
-          <a:xfrm>
-            <a:off x="6066407" y="3044469"/>
-            <a:ext cx="1714620" cy="1714620"/>
-          </a:xfrm>
-          <a:prstGeom prst="rect">
-            <a:avLst/>
-          </a:prstGeom>
-          <a:noFill/>
-        </p:spPr>
-      </p:pic>
-      <p:pic>
-        <p:nvPicPr>
-          <p:cNvPr id="1029" name="Picture 5" descr="C:\Users\BuckDich\Desktop\bootstrap-logo.png"/>
-          <p:cNvPicPr>
-            <a:picLocks noChangeAspect="1" noChangeArrowheads="1"/>
-          </p:cNvPicPr>
-          <p:nvPr/>
-        </p:nvPicPr>
-        <p:blipFill>
-          <a:blip r:embed="rId4"/>
-          <a:srcRect/>
-          <a:stretch>
-            <a:fillRect/>
-          </a:stretch>
-        </p:blipFill>
-        <p:spPr bwMode="auto">
-          <a:xfrm>
-            <a:off x="5721350" y="1009627"/>
-            <a:ext cx="2381250" cy="2381250"/>
-          </a:xfrm>
-          <a:prstGeom prst="rect">
-            <a:avLst/>
-          </a:prstGeom>
-          <a:noFill/>
-        </p:spPr>
-      </p:pic>
+            <a:pPr algn="ctr"/>
+            <a:r>
+              <a:rPr lang="en-US" sz="4000" b="1" dirty="0" smtClean="0"/>
+              <a:t>Design Decisions</a:t>
+            </a:r>
+            <a:r>
+              <a:rPr lang="en-US" dirty="0" smtClean="0"/>
+              <a:t/>
+            </a:r>
+            <a:br>
+              <a:rPr lang="en-US" dirty="0" smtClean="0"/>
+            </a:br>
+            <a:r>
+              <a:rPr lang="en-US" dirty="0"/>
+              <a:t/>
+            </a:r>
+            <a:br>
+              <a:rPr lang="en-US" dirty="0"/>
+            </a:br>
+            <a:endParaRPr lang="en-US" dirty="0"/>
+          </a:p>
+        </p:txBody>
+      </p:sp>
     </p:spTree>
     <p:extLst>
       <p:ext uri="{BB962C8B-B14F-4D97-AF65-F5344CB8AC3E}">
-        <p14:creationId xmlns="" xmlns:p14="http://schemas.microsoft.com/office/powerpoint/2010/main" val="2691086284"/>
+        <p14:creationId xmlns="" xmlns:p14="http://schemas.microsoft.com/office/powerpoint/2010/main" val="3634533921"/>
       </p:ext>
     </p:extLst>
   </p:cSld>
